--- a/slides/AIK_redesign_snakemake_slides.pptx
+++ b/slides/AIK_redesign_snakemake_slides.pptx
@@ -5,7 +5,7 @@
     <p:sldMasterId id="2147483673" r:id="rId1"/>
   </p:sldMasterIdLst>
   <p:notesMasterIdLst>
-    <p:notesMasterId r:id="rId17"/>
+    <p:notesMasterId r:id="rId22"/>
   </p:notesMasterIdLst>
   <p:sldIdLst>
     <p:sldId id="256" r:id="rId2"/>
@@ -23,6 +23,11 @@
     <p:sldId id="264" r:id="rId14"/>
     <p:sldId id="268" r:id="rId15"/>
     <p:sldId id="270" r:id="rId16"/>
+    <p:sldId id="271" r:id="rId17"/>
+    <p:sldId id="272" r:id="rId18"/>
+    <p:sldId id="273" r:id="rId19"/>
+    <p:sldId id="274" r:id="rId20"/>
+    <p:sldId id="275" r:id="rId21"/>
   </p:sldIdLst>
   <p:sldSz cx="12192000" cy="6858000"/>
   <p:notesSz cx="6858000" cy="9144000"/>
@@ -876,6 +881,1500 @@
 </dgm:colorsDef>
 </file>
 
+<file path=ppt/diagrams/colors2.xml><?xml version="1.0" encoding="utf-8"?>
+<dgm:colorsDef xmlns:dgm="http://schemas.openxmlformats.org/drawingml/2006/diagram" xmlns:a="http://schemas.openxmlformats.org/drawingml/2006/main" uniqueId="urn:microsoft.com/office/officeart/2005/8/colors/accent1_2">
+  <dgm:title val=""/>
+  <dgm:desc val=""/>
+  <dgm:catLst>
+    <dgm:cat type="accent1" pri="11200"/>
+  </dgm:catLst>
+  <dgm:styleLbl name="node0">
+    <dgm:fillClrLst meth="repeat">
+      <a:schemeClr val="accent1"/>
+    </dgm:fillClrLst>
+    <dgm:linClrLst meth="repeat">
+      <a:schemeClr val="lt1"/>
+    </dgm:linClrLst>
+    <dgm:effectClrLst/>
+    <dgm:txLinClrLst/>
+    <dgm:txFillClrLst/>
+    <dgm:txEffectClrLst/>
+  </dgm:styleLbl>
+  <dgm:styleLbl name="alignNode1">
+    <dgm:fillClrLst meth="repeat">
+      <a:schemeClr val="accent1"/>
+    </dgm:fillClrLst>
+    <dgm:linClrLst meth="repeat">
+      <a:schemeClr val="accent1"/>
+    </dgm:linClrLst>
+    <dgm:effectClrLst/>
+    <dgm:txLinClrLst/>
+    <dgm:txFillClrLst/>
+    <dgm:txEffectClrLst/>
+  </dgm:styleLbl>
+  <dgm:styleLbl name="node1">
+    <dgm:fillClrLst meth="repeat">
+      <a:schemeClr val="accent1"/>
+    </dgm:fillClrLst>
+    <dgm:linClrLst meth="repeat">
+      <a:schemeClr val="lt1"/>
+    </dgm:linClrLst>
+    <dgm:effectClrLst/>
+    <dgm:txLinClrLst/>
+    <dgm:txFillClrLst/>
+    <dgm:txEffectClrLst/>
+  </dgm:styleLbl>
+  <dgm:styleLbl name="lnNode1">
+    <dgm:fillClrLst meth="repeat">
+      <a:schemeClr val="accent1"/>
+    </dgm:fillClrLst>
+    <dgm:linClrLst meth="repeat">
+      <a:schemeClr val="lt1"/>
+    </dgm:linClrLst>
+    <dgm:effectClrLst/>
+    <dgm:txLinClrLst/>
+    <dgm:txFillClrLst/>
+    <dgm:txEffectClrLst/>
+  </dgm:styleLbl>
+  <dgm:styleLbl name="vennNode1">
+    <dgm:fillClrLst meth="repeat">
+      <a:schemeClr val="accent1">
+        <a:alpha val="50000"/>
+      </a:schemeClr>
+    </dgm:fillClrLst>
+    <dgm:linClrLst meth="repeat">
+      <a:schemeClr val="lt1"/>
+    </dgm:linClrLst>
+    <dgm:effectClrLst/>
+    <dgm:txLinClrLst/>
+    <dgm:txFillClrLst/>
+    <dgm:txEffectClrLst/>
+  </dgm:styleLbl>
+  <dgm:styleLbl name="node2">
+    <dgm:fillClrLst meth="repeat">
+      <a:schemeClr val="accent1"/>
+    </dgm:fillClrLst>
+    <dgm:linClrLst meth="repeat">
+      <a:schemeClr val="lt1"/>
+    </dgm:linClrLst>
+    <dgm:effectClrLst/>
+    <dgm:txLinClrLst/>
+    <dgm:txFillClrLst/>
+    <dgm:txEffectClrLst/>
+  </dgm:styleLbl>
+  <dgm:styleLbl name="node3">
+    <dgm:fillClrLst meth="repeat">
+      <a:schemeClr val="accent1"/>
+    </dgm:fillClrLst>
+    <dgm:linClrLst meth="repeat">
+      <a:schemeClr val="lt1"/>
+    </dgm:linClrLst>
+    <dgm:effectClrLst/>
+    <dgm:txLinClrLst/>
+    <dgm:txFillClrLst/>
+    <dgm:txEffectClrLst/>
+  </dgm:styleLbl>
+  <dgm:styleLbl name="node4">
+    <dgm:fillClrLst meth="repeat">
+      <a:schemeClr val="accent1"/>
+    </dgm:fillClrLst>
+    <dgm:linClrLst meth="repeat">
+      <a:schemeClr val="lt1"/>
+    </dgm:linClrLst>
+    <dgm:effectClrLst/>
+    <dgm:txLinClrLst/>
+    <dgm:txFillClrLst/>
+    <dgm:txEffectClrLst/>
+  </dgm:styleLbl>
+  <dgm:styleLbl name="fgImgPlace1">
+    <dgm:fillClrLst meth="repeat">
+      <a:schemeClr val="accent1">
+        <a:tint val="50000"/>
+      </a:schemeClr>
+    </dgm:fillClrLst>
+    <dgm:linClrLst meth="repeat">
+      <a:schemeClr val="lt1"/>
+    </dgm:linClrLst>
+    <dgm:effectClrLst/>
+    <dgm:txLinClrLst/>
+    <dgm:txFillClrLst meth="repeat">
+      <a:schemeClr val="lt1"/>
+    </dgm:txFillClrLst>
+    <dgm:txEffectClrLst/>
+  </dgm:styleLbl>
+  <dgm:styleLbl name="alignImgPlace1">
+    <dgm:fillClrLst meth="repeat">
+      <a:schemeClr val="accent1">
+        <a:tint val="50000"/>
+      </a:schemeClr>
+    </dgm:fillClrLst>
+    <dgm:linClrLst meth="repeat">
+      <a:schemeClr val="lt1"/>
+    </dgm:linClrLst>
+    <dgm:effectClrLst/>
+    <dgm:txLinClrLst/>
+    <dgm:txFillClrLst meth="repeat">
+      <a:schemeClr val="lt1"/>
+    </dgm:txFillClrLst>
+    <dgm:txEffectClrLst/>
+  </dgm:styleLbl>
+  <dgm:styleLbl name="bgImgPlace1">
+    <dgm:fillClrLst meth="repeat">
+      <a:schemeClr val="accent1">
+        <a:tint val="50000"/>
+      </a:schemeClr>
+    </dgm:fillClrLst>
+    <dgm:linClrLst meth="repeat">
+      <a:schemeClr val="lt1"/>
+    </dgm:linClrLst>
+    <dgm:effectClrLst/>
+    <dgm:txLinClrLst/>
+    <dgm:txFillClrLst meth="repeat">
+      <a:schemeClr val="lt1"/>
+    </dgm:txFillClrLst>
+    <dgm:txEffectClrLst/>
+  </dgm:styleLbl>
+  <dgm:styleLbl name="sibTrans2D1">
+    <dgm:fillClrLst meth="repeat">
+      <a:schemeClr val="accent1">
+        <a:tint val="60000"/>
+      </a:schemeClr>
+    </dgm:fillClrLst>
+    <dgm:linClrLst meth="repeat">
+      <a:schemeClr val="accent1">
+        <a:tint val="60000"/>
+      </a:schemeClr>
+    </dgm:linClrLst>
+    <dgm:effectClrLst/>
+    <dgm:txLinClrLst/>
+    <dgm:txFillClrLst/>
+    <dgm:txEffectClrLst/>
+  </dgm:styleLbl>
+  <dgm:styleLbl name="fgSibTrans2D1">
+    <dgm:fillClrLst meth="repeat">
+      <a:schemeClr val="accent1">
+        <a:tint val="60000"/>
+      </a:schemeClr>
+    </dgm:fillClrLst>
+    <dgm:linClrLst meth="repeat">
+      <a:schemeClr val="accent1">
+        <a:tint val="60000"/>
+      </a:schemeClr>
+    </dgm:linClrLst>
+    <dgm:effectClrLst/>
+    <dgm:txLinClrLst/>
+    <dgm:txFillClrLst/>
+    <dgm:txEffectClrLst/>
+  </dgm:styleLbl>
+  <dgm:styleLbl name="bgSibTrans2D1">
+    <dgm:fillClrLst meth="repeat">
+      <a:schemeClr val="accent1">
+        <a:tint val="60000"/>
+      </a:schemeClr>
+    </dgm:fillClrLst>
+    <dgm:linClrLst meth="repeat">
+      <a:schemeClr val="accent1">
+        <a:tint val="60000"/>
+      </a:schemeClr>
+    </dgm:linClrLst>
+    <dgm:effectClrLst/>
+    <dgm:txLinClrLst/>
+    <dgm:txFillClrLst/>
+    <dgm:txEffectClrLst/>
+  </dgm:styleLbl>
+  <dgm:styleLbl name="sibTrans1D1">
+    <dgm:fillClrLst meth="repeat">
+      <a:schemeClr val="accent1"/>
+    </dgm:fillClrLst>
+    <dgm:linClrLst meth="repeat">
+      <a:schemeClr val="accent1"/>
+    </dgm:linClrLst>
+    <dgm:effectClrLst/>
+    <dgm:txLinClrLst/>
+    <dgm:txFillClrLst meth="repeat">
+      <a:schemeClr val="tx1"/>
+    </dgm:txFillClrLst>
+    <dgm:txEffectClrLst/>
+  </dgm:styleLbl>
+  <dgm:styleLbl name="callout">
+    <dgm:fillClrLst meth="repeat">
+      <a:schemeClr val="accent1"/>
+    </dgm:fillClrLst>
+    <dgm:linClrLst meth="repeat">
+      <a:schemeClr val="accent1">
+        <a:tint val="50000"/>
+      </a:schemeClr>
+    </dgm:linClrLst>
+    <dgm:effectClrLst/>
+    <dgm:txLinClrLst/>
+    <dgm:txFillClrLst meth="repeat">
+      <a:schemeClr val="tx1"/>
+    </dgm:txFillClrLst>
+    <dgm:txEffectClrLst/>
+  </dgm:styleLbl>
+  <dgm:styleLbl name="asst0">
+    <dgm:fillClrLst meth="repeat">
+      <a:schemeClr val="accent1"/>
+    </dgm:fillClrLst>
+    <dgm:linClrLst meth="repeat">
+      <a:schemeClr val="lt1"/>
+    </dgm:linClrLst>
+    <dgm:effectClrLst/>
+    <dgm:txLinClrLst/>
+    <dgm:txFillClrLst/>
+    <dgm:txEffectClrLst/>
+  </dgm:styleLbl>
+  <dgm:styleLbl name="asst1">
+    <dgm:fillClrLst meth="repeat">
+      <a:schemeClr val="accent1"/>
+    </dgm:fillClrLst>
+    <dgm:linClrLst meth="repeat">
+      <a:schemeClr val="lt1"/>
+    </dgm:linClrLst>
+    <dgm:effectClrLst/>
+    <dgm:txLinClrLst/>
+    <dgm:txFillClrLst/>
+    <dgm:txEffectClrLst/>
+  </dgm:styleLbl>
+  <dgm:styleLbl name="asst2">
+    <dgm:fillClrLst meth="repeat">
+      <a:schemeClr val="accent1"/>
+    </dgm:fillClrLst>
+    <dgm:linClrLst meth="repeat">
+      <a:schemeClr val="lt1"/>
+    </dgm:linClrLst>
+    <dgm:effectClrLst/>
+    <dgm:txLinClrLst/>
+    <dgm:txFillClrLst/>
+    <dgm:txEffectClrLst/>
+  </dgm:styleLbl>
+  <dgm:styleLbl name="asst3">
+    <dgm:fillClrLst meth="repeat">
+      <a:schemeClr val="accent1"/>
+    </dgm:fillClrLst>
+    <dgm:linClrLst meth="repeat">
+      <a:schemeClr val="lt1"/>
+    </dgm:linClrLst>
+    <dgm:effectClrLst/>
+    <dgm:txLinClrLst/>
+    <dgm:txFillClrLst/>
+    <dgm:txEffectClrLst/>
+  </dgm:styleLbl>
+  <dgm:styleLbl name="asst4">
+    <dgm:fillClrLst meth="repeat">
+      <a:schemeClr val="accent1"/>
+    </dgm:fillClrLst>
+    <dgm:linClrLst meth="repeat">
+      <a:schemeClr val="lt1"/>
+    </dgm:linClrLst>
+    <dgm:effectClrLst/>
+    <dgm:txLinClrLst/>
+    <dgm:txFillClrLst/>
+    <dgm:txEffectClrLst/>
+  </dgm:styleLbl>
+  <dgm:styleLbl name="parChTrans2D1">
+    <dgm:fillClrLst meth="repeat">
+      <a:schemeClr val="accent1">
+        <a:tint val="60000"/>
+      </a:schemeClr>
+    </dgm:fillClrLst>
+    <dgm:linClrLst meth="repeat">
+      <a:schemeClr val="accent1">
+        <a:tint val="60000"/>
+      </a:schemeClr>
+    </dgm:linClrLst>
+    <dgm:effectClrLst/>
+    <dgm:txLinClrLst/>
+    <dgm:txFillClrLst meth="repeat">
+      <a:schemeClr val="lt1"/>
+    </dgm:txFillClrLst>
+    <dgm:txEffectClrLst/>
+  </dgm:styleLbl>
+  <dgm:styleLbl name="parChTrans2D2">
+    <dgm:fillClrLst meth="repeat">
+      <a:schemeClr val="accent1"/>
+    </dgm:fillClrLst>
+    <dgm:linClrLst meth="repeat">
+      <a:schemeClr val="accent1"/>
+    </dgm:linClrLst>
+    <dgm:effectClrLst/>
+    <dgm:txLinClrLst/>
+    <dgm:txFillClrLst meth="repeat">
+      <a:schemeClr val="lt1"/>
+    </dgm:txFillClrLst>
+    <dgm:txEffectClrLst/>
+  </dgm:styleLbl>
+  <dgm:styleLbl name="parChTrans2D3">
+    <dgm:fillClrLst meth="repeat">
+      <a:schemeClr val="accent1"/>
+    </dgm:fillClrLst>
+    <dgm:linClrLst meth="repeat">
+      <a:schemeClr val="accent1"/>
+    </dgm:linClrLst>
+    <dgm:effectClrLst/>
+    <dgm:txLinClrLst/>
+    <dgm:txFillClrLst meth="repeat">
+      <a:schemeClr val="lt1"/>
+    </dgm:txFillClrLst>
+    <dgm:txEffectClrLst/>
+  </dgm:styleLbl>
+  <dgm:styleLbl name="parChTrans2D4">
+    <dgm:fillClrLst meth="repeat">
+      <a:schemeClr val="accent1"/>
+    </dgm:fillClrLst>
+    <dgm:linClrLst meth="repeat">
+      <a:schemeClr val="accent1"/>
+    </dgm:linClrLst>
+    <dgm:effectClrLst/>
+    <dgm:txLinClrLst/>
+    <dgm:txFillClrLst meth="repeat">
+      <a:schemeClr val="lt1"/>
+    </dgm:txFillClrLst>
+    <dgm:txEffectClrLst/>
+  </dgm:styleLbl>
+  <dgm:styleLbl name="parChTrans1D1">
+    <dgm:fillClrLst meth="repeat">
+      <a:schemeClr val="accent1"/>
+    </dgm:fillClrLst>
+    <dgm:linClrLst meth="repeat">
+      <a:schemeClr val="accent1">
+        <a:shade val="60000"/>
+      </a:schemeClr>
+    </dgm:linClrLst>
+    <dgm:effectClrLst/>
+    <dgm:txLinClrLst/>
+    <dgm:txFillClrLst meth="repeat">
+      <a:schemeClr val="tx1"/>
+    </dgm:txFillClrLst>
+    <dgm:txEffectClrLst/>
+  </dgm:styleLbl>
+  <dgm:styleLbl name="parChTrans1D2">
+    <dgm:fillClrLst meth="repeat">
+      <a:schemeClr val="accent1"/>
+    </dgm:fillClrLst>
+    <dgm:linClrLst meth="repeat">
+      <a:schemeClr val="accent1">
+        <a:shade val="60000"/>
+      </a:schemeClr>
+    </dgm:linClrLst>
+    <dgm:effectClrLst/>
+    <dgm:txLinClrLst/>
+    <dgm:txFillClrLst meth="repeat">
+      <a:schemeClr val="tx1"/>
+    </dgm:txFillClrLst>
+    <dgm:txEffectClrLst/>
+  </dgm:styleLbl>
+  <dgm:styleLbl name="parChTrans1D3">
+    <dgm:fillClrLst meth="repeat">
+      <a:schemeClr val="accent1"/>
+    </dgm:fillClrLst>
+    <dgm:linClrLst meth="repeat">
+      <a:schemeClr val="accent1">
+        <a:shade val="80000"/>
+      </a:schemeClr>
+    </dgm:linClrLst>
+    <dgm:effectClrLst/>
+    <dgm:txLinClrLst/>
+    <dgm:txFillClrLst meth="repeat">
+      <a:schemeClr val="tx1"/>
+    </dgm:txFillClrLst>
+    <dgm:txEffectClrLst/>
+  </dgm:styleLbl>
+  <dgm:styleLbl name="parChTrans1D4">
+    <dgm:fillClrLst meth="repeat">
+      <a:schemeClr val="accent1"/>
+    </dgm:fillClrLst>
+    <dgm:linClrLst meth="repeat">
+      <a:schemeClr val="accent1">
+        <a:shade val="80000"/>
+      </a:schemeClr>
+    </dgm:linClrLst>
+    <dgm:effectClrLst/>
+    <dgm:txLinClrLst/>
+    <dgm:txFillClrLst meth="repeat">
+      <a:schemeClr val="tx1"/>
+    </dgm:txFillClrLst>
+    <dgm:txEffectClrLst/>
+  </dgm:styleLbl>
+  <dgm:styleLbl name="fgAcc1">
+    <dgm:fillClrLst meth="repeat">
+      <a:schemeClr val="lt1">
+        <a:alpha val="90000"/>
+      </a:schemeClr>
+    </dgm:fillClrLst>
+    <dgm:linClrLst meth="repeat">
+      <a:schemeClr val="accent1"/>
+    </dgm:linClrLst>
+    <dgm:effectClrLst/>
+    <dgm:txLinClrLst/>
+    <dgm:txFillClrLst meth="repeat">
+      <a:schemeClr val="dk1"/>
+    </dgm:txFillClrLst>
+    <dgm:txEffectClrLst/>
+  </dgm:styleLbl>
+  <dgm:styleLbl name="conFgAcc1">
+    <dgm:fillClrLst meth="repeat">
+      <a:schemeClr val="lt1">
+        <a:alpha val="90000"/>
+      </a:schemeClr>
+    </dgm:fillClrLst>
+    <dgm:linClrLst meth="repeat">
+      <a:schemeClr val="accent1"/>
+    </dgm:linClrLst>
+    <dgm:effectClrLst/>
+    <dgm:txLinClrLst/>
+    <dgm:txFillClrLst meth="repeat">
+      <a:schemeClr val="dk1"/>
+    </dgm:txFillClrLst>
+    <dgm:txEffectClrLst/>
+  </dgm:styleLbl>
+  <dgm:styleLbl name="alignAcc1">
+    <dgm:fillClrLst meth="repeat">
+      <a:schemeClr val="lt1">
+        <a:alpha val="90000"/>
+      </a:schemeClr>
+    </dgm:fillClrLst>
+    <dgm:linClrLst meth="repeat">
+      <a:schemeClr val="accent1"/>
+    </dgm:linClrLst>
+    <dgm:effectClrLst/>
+    <dgm:txLinClrLst/>
+    <dgm:txFillClrLst meth="repeat">
+      <a:schemeClr val="dk1"/>
+    </dgm:txFillClrLst>
+    <dgm:txEffectClrLst/>
+  </dgm:styleLbl>
+  <dgm:styleLbl name="trAlignAcc1">
+    <dgm:fillClrLst meth="repeat">
+      <a:schemeClr val="lt1">
+        <a:alpha val="40000"/>
+      </a:schemeClr>
+    </dgm:fillClrLst>
+    <dgm:linClrLst meth="repeat">
+      <a:schemeClr val="accent1"/>
+    </dgm:linClrLst>
+    <dgm:effectClrLst/>
+    <dgm:txLinClrLst/>
+    <dgm:txFillClrLst meth="repeat">
+      <a:schemeClr val="dk1"/>
+    </dgm:txFillClrLst>
+    <dgm:txEffectClrLst/>
+  </dgm:styleLbl>
+  <dgm:styleLbl name="bgAcc1">
+    <dgm:fillClrLst meth="repeat">
+      <a:schemeClr val="lt1">
+        <a:alpha val="90000"/>
+      </a:schemeClr>
+    </dgm:fillClrLst>
+    <dgm:linClrLst meth="repeat">
+      <a:schemeClr val="accent1"/>
+    </dgm:linClrLst>
+    <dgm:effectClrLst/>
+    <dgm:txLinClrLst/>
+    <dgm:txFillClrLst meth="repeat">
+      <a:schemeClr val="dk1"/>
+    </dgm:txFillClrLst>
+    <dgm:txEffectClrLst/>
+  </dgm:styleLbl>
+  <dgm:styleLbl name="solidFgAcc1">
+    <dgm:fillClrLst meth="repeat">
+      <a:schemeClr val="lt1"/>
+    </dgm:fillClrLst>
+    <dgm:linClrLst meth="repeat">
+      <a:schemeClr val="accent1"/>
+    </dgm:linClrLst>
+    <dgm:effectClrLst/>
+    <dgm:txLinClrLst/>
+    <dgm:txFillClrLst meth="repeat">
+      <a:schemeClr val="dk1"/>
+    </dgm:txFillClrLst>
+    <dgm:txEffectClrLst/>
+  </dgm:styleLbl>
+  <dgm:styleLbl name="solidAlignAcc1">
+    <dgm:fillClrLst meth="repeat">
+      <a:schemeClr val="lt1"/>
+    </dgm:fillClrLst>
+    <dgm:linClrLst meth="repeat">
+      <a:schemeClr val="accent1"/>
+    </dgm:linClrLst>
+    <dgm:effectClrLst/>
+    <dgm:txLinClrLst/>
+    <dgm:txFillClrLst meth="repeat">
+      <a:schemeClr val="dk1"/>
+    </dgm:txFillClrLst>
+    <dgm:txEffectClrLst/>
+  </dgm:styleLbl>
+  <dgm:styleLbl name="solidBgAcc1">
+    <dgm:fillClrLst meth="repeat">
+      <a:schemeClr val="lt1"/>
+    </dgm:fillClrLst>
+    <dgm:linClrLst meth="repeat">
+      <a:schemeClr val="accent1"/>
+    </dgm:linClrLst>
+    <dgm:effectClrLst/>
+    <dgm:txLinClrLst/>
+    <dgm:txFillClrLst meth="repeat">
+      <a:schemeClr val="dk1"/>
+    </dgm:txFillClrLst>
+    <dgm:txEffectClrLst/>
+  </dgm:styleLbl>
+  <dgm:styleLbl name="fgAccFollowNode1">
+    <dgm:fillClrLst meth="repeat">
+      <a:schemeClr val="accent1">
+        <a:alpha val="90000"/>
+        <a:tint val="40000"/>
+      </a:schemeClr>
+    </dgm:fillClrLst>
+    <dgm:linClrLst meth="repeat">
+      <a:schemeClr val="accent1">
+        <a:alpha val="90000"/>
+        <a:tint val="40000"/>
+      </a:schemeClr>
+    </dgm:linClrLst>
+    <dgm:effectClrLst/>
+    <dgm:txLinClrLst/>
+    <dgm:txFillClrLst meth="repeat">
+      <a:schemeClr val="dk1"/>
+    </dgm:txFillClrLst>
+    <dgm:txEffectClrLst/>
+  </dgm:styleLbl>
+  <dgm:styleLbl name="alignAccFollowNode1">
+    <dgm:fillClrLst meth="repeat">
+      <a:schemeClr val="accent1">
+        <a:alpha val="90000"/>
+        <a:tint val="40000"/>
+      </a:schemeClr>
+    </dgm:fillClrLst>
+    <dgm:linClrLst meth="repeat">
+      <a:schemeClr val="accent1">
+        <a:alpha val="90000"/>
+        <a:tint val="40000"/>
+      </a:schemeClr>
+    </dgm:linClrLst>
+    <dgm:effectClrLst/>
+    <dgm:txLinClrLst/>
+    <dgm:txFillClrLst meth="repeat">
+      <a:schemeClr val="dk1"/>
+    </dgm:txFillClrLst>
+    <dgm:txEffectClrLst/>
+  </dgm:styleLbl>
+  <dgm:styleLbl name="bgAccFollowNode1">
+    <dgm:fillClrLst meth="repeat">
+      <a:schemeClr val="accent1">
+        <a:alpha val="90000"/>
+        <a:tint val="40000"/>
+      </a:schemeClr>
+    </dgm:fillClrLst>
+    <dgm:linClrLst meth="repeat">
+      <a:schemeClr val="accent1">
+        <a:alpha val="90000"/>
+        <a:tint val="40000"/>
+      </a:schemeClr>
+    </dgm:linClrLst>
+    <dgm:effectClrLst/>
+    <dgm:txLinClrLst/>
+    <dgm:txFillClrLst meth="repeat">
+      <a:schemeClr val="dk1"/>
+    </dgm:txFillClrLst>
+    <dgm:txEffectClrLst/>
+  </dgm:styleLbl>
+  <dgm:styleLbl name="fgAcc0">
+    <dgm:fillClrLst meth="repeat">
+      <a:schemeClr val="lt1">
+        <a:alpha val="90000"/>
+      </a:schemeClr>
+    </dgm:fillClrLst>
+    <dgm:linClrLst meth="repeat">
+      <a:schemeClr val="accent1"/>
+    </dgm:linClrLst>
+    <dgm:effectClrLst/>
+    <dgm:txLinClrLst/>
+    <dgm:txFillClrLst meth="repeat">
+      <a:schemeClr val="dk1"/>
+    </dgm:txFillClrLst>
+    <dgm:txEffectClrLst/>
+  </dgm:styleLbl>
+  <dgm:styleLbl name="fgAcc2">
+    <dgm:fillClrLst meth="repeat">
+      <a:schemeClr val="lt1">
+        <a:alpha val="90000"/>
+      </a:schemeClr>
+    </dgm:fillClrLst>
+    <dgm:linClrLst meth="repeat">
+      <a:schemeClr val="accent1"/>
+    </dgm:linClrLst>
+    <dgm:effectClrLst/>
+    <dgm:txLinClrLst/>
+    <dgm:txFillClrLst meth="repeat">
+      <a:schemeClr val="dk1"/>
+    </dgm:txFillClrLst>
+    <dgm:txEffectClrLst/>
+  </dgm:styleLbl>
+  <dgm:styleLbl name="fgAcc3">
+    <dgm:fillClrLst meth="repeat">
+      <a:schemeClr val="lt1">
+        <a:alpha val="90000"/>
+      </a:schemeClr>
+    </dgm:fillClrLst>
+    <dgm:linClrLst meth="repeat">
+      <a:schemeClr val="accent1"/>
+    </dgm:linClrLst>
+    <dgm:effectClrLst/>
+    <dgm:txLinClrLst/>
+    <dgm:txFillClrLst meth="repeat">
+      <a:schemeClr val="dk1"/>
+    </dgm:txFillClrLst>
+    <dgm:txEffectClrLst/>
+  </dgm:styleLbl>
+  <dgm:styleLbl name="fgAcc4">
+    <dgm:fillClrLst meth="repeat">
+      <a:schemeClr val="lt1">
+        <a:alpha val="90000"/>
+      </a:schemeClr>
+    </dgm:fillClrLst>
+    <dgm:linClrLst meth="repeat">
+      <a:schemeClr val="accent1"/>
+    </dgm:linClrLst>
+    <dgm:effectClrLst/>
+    <dgm:txLinClrLst/>
+    <dgm:txFillClrLst meth="repeat">
+      <a:schemeClr val="dk1"/>
+    </dgm:txFillClrLst>
+    <dgm:txEffectClrLst/>
+  </dgm:styleLbl>
+  <dgm:styleLbl name="bgShp">
+    <dgm:fillClrLst meth="repeat">
+      <a:schemeClr val="accent1">
+        <a:tint val="40000"/>
+      </a:schemeClr>
+    </dgm:fillClrLst>
+    <dgm:linClrLst meth="repeat">
+      <a:schemeClr val="accent1"/>
+    </dgm:linClrLst>
+    <dgm:effectClrLst/>
+    <dgm:txLinClrLst/>
+    <dgm:txFillClrLst meth="repeat">
+      <a:schemeClr val="dk1"/>
+    </dgm:txFillClrLst>
+    <dgm:txEffectClrLst/>
+  </dgm:styleLbl>
+  <dgm:styleLbl name="dkBgShp">
+    <dgm:fillClrLst meth="repeat">
+      <a:schemeClr val="accent1">
+        <a:shade val="80000"/>
+      </a:schemeClr>
+    </dgm:fillClrLst>
+    <dgm:linClrLst meth="repeat">
+      <a:schemeClr val="accent1"/>
+    </dgm:linClrLst>
+    <dgm:effectClrLst/>
+    <dgm:txLinClrLst/>
+    <dgm:txFillClrLst meth="repeat">
+      <a:schemeClr val="lt1"/>
+    </dgm:txFillClrLst>
+    <dgm:txEffectClrLst/>
+  </dgm:styleLbl>
+  <dgm:styleLbl name="trBgShp">
+    <dgm:fillClrLst meth="repeat">
+      <a:schemeClr val="accent1">
+        <a:tint val="50000"/>
+        <a:alpha val="40000"/>
+      </a:schemeClr>
+    </dgm:fillClrLst>
+    <dgm:linClrLst meth="repeat">
+      <a:schemeClr val="accent1"/>
+    </dgm:linClrLst>
+    <dgm:effectClrLst/>
+    <dgm:txLinClrLst/>
+    <dgm:txFillClrLst meth="repeat">
+      <a:schemeClr val="lt1"/>
+    </dgm:txFillClrLst>
+    <dgm:txEffectClrLst/>
+  </dgm:styleLbl>
+  <dgm:styleLbl name="fgShp">
+    <dgm:fillClrLst meth="repeat">
+      <a:schemeClr val="accent1">
+        <a:tint val="60000"/>
+      </a:schemeClr>
+    </dgm:fillClrLst>
+    <dgm:linClrLst meth="repeat">
+      <a:schemeClr val="lt1"/>
+    </dgm:linClrLst>
+    <dgm:effectClrLst/>
+    <dgm:txLinClrLst/>
+    <dgm:txFillClrLst meth="repeat">
+      <a:schemeClr val="dk1"/>
+    </dgm:txFillClrLst>
+    <dgm:txEffectClrLst/>
+  </dgm:styleLbl>
+  <dgm:styleLbl name="revTx">
+    <dgm:fillClrLst meth="repeat">
+      <a:schemeClr val="lt1">
+        <a:alpha val="0"/>
+      </a:schemeClr>
+    </dgm:fillClrLst>
+    <dgm:linClrLst meth="repeat">
+      <a:schemeClr val="dk1">
+        <a:alpha val="0"/>
+      </a:schemeClr>
+    </dgm:linClrLst>
+    <dgm:effectClrLst/>
+    <dgm:txLinClrLst/>
+    <dgm:txFillClrLst meth="repeat">
+      <a:schemeClr val="tx1"/>
+    </dgm:txFillClrLst>
+    <dgm:txEffectClrLst/>
+  </dgm:styleLbl>
+</dgm:colorsDef>
+</file>
+
+<file path=ppt/diagrams/colors3.xml><?xml version="1.0" encoding="utf-8"?>
+<dgm:colorsDef xmlns:dgm="http://schemas.openxmlformats.org/drawingml/2006/diagram" xmlns:a="http://schemas.openxmlformats.org/drawingml/2006/main" uniqueId="urn:microsoft.com/office/officeart/2005/8/colors/accent1_2">
+  <dgm:title val=""/>
+  <dgm:desc val=""/>
+  <dgm:catLst>
+    <dgm:cat type="accent1" pri="11200"/>
+  </dgm:catLst>
+  <dgm:styleLbl name="node0">
+    <dgm:fillClrLst meth="repeat">
+      <a:schemeClr val="accent1"/>
+    </dgm:fillClrLst>
+    <dgm:linClrLst meth="repeat">
+      <a:schemeClr val="lt1"/>
+    </dgm:linClrLst>
+    <dgm:effectClrLst/>
+    <dgm:txLinClrLst/>
+    <dgm:txFillClrLst/>
+    <dgm:txEffectClrLst/>
+  </dgm:styleLbl>
+  <dgm:styleLbl name="alignNode1">
+    <dgm:fillClrLst meth="repeat">
+      <a:schemeClr val="accent1"/>
+    </dgm:fillClrLst>
+    <dgm:linClrLst meth="repeat">
+      <a:schemeClr val="accent1"/>
+    </dgm:linClrLst>
+    <dgm:effectClrLst/>
+    <dgm:txLinClrLst/>
+    <dgm:txFillClrLst/>
+    <dgm:txEffectClrLst/>
+  </dgm:styleLbl>
+  <dgm:styleLbl name="node1">
+    <dgm:fillClrLst meth="repeat">
+      <a:schemeClr val="accent1"/>
+    </dgm:fillClrLst>
+    <dgm:linClrLst meth="repeat">
+      <a:schemeClr val="lt1"/>
+    </dgm:linClrLst>
+    <dgm:effectClrLst/>
+    <dgm:txLinClrLst/>
+    <dgm:txFillClrLst/>
+    <dgm:txEffectClrLst/>
+  </dgm:styleLbl>
+  <dgm:styleLbl name="lnNode1">
+    <dgm:fillClrLst meth="repeat">
+      <a:schemeClr val="accent1"/>
+    </dgm:fillClrLst>
+    <dgm:linClrLst meth="repeat">
+      <a:schemeClr val="lt1"/>
+    </dgm:linClrLst>
+    <dgm:effectClrLst/>
+    <dgm:txLinClrLst/>
+    <dgm:txFillClrLst/>
+    <dgm:txEffectClrLst/>
+  </dgm:styleLbl>
+  <dgm:styleLbl name="vennNode1">
+    <dgm:fillClrLst meth="repeat">
+      <a:schemeClr val="accent1">
+        <a:alpha val="50000"/>
+      </a:schemeClr>
+    </dgm:fillClrLst>
+    <dgm:linClrLst meth="repeat">
+      <a:schemeClr val="lt1"/>
+    </dgm:linClrLst>
+    <dgm:effectClrLst/>
+    <dgm:txLinClrLst/>
+    <dgm:txFillClrLst/>
+    <dgm:txEffectClrLst/>
+  </dgm:styleLbl>
+  <dgm:styleLbl name="node2">
+    <dgm:fillClrLst meth="repeat">
+      <a:schemeClr val="accent1"/>
+    </dgm:fillClrLst>
+    <dgm:linClrLst meth="repeat">
+      <a:schemeClr val="lt1"/>
+    </dgm:linClrLst>
+    <dgm:effectClrLst/>
+    <dgm:txLinClrLst/>
+    <dgm:txFillClrLst/>
+    <dgm:txEffectClrLst/>
+  </dgm:styleLbl>
+  <dgm:styleLbl name="node3">
+    <dgm:fillClrLst meth="repeat">
+      <a:schemeClr val="accent1"/>
+    </dgm:fillClrLst>
+    <dgm:linClrLst meth="repeat">
+      <a:schemeClr val="lt1"/>
+    </dgm:linClrLst>
+    <dgm:effectClrLst/>
+    <dgm:txLinClrLst/>
+    <dgm:txFillClrLst/>
+    <dgm:txEffectClrLst/>
+  </dgm:styleLbl>
+  <dgm:styleLbl name="node4">
+    <dgm:fillClrLst meth="repeat">
+      <a:schemeClr val="accent1"/>
+    </dgm:fillClrLst>
+    <dgm:linClrLst meth="repeat">
+      <a:schemeClr val="lt1"/>
+    </dgm:linClrLst>
+    <dgm:effectClrLst/>
+    <dgm:txLinClrLst/>
+    <dgm:txFillClrLst/>
+    <dgm:txEffectClrLst/>
+  </dgm:styleLbl>
+  <dgm:styleLbl name="fgImgPlace1">
+    <dgm:fillClrLst meth="repeat">
+      <a:schemeClr val="accent1">
+        <a:tint val="50000"/>
+      </a:schemeClr>
+    </dgm:fillClrLst>
+    <dgm:linClrLst meth="repeat">
+      <a:schemeClr val="lt1"/>
+    </dgm:linClrLst>
+    <dgm:effectClrLst/>
+    <dgm:txLinClrLst/>
+    <dgm:txFillClrLst meth="repeat">
+      <a:schemeClr val="lt1"/>
+    </dgm:txFillClrLst>
+    <dgm:txEffectClrLst/>
+  </dgm:styleLbl>
+  <dgm:styleLbl name="alignImgPlace1">
+    <dgm:fillClrLst meth="repeat">
+      <a:schemeClr val="accent1">
+        <a:tint val="50000"/>
+      </a:schemeClr>
+    </dgm:fillClrLst>
+    <dgm:linClrLst meth="repeat">
+      <a:schemeClr val="lt1"/>
+    </dgm:linClrLst>
+    <dgm:effectClrLst/>
+    <dgm:txLinClrLst/>
+    <dgm:txFillClrLst meth="repeat">
+      <a:schemeClr val="lt1"/>
+    </dgm:txFillClrLst>
+    <dgm:txEffectClrLst/>
+  </dgm:styleLbl>
+  <dgm:styleLbl name="bgImgPlace1">
+    <dgm:fillClrLst meth="repeat">
+      <a:schemeClr val="accent1">
+        <a:tint val="50000"/>
+      </a:schemeClr>
+    </dgm:fillClrLst>
+    <dgm:linClrLst meth="repeat">
+      <a:schemeClr val="lt1"/>
+    </dgm:linClrLst>
+    <dgm:effectClrLst/>
+    <dgm:txLinClrLst/>
+    <dgm:txFillClrLst meth="repeat">
+      <a:schemeClr val="lt1"/>
+    </dgm:txFillClrLst>
+    <dgm:txEffectClrLst/>
+  </dgm:styleLbl>
+  <dgm:styleLbl name="sibTrans2D1">
+    <dgm:fillClrLst meth="repeat">
+      <a:schemeClr val="accent1">
+        <a:tint val="60000"/>
+      </a:schemeClr>
+    </dgm:fillClrLst>
+    <dgm:linClrLst meth="repeat">
+      <a:schemeClr val="accent1">
+        <a:tint val="60000"/>
+      </a:schemeClr>
+    </dgm:linClrLst>
+    <dgm:effectClrLst/>
+    <dgm:txLinClrLst/>
+    <dgm:txFillClrLst/>
+    <dgm:txEffectClrLst/>
+  </dgm:styleLbl>
+  <dgm:styleLbl name="fgSibTrans2D1">
+    <dgm:fillClrLst meth="repeat">
+      <a:schemeClr val="accent1">
+        <a:tint val="60000"/>
+      </a:schemeClr>
+    </dgm:fillClrLst>
+    <dgm:linClrLst meth="repeat">
+      <a:schemeClr val="accent1">
+        <a:tint val="60000"/>
+      </a:schemeClr>
+    </dgm:linClrLst>
+    <dgm:effectClrLst/>
+    <dgm:txLinClrLst/>
+    <dgm:txFillClrLst/>
+    <dgm:txEffectClrLst/>
+  </dgm:styleLbl>
+  <dgm:styleLbl name="bgSibTrans2D1">
+    <dgm:fillClrLst meth="repeat">
+      <a:schemeClr val="accent1">
+        <a:tint val="60000"/>
+      </a:schemeClr>
+    </dgm:fillClrLst>
+    <dgm:linClrLst meth="repeat">
+      <a:schemeClr val="accent1">
+        <a:tint val="60000"/>
+      </a:schemeClr>
+    </dgm:linClrLst>
+    <dgm:effectClrLst/>
+    <dgm:txLinClrLst/>
+    <dgm:txFillClrLst/>
+    <dgm:txEffectClrLst/>
+  </dgm:styleLbl>
+  <dgm:styleLbl name="sibTrans1D1">
+    <dgm:fillClrLst meth="repeat">
+      <a:schemeClr val="accent1"/>
+    </dgm:fillClrLst>
+    <dgm:linClrLst meth="repeat">
+      <a:schemeClr val="accent1"/>
+    </dgm:linClrLst>
+    <dgm:effectClrLst/>
+    <dgm:txLinClrLst/>
+    <dgm:txFillClrLst meth="repeat">
+      <a:schemeClr val="tx1"/>
+    </dgm:txFillClrLst>
+    <dgm:txEffectClrLst/>
+  </dgm:styleLbl>
+  <dgm:styleLbl name="callout">
+    <dgm:fillClrLst meth="repeat">
+      <a:schemeClr val="accent1"/>
+    </dgm:fillClrLst>
+    <dgm:linClrLst meth="repeat">
+      <a:schemeClr val="accent1">
+        <a:tint val="50000"/>
+      </a:schemeClr>
+    </dgm:linClrLst>
+    <dgm:effectClrLst/>
+    <dgm:txLinClrLst/>
+    <dgm:txFillClrLst meth="repeat">
+      <a:schemeClr val="tx1"/>
+    </dgm:txFillClrLst>
+    <dgm:txEffectClrLst/>
+  </dgm:styleLbl>
+  <dgm:styleLbl name="asst0">
+    <dgm:fillClrLst meth="repeat">
+      <a:schemeClr val="accent1"/>
+    </dgm:fillClrLst>
+    <dgm:linClrLst meth="repeat">
+      <a:schemeClr val="lt1"/>
+    </dgm:linClrLst>
+    <dgm:effectClrLst/>
+    <dgm:txLinClrLst/>
+    <dgm:txFillClrLst/>
+    <dgm:txEffectClrLst/>
+  </dgm:styleLbl>
+  <dgm:styleLbl name="asst1">
+    <dgm:fillClrLst meth="repeat">
+      <a:schemeClr val="accent1"/>
+    </dgm:fillClrLst>
+    <dgm:linClrLst meth="repeat">
+      <a:schemeClr val="lt1"/>
+    </dgm:linClrLst>
+    <dgm:effectClrLst/>
+    <dgm:txLinClrLst/>
+    <dgm:txFillClrLst/>
+    <dgm:txEffectClrLst/>
+  </dgm:styleLbl>
+  <dgm:styleLbl name="asst2">
+    <dgm:fillClrLst meth="repeat">
+      <a:schemeClr val="accent1"/>
+    </dgm:fillClrLst>
+    <dgm:linClrLst meth="repeat">
+      <a:schemeClr val="lt1"/>
+    </dgm:linClrLst>
+    <dgm:effectClrLst/>
+    <dgm:txLinClrLst/>
+    <dgm:txFillClrLst/>
+    <dgm:txEffectClrLst/>
+  </dgm:styleLbl>
+  <dgm:styleLbl name="asst3">
+    <dgm:fillClrLst meth="repeat">
+      <a:schemeClr val="accent1"/>
+    </dgm:fillClrLst>
+    <dgm:linClrLst meth="repeat">
+      <a:schemeClr val="lt1"/>
+    </dgm:linClrLst>
+    <dgm:effectClrLst/>
+    <dgm:txLinClrLst/>
+    <dgm:txFillClrLst/>
+    <dgm:txEffectClrLst/>
+  </dgm:styleLbl>
+  <dgm:styleLbl name="asst4">
+    <dgm:fillClrLst meth="repeat">
+      <a:schemeClr val="accent1"/>
+    </dgm:fillClrLst>
+    <dgm:linClrLst meth="repeat">
+      <a:schemeClr val="lt1"/>
+    </dgm:linClrLst>
+    <dgm:effectClrLst/>
+    <dgm:txLinClrLst/>
+    <dgm:txFillClrLst/>
+    <dgm:txEffectClrLst/>
+  </dgm:styleLbl>
+  <dgm:styleLbl name="parChTrans2D1">
+    <dgm:fillClrLst meth="repeat">
+      <a:schemeClr val="accent1">
+        <a:tint val="60000"/>
+      </a:schemeClr>
+    </dgm:fillClrLst>
+    <dgm:linClrLst meth="repeat">
+      <a:schemeClr val="accent1">
+        <a:tint val="60000"/>
+      </a:schemeClr>
+    </dgm:linClrLst>
+    <dgm:effectClrLst/>
+    <dgm:txLinClrLst/>
+    <dgm:txFillClrLst meth="repeat">
+      <a:schemeClr val="lt1"/>
+    </dgm:txFillClrLst>
+    <dgm:txEffectClrLst/>
+  </dgm:styleLbl>
+  <dgm:styleLbl name="parChTrans2D2">
+    <dgm:fillClrLst meth="repeat">
+      <a:schemeClr val="accent1"/>
+    </dgm:fillClrLst>
+    <dgm:linClrLst meth="repeat">
+      <a:schemeClr val="accent1"/>
+    </dgm:linClrLst>
+    <dgm:effectClrLst/>
+    <dgm:txLinClrLst/>
+    <dgm:txFillClrLst meth="repeat">
+      <a:schemeClr val="lt1"/>
+    </dgm:txFillClrLst>
+    <dgm:txEffectClrLst/>
+  </dgm:styleLbl>
+  <dgm:styleLbl name="parChTrans2D3">
+    <dgm:fillClrLst meth="repeat">
+      <a:schemeClr val="accent1"/>
+    </dgm:fillClrLst>
+    <dgm:linClrLst meth="repeat">
+      <a:schemeClr val="accent1"/>
+    </dgm:linClrLst>
+    <dgm:effectClrLst/>
+    <dgm:txLinClrLst/>
+    <dgm:txFillClrLst meth="repeat">
+      <a:schemeClr val="lt1"/>
+    </dgm:txFillClrLst>
+    <dgm:txEffectClrLst/>
+  </dgm:styleLbl>
+  <dgm:styleLbl name="parChTrans2D4">
+    <dgm:fillClrLst meth="repeat">
+      <a:schemeClr val="accent1"/>
+    </dgm:fillClrLst>
+    <dgm:linClrLst meth="repeat">
+      <a:schemeClr val="accent1"/>
+    </dgm:linClrLst>
+    <dgm:effectClrLst/>
+    <dgm:txLinClrLst/>
+    <dgm:txFillClrLst meth="repeat">
+      <a:schemeClr val="lt1"/>
+    </dgm:txFillClrLst>
+    <dgm:txEffectClrLst/>
+  </dgm:styleLbl>
+  <dgm:styleLbl name="parChTrans1D1">
+    <dgm:fillClrLst meth="repeat">
+      <a:schemeClr val="accent1"/>
+    </dgm:fillClrLst>
+    <dgm:linClrLst meth="repeat">
+      <a:schemeClr val="accent1">
+        <a:shade val="60000"/>
+      </a:schemeClr>
+    </dgm:linClrLst>
+    <dgm:effectClrLst/>
+    <dgm:txLinClrLst/>
+    <dgm:txFillClrLst meth="repeat">
+      <a:schemeClr val="tx1"/>
+    </dgm:txFillClrLst>
+    <dgm:txEffectClrLst/>
+  </dgm:styleLbl>
+  <dgm:styleLbl name="parChTrans1D2">
+    <dgm:fillClrLst meth="repeat">
+      <a:schemeClr val="accent1"/>
+    </dgm:fillClrLst>
+    <dgm:linClrLst meth="repeat">
+      <a:schemeClr val="accent1">
+        <a:shade val="60000"/>
+      </a:schemeClr>
+    </dgm:linClrLst>
+    <dgm:effectClrLst/>
+    <dgm:txLinClrLst/>
+    <dgm:txFillClrLst meth="repeat">
+      <a:schemeClr val="tx1"/>
+    </dgm:txFillClrLst>
+    <dgm:txEffectClrLst/>
+  </dgm:styleLbl>
+  <dgm:styleLbl name="parChTrans1D3">
+    <dgm:fillClrLst meth="repeat">
+      <a:schemeClr val="accent1"/>
+    </dgm:fillClrLst>
+    <dgm:linClrLst meth="repeat">
+      <a:schemeClr val="accent1">
+        <a:shade val="80000"/>
+      </a:schemeClr>
+    </dgm:linClrLst>
+    <dgm:effectClrLst/>
+    <dgm:txLinClrLst/>
+    <dgm:txFillClrLst meth="repeat">
+      <a:schemeClr val="tx1"/>
+    </dgm:txFillClrLst>
+    <dgm:txEffectClrLst/>
+  </dgm:styleLbl>
+  <dgm:styleLbl name="parChTrans1D4">
+    <dgm:fillClrLst meth="repeat">
+      <a:schemeClr val="accent1"/>
+    </dgm:fillClrLst>
+    <dgm:linClrLst meth="repeat">
+      <a:schemeClr val="accent1">
+        <a:shade val="80000"/>
+      </a:schemeClr>
+    </dgm:linClrLst>
+    <dgm:effectClrLst/>
+    <dgm:txLinClrLst/>
+    <dgm:txFillClrLst meth="repeat">
+      <a:schemeClr val="tx1"/>
+    </dgm:txFillClrLst>
+    <dgm:txEffectClrLst/>
+  </dgm:styleLbl>
+  <dgm:styleLbl name="fgAcc1">
+    <dgm:fillClrLst meth="repeat">
+      <a:schemeClr val="lt1">
+        <a:alpha val="90000"/>
+      </a:schemeClr>
+    </dgm:fillClrLst>
+    <dgm:linClrLst meth="repeat">
+      <a:schemeClr val="accent1"/>
+    </dgm:linClrLst>
+    <dgm:effectClrLst/>
+    <dgm:txLinClrLst/>
+    <dgm:txFillClrLst meth="repeat">
+      <a:schemeClr val="dk1"/>
+    </dgm:txFillClrLst>
+    <dgm:txEffectClrLst/>
+  </dgm:styleLbl>
+  <dgm:styleLbl name="conFgAcc1">
+    <dgm:fillClrLst meth="repeat">
+      <a:schemeClr val="lt1">
+        <a:alpha val="90000"/>
+      </a:schemeClr>
+    </dgm:fillClrLst>
+    <dgm:linClrLst meth="repeat">
+      <a:schemeClr val="accent1"/>
+    </dgm:linClrLst>
+    <dgm:effectClrLst/>
+    <dgm:txLinClrLst/>
+    <dgm:txFillClrLst meth="repeat">
+      <a:schemeClr val="dk1"/>
+    </dgm:txFillClrLst>
+    <dgm:txEffectClrLst/>
+  </dgm:styleLbl>
+  <dgm:styleLbl name="alignAcc1">
+    <dgm:fillClrLst meth="repeat">
+      <a:schemeClr val="lt1">
+        <a:alpha val="90000"/>
+      </a:schemeClr>
+    </dgm:fillClrLst>
+    <dgm:linClrLst meth="repeat">
+      <a:schemeClr val="accent1"/>
+    </dgm:linClrLst>
+    <dgm:effectClrLst/>
+    <dgm:txLinClrLst/>
+    <dgm:txFillClrLst meth="repeat">
+      <a:schemeClr val="dk1"/>
+    </dgm:txFillClrLst>
+    <dgm:txEffectClrLst/>
+  </dgm:styleLbl>
+  <dgm:styleLbl name="trAlignAcc1">
+    <dgm:fillClrLst meth="repeat">
+      <a:schemeClr val="lt1">
+        <a:alpha val="40000"/>
+      </a:schemeClr>
+    </dgm:fillClrLst>
+    <dgm:linClrLst meth="repeat">
+      <a:schemeClr val="accent1"/>
+    </dgm:linClrLst>
+    <dgm:effectClrLst/>
+    <dgm:txLinClrLst/>
+    <dgm:txFillClrLst meth="repeat">
+      <a:schemeClr val="dk1"/>
+    </dgm:txFillClrLst>
+    <dgm:txEffectClrLst/>
+  </dgm:styleLbl>
+  <dgm:styleLbl name="bgAcc1">
+    <dgm:fillClrLst meth="repeat">
+      <a:schemeClr val="lt1">
+        <a:alpha val="90000"/>
+      </a:schemeClr>
+    </dgm:fillClrLst>
+    <dgm:linClrLst meth="repeat">
+      <a:schemeClr val="accent1"/>
+    </dgm:linClrLst>
+    <dgm:effectClrLst/>
+    <dgm:txLinClrLst/>
+    <dgm:txFillClrLst meth="repeat">
+      <a:schemeClr val="dk1"/>
+    </dgm:txFillClrLst>
+    <dgm:txEffectClrLst/>
+  </dgm:styleLbl>
+  <dgm:styleLbl name="solidFgAcc1">
+    <dgm:fillClrLst meth="repeat">
+      <a:schemeClr val="lt1"/>
+    </dgm:fillClrLst>
+    <dgm:linClrLst meth="repeat">
+      <a:schemeClr val="accent1"/>
+    </dgm:linClrLst>
+    <dgm:effectClrLst/>
+    <dgm:txLinClrLst/>
+    <dgm:txFillClrLst meth="repeat">
+      <a:schemeClr val="dk1"/>
+    </dgm:txFillClrLst>
+    <dgm:txEffectClrLst/>
+  </dgm:styleLbl>
+  <dgm:styleLbl name="solidAlignAcc1">
+    <dgm:fillClrLst meth="repeat">
+      <a:schemeClr val="lt1"/>
+    </dgm:fillClrLst>
+    <dgm:linClrLst meth="repeat">
+      <a:schemeClr val="accent1"/>
+    </dgm:linClrLst>
+    <dgm:effectClrLst/>
+    <dgm:txLinClrLst/>
+    <dgm:txFillClrLst meth="repeat">
+      <a:schemeClr val="dk1"/>
+    </dgm:txFillClrLst>
+    <dgm:txEffectClrLst/>
+  </dgm:styleLbl>
+  <dgm:styleLbl name="solidBgAcc1">
+    <dgm:fillClrLst meth="repeat">
+      <a:schemeClr val="lt1"/>
+    </dgm:fillClrLst>
+    <dgm:linClrLst meth="repeat">
+      <a:schemeClr val="accent1"/>
+    </dgm:linClrLst>
+    <dgm:effectClrLst/>
+    <dgm:txLinClrLst/>
+    <dgm:txFillClrLst meth="repeat">
+      <a:schemeClr val="dk1"/>
+    </dgm:txFillClrLst>
+    <dgm:txEffectClrLst/>
+  </dgm:styleLbl>
+  <dgm:styleLbl name="fgAccFollowNode1">
+    <dgm:fillClrLst meth="repeat">
+      <a:schemeClr val="accent1">
+        <a:alpha val="90000"/>
+        <a:tint val="40000"/>
+      </a:schemeClr>
+    </dgm:fillClrLst>
+    <dgm:linClrLst meth="repeat">
+      <a:schemeClr val="accent1">
+        <a:alpha val="90000"/>
+        <a:tint val="40000"/>
+      </a:schemeClr>
+    </dgm:linClrLst>
+    <dgm:effectClrLst/>
+    <dgm:txLinClrLst/>
+    <dgm:txFillClrLst meth="repeat">
+      <a:schemeClr val="dk1"/>
+    </dgm:txFillClrLst>
+    <dgm:txEffectClrLst/>
+  </dgm:styleLbl>
+  <dgm:styleLbl name="alignAccFollowNode1">
+    <dgm:fillClrLst meth="repeat">
+      <a:schemeClr val="accent1">
+        <a:alpha val="90000"/>
+        <a:tint val="40000"/>
+      </a:schemeClr>
+    </dgm:fillClrLst>
+    <dgm:linClrLst meth="repeat">
+      <a:schemeClr val="accent1">
+        <a:alpha val="90000"/>
+        <a:tint val="40000"/>
+      </a:schemeClr>
+    </dgm:linClrLst>
+    <dgm:effectClrLst/>
+    <dgm:txLinClrLst/>
+    <dgm:txFillClrLst meth="repeat">
+      <a:schemeClr val="dk1"/>
+    </dgm:txFillClrLst>
+    <dgm:txEffectClrLst/>
+  </dgm:styleLbl>
+  <dgm:styleLbl name="bgAccFollowNode1">
+    <dgm:fillClrLst meth="repeat">
+      <a:schemeClr val="accent1">
+        <a:alpha val="90000"/>
+        <a:tint val="40000"/>
+      </a:schemeClr>
+    </dgm:fillClrLst>
+    <dgm:linClrLst meth="repeat">
+      <a:schemeClr val="accent1">
+        <a:alpha val="90000"/>
+        <a:tint val="40000"/>
+      </a:schemeClr>
+    </dgm:linClrLst>
+    <dgm:effectClrLst/>
+    <dgm:txLinClrLst/>
+    <dgm:txFillClrLst meth="repeat">
+      <a:schemeClr val="dk1"/>
+    </dgm:txFillClrLst>
+    <dgm:txEffectClrLst/>
+  </dgm:styleLbl>
+  <dgm:styleLbl name="fgAcc0">
+    <dgm:fillClrLst meth="repeat">
+      <a:schemeClr val="lt1">
+        <a:alpha val="90000"/>
+      </a:schemeClr>
+    </dgm:fillClrLst>
+    <dgm:linClrLst meth="repeat">
+      <a:schemeClr val="accent1"/>
+    </dgm:linClrLst>
+    <dgm:effectClrLst/>
+    <dgm:txLinClrLst/>
+    <dgm:txFillClrLst meth="repeat">
+      <a:schemeClr val="dk1"/>
+    </dgm:txFillClrLst>
+    <dgm:txEffectClrLst/>
+  </dgm:styleLbl>
+  <dgm:styleLbl name="fgAcc2">
+    <dgm:fillClrLst meth="repeat">
+      <a:schemeClr val="lt1">
+        <a:alpha val="90000"/>
+      </a:schemeClr>
+    </dgm:fillClrLst>
+    <dgm:linClrLst meth="repeat">
+      <a:schemeClr val="accent1"/>
+    </dgm:linClrLst>
+    <dgm:effectClrLst/>
+    <dgm:txLinClrLst/>
+    <dgm:txFillClrLst meth="repeat">
+      <a:schemeClr val="dk1"/>
+    </dgm:txFillClrLst>
+    <dgm:txEffectClrLst/>
+  </dgm:styleLbl>
+  <dgm:styleLbl name="fgAcc3">
+    <dgm:fillClrLst meth="repeat">
+      <a:schemeClr val="lt1">
+        <a:alpha val="90000"/>
+      </a:schemeClr>
+    </dgm:fillClrLst>
+    <dgm:linClrLst meth="repeat">
+      <a:schemeClr val="accent1"/>
+    </dgm:linClrLst>
+    <dgm:effectClrLst/>
+    <dgm:txLinClrLst/>
+    <dgm:txFillClrLst meth="repeat">
+      <a:schemeClr val="dk1"/>
+    </dgm:txFillClrLst>
+    <dgm:txEffectClrLst/>
+  </dgm:styleLbl>
+  <dgm:styleLbl name="fgAcc4">
+    <dgm:fillClrLst meth="repeat">
+      <a:schemeClr val="lt1">
+        <a:alpha val="90000"/>
+      </a:schemeClr>
+    </dgm:fillClrLst>
+    <dgm:linClrLst meth="repeat">
+      <a:schemeClr val="accent1"/>
+    </dgm:linClrLst>
+    <dgm:effectClrLst/>
+    <dgm:txLinClrLst/>
+    <dgm:txFillClrLst meth="repeat">
+      <a:schemeClr val="dk1"/>
+    </dgm:txFillClrLst>
+    <dgm:txEffectClrLst/>
+  </dgm:styleLbl>
+  <dgm:styleLbl name="bgShp">
+    <dgm:fillClrLst meth="repeat">
+      <a:schemeClr val="accent1">
+        <a:tint val="40000"/>
+      </a:schemeClr>
+    </dgm:fillClrLst>
+    <dgm:linClrLst meth="repeat">
+      <a:schemeClr val="accent1"/>
+    </dgm:linClrLst>
+    <dgm:effectClrLst/>
+    <dgm:txLinClrLst/>
+    <dgm:txFillClrLst meth="repeat">
+      <a:schemeClr val="dk1"/>
+    </dgm:txFillClrLst>
+    <dgm:txEffectClrLst/>
+  </dgm:styleLbl>
+  <dgm:styleLbl name="dkBgShp">
+    <dgm:fillClrLst meth="repeat">
+      <a:schemeClr val="accent1">
+        <a:shade val="80000"/>
+      </a:schemeClr>
+    </dgm:fillClrLst>
+    <dgm:linClrLst meth="repeat">
+      <a:schemeClr val="accent1"/>
+    </dgm:linClrLst>
+    <dgm:effectClrLst/>
+    <dgm:txLinClrLst/>
+    <dgm:txFillClrLst meth="repeat">
+      <a:schemeClr val="lt1"/>
+    </dgm:txFillClrLst>
+    <dgm:txEffectClrLst/>
+  </dgm:styleLbl>
+  <dgm:styleLbl name="trBgShp">
+    <dgm:fillClrLst meth="repeat">
+      <a:schemeClr val="accent1">
+        <a:tint val="50000"/>
+        <a:alpha val="40000"/>
+      </a:schemeClr>
+    </dgm:fillClrLst>
+    <dgm:linClrLst meth="repeat">
+      <a:schemeClr val="accent1"/>
+    </dgm:linClrLst>
+    <dgm:effectClrLst/>
+    <dgm:txLinClrLst/>
+    <dgm:txFillClrLst meth="repeat">
+      <a:schemeClr val="lt1"/>
+    </dgm:txFillClrLst>
+    <dgm:txEffectClrLst/>
+  </dgm:styleLbl>
+  <dgm:styleLbl name="fgShp">
+    <dgm:fillClrLst meth="repeat">
+      <a:schemeClr val="accent1">
+        <a:tint val="60000"/>
+      </a:schemeClr>
+    </dgm:fillClrLst>
+    <dgm:linClrLst meth="repeat">
+      <a:schemeClr val="lt1"/>
+    </dgm:linClrLst>
+    <dgm:effectClrLst/>
+    <dgm:txLinClrLst/>
+    <dgm:txFillClrLst meth="repeat">
+      <a:schemeClr val="dk1"/>
+    </dgm:txFillClrLst>
+    <dgm:txEffectClrLst/>
+  </dgm:styleLbl>
+  <dgm:styleLbl name="revTx">
+    <dgm:fillClrLst meth="repeat">
+      <a:schemeClr val="lt1">
+        <a:alpha val="0"/>
+      </a:schemeClr>
+    </dgm:fillClrLst>
+    <dgm:linClrLst meth="repeat">
+      <a:schemeClr val="dk1">
+        <a:alpha val="0"/>
+      </a:schemeClr>
+    </dgm:linClrLst>
+    <dgm:effectClrLst/>
+    <dgm:txLinClrLst/>
+    <dgm:txFillClrLst meth="repeat">
+      <a:schemeClr val="tx1"/>
+    </dgm:txFillClrLst>
+    <dgm:txEffectClrLst/>
+  </dgm:styleLbl>
+</dgm:colorsDef>
+</file>
+
 <file path=ppt/diagrams/data1.xml><?xml version="1.0" encoding="utf-8"?>
 <dgm:dataModel xmlns:dgm="http://schemas.openxmlformats.org/drawingml/2006/diagram" xmlns:a="http://schemas.openxmlformats.org/drawingml/2006/main">
   <dgm:ptLst>
@@ -899,7 +2398,7 @@
         <a:p>
           <a:r>
             <a:rPr lang="en-US" dirty="0"/>
-            <a:t>FASTA files that are poorly named</a:t>
+            <a:t>FASTQ files that are poorly named</a:t>
           </a:r>
         </a:p>
       </dgm:t>
@@ -971,7 +2470,7 @@
         <a:p>
           <a:r>
             <a:rPr lang="en-US" dirty="0"/>
-            <a:t>Renamed FASTQ files</a:t>
+            <a:t>Renamed FASTA files</a:t>
           </a:r>
         </a:p>
       </dgm:t>
@@ -1234,6 +2733,439 @@
 </dgm:dataModel>
 </file>
 
+<file path=ppt/diagrams/data2.xml><?xml version="1.0" encoding="utf-8"?>
+<dgm:dataModel xmlns:dgm="http://schemas.openxmlformats.org/drawingml/2006/diagram" xmlns:a="http://schemas.openxmlformats.org/drawingml/2006/main">
+  <dgm:ptLst>
+    <dgm:pt modelId="{55732F35-9954-5C43-86D0-29CE86677298}" type="doc">
+      <dgm:prSet loTypeId="urn:microsoft.com/office/officeart/2005/8/layout/process1" loCatId="" qsTypeId="urn:microsoft.com/office/officeart/2005/8/quickstyle/simple1" qsCatId="simple" csTypeId="urn:microsoft.com/office/officeart/2005/8/colors/accent1_2" csCatId="accent1" phldr="1"/>
+      <dgm:spPr/>
+    </dgm:pt>
+    <dgm:pt modelId="{A6622B3F-F960-F341-96E1-972EF76562AF}">
+      <dgm:prSet phldrT="[Text]" custT="1"/>
+      <dgm:spPr/>
+      <dgm:t>
+        <a:bodyPr/>
+        <a:lstStyle/>
+        <a:p>
+          <a:r>
+            <a:rPr lang="en-US" sz="2400" b="1" i="0" dirty="0" err="1"/>
+            <a:t>seqtk</a:t>
+          </a:r>
+          <a:r>
+            <a:rPr lang="en-US" sz="2400" b="0" i="0" dirty="0"/>
+            <a:t> seq -a sample1_messy_name.fastq &gt; sample1_messy_name.fasta</a:t>
+          </a:r>
+          <a:endParaRPr lang="en-US" sz="2400" dirty="0"/>
+        </a:p>
+      </dgm:t>
+    </dgm:pt>
+    <dgm:pt modelId="{4DADC05A-DDD7-E742-8C2D-74D5C2445107}" type="parTrans" cxnId="{952FEF49-3A19-F442-B9A9-002DCCF2F23E}">
+      <dgm:prSet/>
+      <dgm:spPr/>
+      <dgm:t>
+        <a:bodyPr/>
+        <a:lstStyle/>
+        <a:p>
+          <a:endParaRPr lang="en-US" sz="3600"/>
+        </a:p>
+      </dgm:t>
+    </dgm:pt>
+    <dgm:pt modelId="{B93DC281-01B2-ED45-BD46-3F758D530025}" type="sibTrans" cxnId="{952FEF49-3A19-F442-B9A9-002DCCF2F23E}">
+      <dgm:prSet custT="1"/>
+      <dgm:spPr/>
+      <dgm:t>
+        <a:bodyPr/>
+        <a:lstStyle/>
+        <a:p>
+          <a:endParaRPr lang="en-US" sz="1600"/>
+        </a:p>
+      </dgm:t>
+    </dgm:pt>
+    <dgm:pt modelId="{21361501-4D4E-3D4D-BA2F-3FFA522C4773}">
+      <dgm:prSet phldrT="[Text]" custT="1"/>
+      <dgm:spPr/>
+      <dgm:t>
+        <a:bodyPr/>
+        <a:lstStyle/>
+        <a:p>
+          <a:pPr>
+            <a:buFont typeface="Arial" panose="020B0604020202020204" pitchFamily="34" charset="0"/>
+            <a:buChar char="•"/>
+          </a:pPr>
+          <a:r>
+            <a:rPr lang="en-US" sz="2400" b="1" dirty="0"/>
+            <a:t>mv</a:t>
+          </a:r>
+          <a:r>
+            <a:rPr lang="en-US" sz="2400" dirty="0"/>
+            <a:t> sample1_messy_name.fastq sample1_processed.fasta</a:t>
+          </a:r>
+          <a:endParaRPr lang="en-US" sz="2400" b="0" i="0" dirty="0"/>
+        </a:p>
+      </dgm:t>
+    </dgm:pt>
+    <dgm:pt modelId="{97586856-DD73-E940-A8CA-BDEDD00F6DB4}" type="parTrans" cxnId="{A57D067F-5163-004A-9ECA-098D3CD627DA}">
+      <dgm:prSet/>
+      <dgm:spPr/>
+      <dgm:t>
+        <a:bodyPr/>
+        <a:lstStyle/>
+        <a:p>
+          <a:endParaRPr lang="en-US" sz="3600"/>
+        </a:p>
+      </dgm:t>
+    </dgm:pt>
+    <dgm:pt modelId="{B2CFA0BD-38F9-6C43-BCEA-A1B7C1A94F9B}" type="sibTrans" cxnId="{A57D067F-5163-004A-9ECA-098D3CD627DA}">
+      <dgm:prSet custT="1"/>
+      <dgm:spPr/>
+      <dgm:t>
+        <a:bodyPr/>
+        <a:lstStyle/>
+        <a:p>
+          <a:endParaRPr lang="en-US" sz="1600"/>
+        </a:p>
+      </dgm:t>
+    </dgm:pt>
+    <dgm:pt modelId="{7A826D29-D3C3-6046-8EAC-6549B34A3DE6}" type="pres">
+      <dgm:prSet presAssocID="{55732F35-9954-5C43-86D0-29CE86677298}" presName="Name0" presStyleCnt="0">
+        <dgm:presLayoutVars>
+          <dgm:dir/>
+          <dgm:resizeHandles val="exact"/>
+        </dgm:presLayoutVars>
+      </dgm:prSet>
+      <dgm:spPr/>
+    </dgm:pt>
+    <dgm:pt modelId="{DA117601-DFEB-8F48-A404-09E4818CC619}" type="pres">
+      <dgm:prSet presAssocID="{A6622B3F-F960-F341-96E1-972EF76562AF}" presName="node" presStyleLbl="node1" presStyleIdx="0" presStyleCnt="2">
+        <dgm:presLayoutVars>
+          <dgm:bulletEnabled val="1"/>
+        </dgm:presLayoutVars>
+      </dgm:prSet>
+      <dgm:spPr/>
+    </dgm:pt>
+    <dgm:pt modelId="{65E87084-C66A-B540-8006-818FFC530FB6}" type="pres">
+      <dgm:prSet presAssocID="{B93DC281-01B2-ED45-BD46-3F758D530025}" presName="sibTrans" presStyleLbl="sibTrans2D1" presStyleIdx="0" presStyleCnt="1"/>
+      <dgm:spPr/>
+    </dgm:pt>
+    <dgm:pt modelId="{165158ED-80F5-484C-A9D1-91D4D9E5BE52}" type="pres">
+      <dgm:prSet presAssocID="{B93DC281-01B2-ED45-BD46-3F758D530025}" presName="connectorText" presStyleLbl="sibTrans2D1" presStyleIdx="0" presStyleCnt="1"/>
+      <dgm:spPr/>
+    </dgm:pt>
+    <dgm:pt modelId="{CB47249C-3119-394E-B503-250D5789B8F9}" type="pres">
+      <dgm:prSet presAssocID="{21361501-4D4E-3D4D-BA2F-3FFA522C4773}" presName="node" presStyleLbl="node1" presStyleIdx="1" presStyleCnt="2">
+        <dgm:presLayoutVars>
+          <dgm:bulletEnabled val="1"/>
+        </dgm:presLayoutVars>
+      </dgm:prSet>
+      <dgm:spPr/>
+    </dgm:pt>
+  </dgm:ptLst>
+  <dgm:cxnLst>
+    <dgm:cxn modelId="{DB7D4305-3273-AE45-B466-4B1DEF3F7F80}" type="presOf" srcId="{55732F35-9954-5C43-86D0-29CE86677298}" destId="{7A826D29-D3C3-6046-8EAC-6549B34A3DE6}" srcOrd="0" destOrd="0" presId="urn:microsoft.com/office/officeart/2005/8/layout/process1"/>
+    <dgm:cxn modelId="{C5B7CB0D-3A6C-934C-84CB-2E6F28D7B846}" type="presOf" srcId="{B93DC281-01B2-ED45-BD46-3F758D530025}" destId="{65E87084-C66A-B540-8006-818FFC530FB6}" srcOrd="0" destOrd="0" presId="urn:microsoft.com/office/officeart/2005/8/layout/process1"/>
+    <dgm:cxn modelId="{952FEF49-3A19-F442-B9A9-002DCCF2F23E}" srcId="{55732F35-9954-5C43-86D0-29CE86677298}" destId="{A6622B3F-F960-F341-96E1-972EF76562AF}" srcOrd="0" destOrd="0" parTransId="{4DADC05A-DDD7-E742-8C2D-74D5C2445107}" sibTransId="{B93DC281-01B2-ED45-BD46-3F758D530025}"/>
+    <dgm:cxn modelId="{782DC77C-2D95-884F-A5EA-CBFBB33DF833}" type="presOf" srcId="{21361501-4D4E-3D4D-BA2F-3FFA522C4773}" destId="{CB47249C-3119-394E-B503-250D5789B8F9}" srcOrd="0" destOrd="0" presId="urn:microsoft.com/office/officeart/2005/8/layout/process1"/>
+    <dgm:cxn modelId="{A57D067F-5163-004A-9ECA-098D3CD627DA}" srcId="{55732F35-9954-5C43-86D0-29CE86677298}" destId="{21361501-4D4E-3D4D-BA2F-3FFA522C4773}" srcOrd="1" destOrd="0" parTransId="{97586856-DD73-E940-A8CA-BDEDD00F6DB4}" sibTransId="{B2CFA0BD-38F9-6C43-BCEA-A1B7C1A94F9B}"/>
+    <dgm:cxn modelId="{18BEE88C-988F-314A-9329-E00B5EA9464A}" type="presOf" srcId="{B93DC281-01B2-ED45-BD46-3F758D530025}" destId="{165158ED-80F5-484C-A9D1-91D4D9E5BE52}" srcOrd="1" destOrd="0" presId="urn:microsoft.com/office/officeart/2005/8/layout/process1"/>
+    <dgm:cxn modelId="{FE5C57AF-0830-F84E-8F86-C1DFB0A5127A}" type="presOf" srcId="{A6622B3F-F960-F341-96E1-972EF76562AF}" destId="{DA117601-DFEB-8F48-A404-09E4818CC619}" srcOrd="0" destOrd="0" presId="urn:microsoft.com/office/officeart/2005/8/layout/process1"/>
+    <dgm:cxn modelId="{2571E4E1-7CC5-AE46-A74A-41E701439C4A}" type="presParOf" srcId="{7A826D29-D3C3-6046-8EAC-6549B34A3DE6}" destId="{DA117601-DFEB-8F48-A404-09E4818CC619}" srcOrd="0" destOrd="0" presId="urn:microsoft.com/office/officeart/2005/8/layout/process1"/>
+    <dgm:cxn modelId="{BF2B95AB-F486-C14D-B6ED-F8920E2928F3}" type="presParOf" srcId="{7A826D29-D3C3-6046-8EAC-6549B34A3DE6}" destId="{65E87084-C66A-B540-8006-818FFC530FB6}" srcOrd="1" destOrd="0" presId="urn:microsoft.com/office/officeart/2005/8/layout/process1"/>
+    <dgm:cxn modelId="{058F918E-5EC1-894F-8DB6-51B32E2647AF}" type="presParOf" srcId="{65E87084-C66A-B540-8006-818FFC530FB6}" destId="{165158ED-80F5-484C-A9D1-91D4D9E5BE52}" srcOrd="0" destOrd="0" presId="urn:microsoft.com/office/officeart/2005/8/layout/process1"/>
+    <dgm:cxn modelId="{9205E745-ED14-E048-9359-91EB86C9886A}" type="presParOf" srcId="{7A826D29-D3C3-6046-8EAC-6549B34A3DE6}" destId="{CB47249C-3119-394E-B503-250D5789B8F9}" srcOrd="2" destOrd="0" presId="urn:microsoft.com/office/officeart/2005/8/layout/process1"/>
+  </dgm:cxnLst>
+  <dgm:bg/>
+  <dgm:whole/>
+  <dgm:extLst>
+    <a:ext uri="http://schemas.microsoft.com/office/drawing/2008/diagram">
+      <dsp:dataModelExt xmlns:dsp="http://schemas.microsoft.com/office/drawing/2008/diagram" relId="rId6" minVer="http://schemas.openxmlformats.org/drawingml/2006/diagram"/>
+    </a:ext>
+  </dgm:extLst>
+</dgm:dataModel>
+</file>
+
+<file path=ppt/diagrams/data3.xml><?xml version="1.0" encoding="utf-8"?>
+<dgm:dataModel xmlns:dgm="http://schemas.openxmlformats.org/drawingml/2006/diagram" xmlns:a="http://schemas.openxmlformats.org/drawingml/2006/main">
+  <dgm:ptLst>
+    <dgm:pt modelId="{A1B96482-F2F5-DD4B-9887-26754C8D079D}" type="doc">
+      <dgm:prSet loTypeId="urn:microsoft.com/office/officeart/2005/8/layout/pList2" loCatId="" qsTypeId="urn:microsoft.com/office/officeart/2005/8/quickstyle/simple1" qsCatId="simple" csTypeId="urn:microsoft.com/office/officeart/2005/8/colors/accent1_2" csCatId="accent1" phldr="1"/>
+      <dgm:spPr/>
+    </dgm:pt>
+    <dgm:pt modelId="{1F009BE5-1F98-2041-8E7E-72002E417252}">
+      <dgm:prSet phldrT="[Text]"/>
+      <dgm:spPr/>
+      <dgm:t>
+        <a:bodyPr/>
+        <a:lstStyle/>
+        <a:p>
+          <a:r>
+            <a:rPr lang="en-US" dirty="0"/>
+            <a:t>Folder we store our files in</a:t>
+          </a:r>
+        </a:p>
+      </dgm:t>
+    </dgm:pt>
+    <dgm:pt modelId="{D40CE430-A235-B241-BB42-8CC5FE2D0EE6}" type="parTrans" cxnId="{06E1DED7-FA2B-6741-97ED-5256A4728202}">
+      <dgm:prSet/>
+      <dgm:spPr/>
+      <dgm:t>
+        <a:bodyPr/>
+        <a:lstStyle/>
+        <a:p>
+          <a:endParaRPr lang="en-US"/>
+        </a:p>
+      </dgm:t>
+    </dgm:pt>
+    <dgm:pt modelId="{56ECF9A7-B269-D94B-888D-7C3B0CD1199A}" type="sibTrans" cxnId="{06E1DED7-FA2B-6741-97ED-5256A4728202}">
+      <dgm:prSet/>
+      <dgm:spPr/>
+      <dgm:t>
+        <a:bodyPr/>
+        <a:lstStyle/>
+        <a:p>
+          <a:endParaRPr lang="en-US"/>
+        </a:p>
+      </dgm:t>
+    </dgm:pt>
+    <dgm:pt modelId="{9673C171-48DE-ED46-BB47-6ADE3D8C6269}">
+      <dgm:prSet phldrT="[Text]"/>
+      <dgm:spPr/>
+      <dgm:t>
+        <a:bodyPr/>
+        <a:lstStyle/>
+        <a:p>
+          <a:r>
+            <a:rPr lang="en-US" dirty="0"/>
+            <a:t>List of files inside folder</a:t>
+          </a:r>
+        </a:p>
+      </dgm:t>
+    </dgm:pt>
+    <dgm:pt modelId="{7C75BE92-CBD1-F842-92C6-BAAA7AC229C2}" type="parTrans" cxnId="{982311D3-A3A0-764C-A27E-B9C6E8FA8036}">
+      <dgm:prSet/>
+      <dgm:spPr/>
+      <dgm:t>
+        <a:bodyPr/>
+        <a:lstStyle/>
+        <a:p>
+          <a:endParaRPr lang="en-US"/>
+        </a:p>
+      </dgm:t>
+    </dgm:pt>
+    <dgm:pt modelId="{BBCA7732-E195-F242-8E66-C53F0329AA94}" type="sibTrans" cxnId="{982311D3-A3A0-764C-A27E-B9C6E8FA8036}">
+      <dgm:prSet/>
+      <dgm:spPr/>
+      <dgm:t>
+        <a:bodyPr/>
+        <a:lstStyle/>
+        <a:p>
+          <a:endParaRPr lang="en-US"/>
+        </a:p>
+      </dgm:t>
+    </dgm:pt>
+    <dgm:pt modelId="{38245763-515A-004C-9D81-035138B08749}">
+      <dgm:prSet phldrT="[Text]"/>
+      <dgm:spPr/>
+      <dgm:t>
+        <a:bodyPr/>
+        <a:lstStyle/>
+        <a:p>
+          <a:r>
+            <a:rPr lang="en-US" dirty="0"/>
+            <a:t>Output folder to save to</a:t>
+          </a:r>
+        </a:p>
+      </dgm:t>
+    </dgm:pt>
+    <dgm:pt modelId="{389A1F9F-7421-8E46-95EE-36E6A6BB652F}" type="parTrans" cxnId="{03FAC240-F358-1C44-9028-1484DC314831}">
+      <dgm:prSet/>
+      <dgm:spPr/>
+      <dgm:t>
+        <a:bodyPr/>
+        <a:lstStyle/>
+        <a:p>
+          <a:endParaRPr lang="en-US"/>
+        </a:p>
+      </dgm:t>
+    </dgm:pt>
+    <dgm:pt modelId="{D1C3C854-1C07-F74B-A219-BE8A840AFDC1}" type="sibTrans" cxnId="{03FAC240-F358-1C44-9028-1484DC314831}">
+      <dgm:prSet/>
+      <dgm:spPr/>
+      <dgm:t>
+        <a:bodyPr/>
+        <a:lstStyle/>
+        <a:p>
+          <a:endParaRPr lang="en-US"/>
+        </a:p>
+      </dgm:t>
+    </dgm:pt>
+    <dgm:pt modelId="{E7DFB50F-6F01-A74F-8825-9E8C5ADC23C0}" type="pres">
+      <dgm:prSet presAssocID="{A1B96482-F2F5-DD4B-9887-26754C8D079D}" presName="Name0" presStyleCnt="0">
+        <dgm:presLayoutVars>
+          <dgm:dir/>
+          <dgm:resizeHandles val="exact"/>
+        </dgm:presLayoutVars>
+      </dgm:prSet>
+      <dgm:spPr/>
+    </dgm:pt>
+    <dgm:pt modelId="{F5D7FC28-8664-C549-A710-A0D296E591B4}" type="pres">
+      <dgm:prSet presAssocID="{A1B96482-F2F5-DD4B-9887-26754C8D079D}" presName="bkgdShp" presStyleLbl="alignAccFollowNode1" presStyleIdx="0" presStyleCnt="1"/>
+      <dgm:spPr/>
+    </dgm:pt>
+    <dgm:pt modelId="{0AF2849E-B95D-5748-8CE2-CEB372A080FE}" type="pres">
+      <dgm:prSet presAssocID="{A1B96482-F2F5-DD4B-9887-26754C8D079D}" presName="linComp" presStyleCnt="0"/>
+      <dgm:spPr/>
+    </dgm:pt>
+    <dgm:pt modelId="{A5E9E93E-26D0-4549-98AA-36F45A765789}" type="pres">
+      <dgm:prSet presAssocID="{1F009BE5-1F98-2041-8E7E-72002E417252}" presName="compNode" presStyleCnt="0"/>
+      <dgm:spPr/>
+    </dgm:pt>
+    <dgm:pt modelId="{5AD294E4-B43E-A245-B103-B348417421FB}" type="pres">
+      <dgm:prSet presAssocID="{1F009BE5-1F98-2041-8E7E-72002E417252}" presName="node" presStyleLbl="node1" presStyleIdx="0" presStyleCnt="3">
+        <dgm:presLayoutVars>
+          <dgm:bulletEnabled val="1"/>
+        </dgm:presLayoutVars>
+      </dgm:prSet>
+      <dgm:spPr/>
+    </dgm:pt>
+    <dgm:pt modelId="{700B3568-FAC9-734D-8103-73168B929823}" type="pres">
+      <dgm:prSet presAssocID="{1F009BE5-1F98-2041-8E7E-72002E417252}" presName="invisiNode" presStyleLbl="node1" presStyleIdx="0" presStyleCnt="3"/>
+      <dgm:spPr/>
+    </dgm:pt>
+    <dgm:pt modelId="{E4D14EC2-FB09-FD4E-A642-6B7474843B95}" type="pres">
+      <dgm:prSet presAssocID="{1F009BE5-1F98-2041-8E7E-72002E417252}" presName="imagNode" presStyleLbl="fgImgPlace1" presStyleIdx="0" presStyleCnt="3"/>
+      <dgm:spPr>
+        <a:blipFill>
+          <a:blip xmlns:r="http://schemas.openxmlformats.org/officeDocument/2006/relationships" r:embed="rId1">
+            <a:extLst>
+              <a:ext uri="{837473B0-CC2E-450A-ABE3-18F120FF3D39}">
+                <a1611:picAttrSrcUrl xmlns:a1611="http://schemas.microsoft.com/office/drawing/2016/11/main" r:id="rId2"/>
+              </a:ext>
+            </a:extLst>
+          </a:blip>
+          <a:srcRect/>
+          <a:stretch>
+            <a:fillRect t="-1000" b="-1000"/>
+          </a:stretch>
+        </a:blipFill>
+      </dgm:spPr>
+    </dgm:pt>
+    <dgm:pt modelId="{83E8DC61-3910-A449-814E-F2C0F7AC000B}" type="pres">
+      <dgm:prSet presAssocID="{56ECF9A7-B269-D94B-888D-7C3B0CD1199A}" presName="sibTrans" presStyleLbl="sibTrans2D1" presStyleIdx="0" presStyleCnt="0"/>
+      <dgm:spPr/>
+    </dgm:pt>
+    <dgm:pt modelId="{55BFF1C7-50DD-704C-B906-0BD0F08F82E1}" type="pres">
+      <dgm:prSet presAssocID="{9673C171-48DE-ED46-BB47-6ADE3D8C6269}" presName="compNode" presStyleCnt="0"/>
+      <dgm:spPr/>
+    </dgm:pt>
+    <dgm:pt modelId="{30126E2B-F798-8B44-B05B-5DD32AE46787}" type="pres">
+      <dgm:prSet presAssocID="{9673C171-48DE-ED46-BB47-6ADE3D8C6269}" presName="node" presStyleLbl="node1" presStyleIdx="1" presStyleCnt="3">
+        <dgm:presLayoutVars>
+          <dgm:bulletEnabled val="1"/>
+        </dgm:presLayoutVars>
+      </dgm:prSet>
+      <dgm:spPr/>
+    </dgm:pt>
+    <dgm:pt modelId="{F394B6D3-113C-3147-85DD-7F94F38EFB7E}" type="pres">
+      <dgm:prSet presAssocID="{9673C171-48DE-ED46-BB47-6ADE3D8C6269}" presName="invisiNode" presStyleLbl="node1" presStyleIdx="1" presStyleCnt="3"/>
+      <dgm:spPr/>
+    </dgm:pt>
+    <dgm:pt modelId="{2863FDF1-7190-474F-9E5C-9C0A1C2DD8A2}" type="pres">
+      <dgm:prSet presAssocID="{9673C171-48DE-ED46-BB47-6ADE3D8C6269}" presName="imagNode" presStyleLbl="fgImgPlace1" presStyleIdx="1" presStyleCnt="3"/>
+      <dgm:spPr>
+        <a:blipFill>
+          <a:blip xmlns:r="http://schemas.openxmlformats.org/officeDocument/2006/relationships" r:embed="rId3">
+            <a:extLst>
+              <a:ext uri="{28A0092B-C50C-407E-A947-70E740481C1C}">
+                <a14:useLocalDpi xmlns:a14="http://schemas.microsoft.com/office/drawing/2010/main" val="0"/>
+              </a:ext>
+              <a:ext uri="{837473B0-CC2E-450A-ABE3-18F120FF3D39}">
+                <a1611:picAttrSrcUrl xmlns:a1611="http://schemas.microsoft.com/office/drawing/2016/11/main" r:id="rId4"/>
+              </a:ext>
+            </a:extLst>
+          </a:blip>
+          <a:srcRect/>
+          <a:stretch>
+            <a:fillRect t="-17000" b="-17000"/>
+          </a:stretch>
+        </a:blipFill>
+      </dgm:spPr>
+    </dgm:pt>
+    <dgm:pt modelId="{DDFA3168-73F4-D04E-865C-A86211CB0C0C}" type="pres">
+      <dgm:prSet presAssocID="{BBCA7732-E195-F242-8E66-C53F0329AA94}" presName="sibTrans" presStyleLbl="sibTrans2D1" presStyleIdx="0" presStyleCnt="0"/>
+      <dgm:spPr/>
+    </dgm:pt>
+    <dgm:pt modelId="{BD9EF7EB-9A73-804B-B690-36CAEDAD9E39}" type="pres">
+      <dgm:prSet presAssocID="{38245763-515A-004C-9D81-035138B08749}" presName="compNode" presStyleCnt="0"/>
+      <dgm:spPr/>
+    </dgm:pt>
+    <dgm:pt modelId="{15A861CF-A07F-354B-9542-78DD075EF7F0}" type="pres">
+      <dgm:prSet presAssocID="{38245763-515A-004C-9D81-035138B08749}" presName="node" presStyleLbl="node1" presStyleIdx="2" presStyleCnt="3">
+        <dgm:presLayoutVars>
+          <dgm:bulletEnabled val="1"/>
+        </dgm:presLayoutVars>
+      </dgm:prSet>
+      <dgm:spPr/>
+    </dgm:pt>
+    <dgm:pt modelId="{F4F640C6-B95C-E04F-B11E-2DA76795501D}" type="pres">
+      <dgm:prSet presAssocID="{38245763-515A-004C-9D81-035138B08749}" presName="invisiNode" presStyleLbl="node1" presStyleIdx="2" presStyleCnt="3"/>
+      <dgm:spPr/>
+    </dgm:pt>
+    <dgm:pt modelId="{12BC753D-AEC3-5541-B3C8-571B2EB82624}" type="pres">
+      <dgm:prSet presAssocID="{38245763-515A-004C-9D81-035138B08749}" presName="imagNode" presStyleLbl="fgImgPlace1" presStyleIdx="2" presStyleCnt="3"/>
+      <dgm:spPr>
+        <a:blipFill>
+          <a:blip xmlns:r="http://schemas.openxmlformats.org/officeDocument/2006/relationships" r:embed="rId5">
+            <a:extLst>
+              <a:ext uri="{837473B0-CC2E-450A-ABE3-18F120FF3D39}">
+                <a1611:picAttrSrcUrl xmlns:a1611="http://schemas.microsoft.com/office/drawing/2016/11/main" r:id="rId6"/>
+              </a:ext>
+            </a:extLst>
+          </a:blip>
+          <a:srcRect/>
+          <a:stretch>
+            <a:fillRect l="-6000" r="-6000"/>
+          </a:stretch>
+        </a:blipFill>
+      </dgm:spPr>
+    </dgm:pt>
+  </dgm:ptLst>
+  <dgm:cxnLst>
+    <dgm:cxn modelId="{6FD27904-2849-254F-92BD-356A4E5F4DFE}" type="presOf" srcId="{A1B96482-F2F5-DD4B-9887-26754C8D079D}" destId="{E7DFB50F-6F01-A74F-8825-9E8C5ADC23C0}" srcOrd="0" destOrd="0" presId="urn:microsoft.com/office/officeart/2005/8/layout/pList2"/>
+    <dgm:cxn modelId="{26D35110-9A1B-944B-AC0B-03B29F5DED5F}" type="presOf" srcId="{1F009BE5-1F98-2041-8E7E-72002E417252}" destId="{5AD294E4-B43E-A245-B103-B348417421FB}" srcOrd="0" destOrd="0" presId="urn:microsoft.com/office/officeart/2005/8/layout/pList2"/>
+    <dgm:cxn modelId="{EA7DBB12-C9C7-4147-93C9-BABADC87F244}" type="presOf" srcId="{56ECF9A7-B269-D94B-888D-7C3B0CD1199A}" destId="{83E8DC61-3910-A449-814E-F2C0F7AC000B}" srcOrd="0" destOrd="0" presId="urn:microsoft.com/office/officeart/2005/8/layout/pList2"/>
+    <dgm:cxn modelId="{63DA2D20-FF8A-D94A-BC19-99BB8BE79882}" type="presOf" srcId="{38245763-515A-004C-9D81-035138B08749}" destId="{15A861CF-A07F-354B-9542-78DD075EF7F0}" srcOrd="0" destOrd="0" presId="urn:microsoft.com/office/officeart/2005/8/layout/pList2"/>
+    <dgm:cxn modelId="{F7224429-99D3-0C43-A540-3A699F604084}" type="presOf" srcId="{BBCA7732-E195-F242-8E66-C53F0329AA94}" destId="{DDFA3168-73F4-D04E-865C-A86211CB0C0C}" srcOrd="0" destOrd="0" presId="urn:microsoft.com/office/officeart/2005/8/layout/pList2"/>
+    <dgm:cxn modelId="{03FAC240-F358-1C44-9028-1484DC314831}" srcId="{A1B96482-F2F5-DD4B-9887-26754C8D079D}" destId="{38245763-515A-004C-9D81-035138B08749}" srcOrd="2" destOrd="0" parTransId="{389A1F9F-7421-8E46-95EE-36E6A6BB652F}" sibTransId="{D1C3C854-1C07-F74B-A219-BE8A840AFDC1}"/>
+    <dgm:cxn modelId="{0B0A0450-BD42-9748-B301-D57EABC16917}" type="presOf" srcId="{9673C171-48DE-ED46-BB47-6ADE3D8C6269}" destId="{30126E2B-F798-8B44-B05B-5DD32AE46787}" srcOrd="0" destOrd="0" presId="urn:microsoft.com/office/officeart/2005/8/layout/pList2"/>
+    <dgm:cxn modelId="{982311D3-A3A0-764C-A27E-B9C6E8FA8036}" srcId="{A1B96482-F2F5-DD4B-9887-26754C8D079D}" destId="{9673C171-48DE-ED46-BB47-6ADE3D8C6269}" srcOrd="1" destOrd="0" parTransId="{7C75BE92-CBD1-F842-92C6-BAAA7AC229C2}" sibTransId="{BBCA7732-E195-F242-8E66-C53F0329AA94}"/>
+    <dgm:cxn modelId="{06E1DED7-FA2B-6741-97ED-5256A4728202}" srcId="{A1B96482-F2F5-DD4B-9887-26754C8D079D}" destId="{1F009BE5-1F98-2041-8E7E-72002E417252}" srcOrd="0" destOrd="0" parTransId="{D40CE430-A235-B241-BB42-8CC5FE2D0EE6}" sibTransId="{56ECF9A7-B269-D94B-888D-7C3B0CD1199A}"/>
+    <dgm:cxn modelId="{81404B2B-B26C-854E-9C83-D74A513A8571}" type="presParOf" srcId="{E7DFB50F-6F01-A74F-8825-9E8C5ADC23C0}" destId="{F5D7FC28-8664-C549-A710-A0D296E591B4}" srcOrd="0" destOrd="0" presId="urn:microsoft.com/office/officeart/2005/8/layout/pList2"/>
+    <dgm:cxn modelId="{C46047DE-D39F-364F-8C5F-2157B4AABA51}" type="presParOf" srcId="{E7DFB50F-6F01-A74F-8825-9E8C5ADC23C0}" destId="{0AF2849E-B95D-5748-8CE2-CEB372A080FE}" srcOrd="1" destOrd="0" presId="urn:microsoft.com/office/officeart/2005/8/layout/pList2"/>
+    <dgm:cxn modelId="{30E09DD3-B1AF-4D43-BCF5-8A7623F101E2}" type="presParOf" srcId="{0AF2849E-B95D-5748-8CE2-CEB372A080FE}" destId="{A5E9E93E-26D0-4549-98AA-36F45A765789}" srcOrd="0" destOrd="0" presId="urn:microsoft.com/office/officeart/2005/8/layout/pList2"/>
+    <dgm:cxn modelId="{103B18A4-910E-3C46-8671-3309954F8FCC}" type="presParOf" srcId="{A5E9E93E-26D0-4549-98AA-36F45A765789}" destId="{5AD294E4-B43E-A245-B103-B348417421FB}" srcOrd="0" destOrd="0" presId="urn:microsoft.com/office/officeart/2005/8/layout/pList2"/>
+    <dgm:cxn modelId="{723810EE-369F-A34C-BE0D-23AA6C307F9B}" type="presParOf" srcId="{A5E9E93E-26D0-4549-98AA-36F45A765789}" destId="{700B3568-FAC9-734D-8103-73168B929823}" srcOrd="1" destOrd="0" presId="urn:microsoft.com/office/officeart/2005/8/layout/pList2"/>
+    <dgm:cxn modelId="{855BB24F-132C-4148-8521-C472D51AE322}" type="presParOf" srcId="{A5E9E93E-26D0-4549-98AA-36F45A765789}" destId="{E4D14EC2-FB09-FD4E-A642-6B7474843B95}" srcOrd="2" destOrd="0" presId="urn:microsoft.com/office/officeart/2005/8/layout/pList2"/>
+    <dgm:cxn modelId="{28111A46-8996-9E4E-A8CF-AA75BED8682A}" type="presParOf" srcId="{0AF2849E-B95D-5748-8CE2-CEB372A080FE}" destId="{83E8DC61-3910-A449-814E-F2C0F7AC000B}" srcOrd="1" destOrd="0" presId="urn:microsoft.com/office/officeart/2005/8/layout/pList2"/>
+    <dgm:cxn modelId="{AF3C170C-3E80-0E42-9B36-EAC597258E59}" type="presParOf" srcId="{0AF2849E-B95D-5748-8CE2-CEB372A080FE}" destId="{55BFF1C7-50DD-704C-B906-0BD0F08F82E1}" srcOrd="2" destOrd="0" presId="urn:microsoft.com/office/officeart/2005/8/layout/pList2"/>
+    <dgm:cxn modelId="{E015E84E-7B2B-E747-8EEB-05D65E99E3EC}" type="presParOf" srcId="{55BFF1C7-50DD-704C-B906-0BD0F08F82E1}" destId="{30126E2B-F798-8B44-B05B-5DD32AE46787}" srcOrd="0" destOrd="0" presId="urn:microsoft.com/office/officeart/2005/8/layout/pList2"/>
+    <dgm:cxn modelId="{F15499AD-1DC5-264A-BB8F-FB62D3AAD7EB}" type="presParOf" srcId="{55BFF1C7-50DD-704C-B906-0BD0F08F82E1}" destId="{F394B6D3-113C-3147-85DD-7F94F38EFB7E}" srcOrd="1" destOrd="0" presId="urn:microsoft.com/office/officeart/2005/8/layout/pList2"/>
+    <dgm:cxn modelId="{1F2CD92B-7420-4344-84E7-0CEEA7587300}" type="presParOf" srcId="{55BFF1C7-50DD-704C-B906-0BD0F08F82E1}" destId="{2863FDF1-7190-474F-9E5C-9C0A1C2DD8A2}" srcOrd="2" destOrd="0" presId="urn:microsoft.com/office/officeart/2005/8/layout/pList2"/>
+    <dgm:cxn modelId="{51F3C5D0-2233-1F44-9F8C-4922B1C758B6}" type="presParOf" srcId="{0AF2849E-B95D-5748-8CE2-CEB372A080FE}" destId="{DDFA3168-73F4-D04E-865C-A86211CB0C0C}" srcOrd="3" destOrd="0" presId="urn:microsoft.com/office/officeart/2005/8/layout/pList2"/>
+    <dgm:cxn modelId="{654ADB41-4F37-6F42-903D-95D3C6679F1A}" type="presParOf" srcId="{0AF2849E-B95D-5748-8CE2-CEB372A080FE}" destId="{BD9EF7EB-9A73-804B-B690-36CAEDAD9E39}" srcOrd="4" destOrd="0" presId="urn:microsoft.com/office/officeart/2005/8/layout/pList2"/>
+    <dgm:cxn modelId="{80DB9355-EFD6-5F4B-B5DB-1169DFD6B54A}" type="presParOf" srcId="{BD9EF7EB-9A73-804B-B690-36CAEDAD9E39}" destId="{15A861CF-A07F-354B-9542-78DD075EF7F0}" srcOrd="0" destOrd="0" presId="urn:microsoft.com/office/officeart/2005/8/layout/pList2"/>
+    <dgm:cxn modelId="{997AE421-68A2-9C41-8038-CCC115C64747}" type="presParOf" srcId="{BD9EF7EB-9A73-804B-B690-36CAEDAD9E39}" destId="{F4F640C6-B95C-E04F-B11E-2DA76795501D}" srcOrd="1" destOrd="0" presId="urn:microsoft.com/office/officeart/2005/8/layout/pList2"/>
+    <dgm:cxn modelId="{3721BDD5-0880-694C-8100-C4BD179E2BAE}" type="presParOf" srcId="{BD9EF7EB-9A73-804B-B690-36CAEDAD9E39}" destId="{12BC753D-AEC3-5541-B3C8-571B2EB82624}" srcOrd="2" destOrd="0" presId="urn:microsoft.com/office/officeart/2005/8/layout/pList2"/>
+  </dgm:cxnLst>
+  <dgm:bg/>
+  <dgm:whole/>
+  <dgm:extLst>
+    <a:ext uri="http://schemas.microsoft.com/office/drawing/2008/diagram">
+      <dsp:dataModelExt xmlns:dsp="http://schemas.microsoft.com/office/drawing/2008/diagram" relId="rId6" minVer="http://schemas.openxmlformats.org/drawingml/2006/diagram"/>
+    </a:ext>
+  </dgm:extLst>
+</dgm:dataModel>
+</file>
+
 <file path=ppt/diagrams/drawing1.xml><?xml version="1.0" encoding="utf-8"?>
 <dsp:drawing xmlns:dgm="http://schemas.openxmlformats.org/drawingml/2006/diagram" xmlns:dsp="http://schemas.microsoft.com/office/drawing/2008/diagram" xmlns:a="http://schemas.openxmlformats.org/drawingml/2006/main">
   <dsp:spTree>
@@ -1293,7 +3225,7 @@
           </a:pPr>
           <a:r>
             <a:rPr lang="en-US" sz="2700" kern="1200" dirty="0"/>
-            <a:t>FASTA files that are poorly named</a:t>
+            <a:t>FASTQ files that are poorly named</a:t>
           </a:r>
         </a:p>
       </dsp:txBody>
@@ -2419,7 +4351,7 @@
           </a:pPr>
           <a:r>
             <a:rPr lang="en-US" sz="2700" kern="1200" dirty="0"/>
-            <a:t>Renamed FASTQ files</a:t>
+            <a:t>Renamed FASTA files</a:t>
           </a:r>
         </a:p>
       </dsp:txBody>
@@ -2486,6 +4418,736 @@
       <dsp:txXfrm>
         <a:off x="5174042" y="3342904"/>
         <a:ext cx="2924175" cy="1803241"/>
+      </dsp:txXfrm>
+    </dsp:sp>
+  </dsp:spTree>
+</dsp:drawing>
+</file>
+
+<file path=ppt/diagrams/drawing2.xml><?xml version="1.0" encoding="utf-8"?>
+<dsp:drawing xmlns:dgm="http://schemas.openxmlformats.org/drawingml/2006/diagram" xmlns:dsp="http://schemas.microsoft.com/office/drawing/2008/diagram" xmlns:a="http://schemas.openxmlformats.org/drawingml/2006/main">
+  <dsp:spTree>
+    <dsp:nvGrpSpPr>
+      <dsp:cNvPr id="0" name=""/>
+      <dsp:cNvGrpSpPr/>
+    </dsp:nvGrpSpPr>
+    <dsp:grpSpPr/>
+    <dsp:sp modelId="{DA117601-DFEB-8F48-A404-09E4818CC619}">
+      <dsp:nvSpPr>
+        <dsp:cNvPr id="0" name=""/>
+        <dsp:cNvSpPr/>
+      </dsp:nvSpPr>
+      <dsp:spPr>
+        <a:xfrm>
+          <a:off x="2291" y="0"/>
+          <a:ext cx="4887590" cy="2736261"/>
+        </a:xfrm>
+        <a:prstGeom prst="roundRect">
+          <a:avLst>
+            <a:gd name="adj" fmla="val 10000"/>
+          </a:avLst>
+        </a:prstGeom>
+        <a:solidFill>
+          <a:schemeClr val="accent1">
+            <a:hueOff val="0"/>
+            <a:satOff val="0"/>
+            <a:lumOff val="0"/>
+            <a:alphaOff val="0"/>
+          </a:schemeClr>
+        </a:solidFill>
+        <a:ln w="12700" cap="flat" cmpd="sng" algn="ctr">
+          <a:solidFill>
+            <a:schemeClr val="lt1">
+              <a:hueOff val="0"/>
+              <a:satOff val="0"/>
+              <a:lumOff val="0"/>
+              <a:alphaOff val="0"/>
+            </a:schemeClr>
+          </a:solidFill>
+          <a:prstDash val="solid"/>
+          <a:miter lim="800000"/>
+        </a:ln>
+        <a:effectLst/>
+      </dsp:spPr>
+      <dsp:style>
+        <a:lnRef idx="2">
+          <a:scrgbClr r="0" g="0" b="0"/>
+        </a:lnRef>
+        <a:fillRef idx="1">
+          <a:scrgbClr r="0" g="0" b="0"/>
+        </a:fillRef>
+        <a:effectRef idx="0">
+          <a:scrgbClr r="0" g="0" b="0"/>
+        </a:effectRef>
+        <a:fontRef idx="minor">
+          <a:schemeClr val="lt1"/>
+        </a:fontRef>
+      </dsp:style>
+      <dsp:txBody>
+        <a:bodyPr spcFirstLastPara="0" vert="horz" wrap="square" lIns="91440" tIns="91440" rIns="91440" bIns="91440" numCol="1" spcCol="1270" anchor="ctr" anchorCtr="0">
+          <a:noAutofit/>
+        </a:bodyPr>
+        <a:lstStyle/>
+        <a:p>
+          <a:pPr marL="0" lvl="0" indent="0" algn="ctr" defTabSz="1066800">
+            <a:lnSpc>
+              <a:spcPct val="90000"/>
+            </a:lnSpc>
+            <a:spcBef>
+              <a:spcPct val="0"/>
+            </a:spcBef>
+            <a:spcAft>
+              <a:spcPct val="35000"/>
+            </a:spcAft>
+            <a:buNone/>
+          </a:pPr>
+          <a:r>
+            <a:rPr lang="en-US" sz="2400" b="1" i="0" kern="1200" dirty="0" err="1"/>
+            <a:t>seqtk</a:t>
+          </a:r>
+          <a:r>
+            <a:rPr lang="en-US" sz="2400" b="0" i="0" kern="1200" dirty="0"/>
+            <a:t> seq -a sample1_messy_name.fastq &gt; sample1_messy_name.fasta</a:t>
+          </a:r>
+          <a:endParaRPr lang="en-US" sz="2400" kern="1200" dirty="0"/>
+        </a:p>
+      </dsp:txBody>
+      <dsp:txXfrm>
+        <a:off x="82433" y="80142"/>
+        <a:ext cx="4727306" cy="2575977"/>
+      </dsp:txXfrm>
+    </dsp:sp>
+    <dsp:sp modelId="{65E87084-C66A-B540-8006-818FFC530FB6}">
+      <dsp:nvSpPr>
+        <dsp:cNvPr id="0" name=""/>
+        <dsp:cNvSpPr/>
+      </dsp:nvSpPr>
+      <dsp:spPr>
+        <a:xfrm>
+          <a:off x="5378640" y="762069"/>
+          <a:ext cx="1036169" cy="1212122"/>
+        </a:xfrm>
+        <a:prstGeom prst="rightArrow">
+          <a:avLst>
+            <a:gd name="adj1" fmla="val 60000"/>
+            <a:gd name="adj2" fmla="val 50000"/>
+          </a:avLst>
+        </a:prstGeom>
+        <a:solidFill>
+          <a:schemeClr val="accent1">
+            <a:tint val="60000"/>
+            <a:hueOff val="0"/>
+            <a:satOff val="0"/>
+            <a:lumOff val="0"/>
+            <a:alphaOff val="0"/>
+          </a:schemeClr>
+        </a:solidFill>
+        <a:ln>
+          <a:noFill/>
+        </a:ln>
+        <a:effectLst/>
+      </dsp:spPr>
+      <dsp:style>
+        <a:lnRef idx="0">
+          <a:scrgbClr r="0" g="0" b="0"/>
+        </a:lnRef>
+        <a:fillRef idx="1">
+          <a:scrgbClr r="0" g="0" b="0"/>
+        </a:fillRef>
+        <a:effectRef idx="0">
+          <a:scrgbClr r="0" g="0" b="0"/>
+        </a:effectRef>
+        <a:fontRef idx="minor">
+          <a:schemeClr val="lt1"/>
+        </a:fontRef>
+      </dsp:style>
+      <dsp:txBody>
+        <a:bodyPr spcFirstLastPara="0" vert="horz" wrap="square" lIns="0" tIns="0" rIns="0" bIns="0" numCol="1" spcCol="1270" anchor="ctr" anchorCtr="0">
+          <a:noAutofit/>
+        </a:bodyPr>
+        <a:lstStyle/>
+        <a:p>
+          <a:pPr marL="0" lvl="0" indent="0" algn="ctr" defTabSz="711200">
+            <a:lnSpc>
+              <a:spcPct val="90000"/>
+            </a:lnSpc>
+            <a:spcBef>
+              <a:spcPct val="0"/>
+            </a:spcBef>
+            <a:spcAft>
+              <a:spcPct val="35000"/>
+            </a:spcAft>
+            <a:buNone/>
+          </a:pPr>
+          <a:endParaRPr lang="en-US" sz="1600" kern="1200"/>
+        </a:p>
+      </dsp:txBody>
+      <dsp:txXfrm>
+        <a:off x="5378640" y="1004493"/>
+        <a:ext cx="725318" cy="727274"/>
+      </dsp:txXfrm>
+    </dsp:sp>
+    <dsp:sp modelId="{CB47249C-3119-394E-B503-250D5789B8F9}">
+      <dsp:nvSpPr>
+        <dsp:cNvPr id="0" name=""/>
+        <dsp:cNvSpPr/>
+      </dsp:nvSpPr>
+      <dsp:spPr>
+        <a:xfrm>
+          <a:off x="6844918" y="0"/>
+          <a:ext cx="4887590" cy="2736261"/>
+        </a:xfrm>
+        <a:prstGeom prst="roundRect">
+          <a:avLst>
+            <a:gd name="adj" fmla="val 10000"/>
+          </a:avLst>
+        </a:prstGeom>
+        <a:solidFill>
+          <a:schemeClr val="accent1">
+            <a:hueOff val="0"/>
+            <a:satOff val="0"/>
+            <a:lumOff val="0"/>
+            <a:alphaOff val="0"/>
+          </a:schemeClr>
+        </a:solidFill>
+        <a:ln w="12700" cap="flat" cmpd="sng" algn="ctr">
+          <a:solidFill>
+            <a:schemeClr val="lt1">
+              <a:hueOff val="0"/>
+              <a:satOff val="0"/>
+              <a:lumOff val="0"/>
+              <a:alphaOff val="0"/>
+            </a:schemeClr>
+          </a:solidFill>
+          <a:prstDash val="solid"/>
+          <a:miter lim="800000"/>
+        </a:ln>
+        <a:effectLst/>
+      </dsp:spPr>
+      <dsp:style>
+        <a:lnRef idx="2">
+          <a:scrgbClr r="0" g="0" b="0"/>
+        </a:lnRef>
+        <a:fillRef idx="1">
+          <a:scrgbClr r="0" g="0" b="0"/>
+        </a:fillRef>
+        <a:effectRef idx="0">
+          <a:scrgbClr r="0" g="0" b="0"/>
+        </a:effectRef>
+        <a:fontRef idx="minor">
+          <a:schemeClr val="lt1"/>
+        </a:fontRef>
+      </dsp:style>
+      <dsp:txBody>
+        <a:bodyPr spcFirstLastPara="0" vert="horz" wrap="square" lIns="91440" tIns="91440" rIns="91440" bIns="91440" numCol="1" spcCol="1270" anchor="ctr" anchorCtr="0">
+          <a:noAutofit/>
+        </a:bodyPr>
+        <a:lstStyle/>
+        <a:p>
+          <a:pPr marL="0" lvl="0" indent="0" algn="ctr" defTabSz="1066800">
+            <a:lnSpc>
+              <a:spcPct val="90000"/>
+            </a:lnSpc>
+            <a:spcBef>
+              <a:spcPct val="0"/>
+            </a:spcBef>
+            <a:spcAft>
+              <a:spcPct val="35000"/>
+            </a:spcAft>
+            <a:buFont typeface="Arial" panose="020B0604020202020204" pitchFamily="34" charset="0"/>
+            <a:buNone/>
+          </a:pPr>
+          <a:r>
+            <a:rPr lang="en-US" sz="2400" b="1" kern="1200" dirty="0"/>
+            <a:t>mv</a:t>
+          </a:r>
+          <a:r>
+            <a:rPr lang="en-US" sz="2400" kern="1200" dirty="0"/>
+            <a:t> sample1_messy_name.fastq sample1_processed.fasta</a:t>
+          </a:r>
+          <a:endParaRPr lang="en-US" sz="2400" b="0" i="0" kern="1200" dirty="0"/>
+        </a:p>
+      </dsp:txBody>
+      <dsp:txXfrm>
+        <a:off x="6925060" y="80142"/>
+        <a:ext cx="4727306" cy="2575977"/>
+      </dsp:txXfrm>
+    </dsp:sp>
+  </dsp:spTree>
+</dsp:drawing>
+</file>
+
+<file path=ppt/diagrams/drawing3.xml><?xml version="1.0" encoding="utf-8"?>
+<dsp:drawing xmlns:dgm="http://schemas.openxmlformats.org/drawingml/2006/diagram" xmlns:dsp="http://schemas.microsoft.com/office/drawing/2008/diagram" xmlns:a="http://schemas.openxmlformats.org/drawingml/2006/main">
+  <dsp:spTree>
+    <dsp:nvGrpSpPr>
+      <dsp:cNvPr id="0" name=""/>
+      <dsp:cNvGrpSpPr/>
+    </dsp:nvGrpSpPr>
+    <dsp:grpSpPr/>
+    <dsp:sp modelId="{F5D7FC28-8664-C549-A710-A0D296E591B4}">
+      <dsp:nvSpPr>
+        <dsp:cNvPr id="0" name=""/>
+        <dsp:cNvSpPr/>
+      </dsp:nvSpPr>
+      <dsp:spPr>
+        <a:xfrm>
+          <a:off x="0" y="0"/>
+          <a:ext cx="9641114" cy="2225652"/>
+        </a:xfrm>
+        <a:prstGeom prst="roundRect">
+          <a:avLst>
+            <a:gd name="adj" fmla="val 10000"/>
+          </a:avLst>
+        </a:prstGeom>
+        <a:solidFill>
+          <a:schemeClr val="accent1">
+            <a:alpha val="90000"/>
+            <a:tint val="40000"/>
+            <a:hueOff val="0"/>
+            <a:satOff val="0"/>
+            <a:lumOff val="0"/>
+            <a:alphaOff val="0"/>
+          </a:schemeClr>
+        </a:solidFill>
+        <a:ln w="12700" cap="flat" cmpd="sng" algn="ctr">
+          <a:solidFill>
+            <a:schemeClr val="accent1">
+              <a:alpha val="90000"/>
+              <a:tint val="40000"/>
+              <a:hueOff val="0"/>
+              <a:satOff val="0"/>
+              <a:lumOff val="0"/>
+              <a:alphaOff val="0"/>
+            </a:schemeClr>
+          </a:solidFill>
+          <a:prstDash val="solid"/>
+          <a:miter lim="800000"/>
+        </a:ln>
+        <a:effectLst/>
+      </dsp:spPr>
+      <dsp:style>
+        <a:lnRef idx="2">
+          <a:scrgbClr r="0" g="0" b="0"/>
+        </a:lnRef>
+        <a:fillRef idx="1">
+          <a:scrgbClr r="0" g="0" b="0"/>
+        </a:fillRef>
+        <a:effectRef idx="0">
+          <a:scrgbClr r="0" g="0" b="0"/>
+        </a:effectRef>
+        <a:fontRef idx="minor"/>
+      </dsp:style>
+    </dsp:sp>
+    <dsp:sp modelId="{E4D14EC2-FB09-FD4E-A642-6B7474843B95}">
+      <dsp:nvSpPr>
+        <dsp:cNvPr id="0" name=""/>
+        <dsp:cNvSpPr/>
+      </dsp:nvSpPr>
+      <dsp:spPr>
+        <a:xfrm>
+          <a:off x="289233" y="296753"/>
+          <a:ext cx="2832077" cy="1632145"/>
+        </a:xfrm>
+        <a:prstGeom prst="roundRect">
+          <a:avLst>
+            <a:gd name="adj" fmla="val 10000"/>
+          </a:avLst>
+        </a:prstGeom>
+        <a:blipFill>
+          <a:blip xmlns:r="http://schemas.openxmlformats.org/officeDocument/2006/relationships" r:embed="rId1">
+            <a:extLst>
+              <a:ext uri="{837473B0-CC2E-450A-ABE3-18F120FF3D39}">
+                <a1611:picAttrSrcUrl xmlns:a1611="http://schemas.microsoft.com/office/drawing/2016/11/main" r:id="rId2"/>
+              </a:ext>
+            </a:extLst>
+          </a:blip>
+          <a:srcRect/>
+          <a:stretch>
+            <a:fillRect t="-1000" b="-1000"/>
+          </a:stretch>
+        </a:blipFill>
+        <a:ln w="12700" cap="flat" cmpd="sng" algn="ctr">
+          <a:solidFill>
+            <a:schemeClr val="lt1">
+              <a:hueOff val="0"/>
+              <a:satOff val="0"/>
+              <a:lumOff val="0"/>
+              <a:alphaOff val="0"/>
+            </a:schemeClr>
+          </a:solidFill>
+          <a:prstDash val="solid"/>
+          <a:miter lim="800000"/>
+        </a:ln>
+        <a:effectLst/>
+      </dsp:spPr>
+      <dsp:style>
+        <a:lnRef idx="2">
+          <a:scrgbClr r="0" g="0" b="0"/>
+        </a:lnRef>
+        <a:fillRef idx="1">
+          <a:scrgbClr r="0" g="0" b="0"/>
+        </a:fillRef>
+        <a:effectRef idx="0">
+          <a:scrgbClr r="0" g="0" b="0"/>
+        </a:effectRef>
+        <a:fontRef idx="minor"/>
+      </dsp:style>
+    </dsp:sp>
+    <dsp:sp modelId="{5AD294E4-B43E-A245-B103-B348417421FB}">
+      <dsp:nvSpPr>
+        <dsp:cNvPr id="0" name=""/>
+        <dsp:cNvSpPr/>
+      </dsp:nvSpPr>
+      <dsp:spPr>
+        <a:xfrm rot="10800000">
+          <a:off x="289233" y="2225652"/>
+          <a:ext cx="2832077" cy="2720241"/>
+        </a:xfrm>
+        <a:prstGeom prst="round2SameRect">
+          <a:avLst>
+            <a:gd name="adj1" fmla="val 10500"/>
+            <a:gd name="adj2" fmla="val 0"/>
+          </a:avLst>
+        </a:prstGeom>
+        <a:solidFill>
+          <a:schemeClr val="accent1">
+            <a:hueOff val="0"/>
+            <a:satOff val="0"/>
+            <a:lumOff val="0"/>
+            <a:alphaOff val="0"/>
+          </a:schemeClr>
+        </a:solidFill>
+        <a:ln w="12700" cap="flat" cmpd="sng" algn="ctr">
+          <a:solidFill>
+            <a:schemeClr val="lt1">
+              <a:hueOff val="0"/>
+              <a:satOff val="0"/>
+              <a:lumOff val="0"/>
+              <a:alphaOff val="0"/>
+            </a:schemeClr>
+          </a:solidFill>
+          <a:prstDash val="solid"/>
+          <a:miter lim="800000"/>
+        </a:ln>
+        <a:effectLst/>
+      </dsp:spPr>
+      <dsp:style>
+        <a:lnRef idx="2">
+          <a:scrgbClr r="0" g="0" b="0"/>
+        </a:lnRef>
+        <a:fillRef idx="1">
+          <a:scrgbClr r="0" g="0" b="0"/>
+        </a:fillRef>
+        <a:effectRef idx="0">
+          <a:scrgbClr r="0" g="0" b="0"/>
+        </a:effectRef>
+        <a:fontRef idx="minor">
+          <a:schemeClr val="lt1"/>
+        </a:fontRef>
+      </dsp:style>
+      <dsp:txBody>
+        <a:bodyPr spcFirstLastPara="0" vert="horz" wrap="square" lIns="263144" tIns="263144" rIns="263144" bIns="263144" numCol="1" spcCol="1270" anchor="t" anchorCtr="0">
+          <a:noAutofit/>
+        </a:bodyPr>
+        <a:lstStyle/>
+        <a:p>
+          <a:pPr marL="0" lvl="0" indent="0" algn="ctr" defTabSz="1644650">
+            <a:lnSpc>
+              <a:spcPct val="90000"/>
+            </a:lnSpc>
+            <a:spcBef>
+              <a:spcPct val="0"/>
+            </a:spcBef>
+            <a:spcAft>
+              <a:spcPct val="35000"/>
+            </a:spcAft>
+            <a:buNone/>
+          </a:pPr>
+          <a:r>
+            <a:rPr lang="en-US" sz="3700" kern="1200" dirty="0"/>
+            <a:t>Folder we store our files in</a:t>
+          </a:r>
+        </a:p>
+      </dsp:txBody>
+      <dsp:txXfrm rot="10800000">
+        <a:off x="372890" y="2225652"/>
+        <a:ext cx="2664763" cy="2636584"/>
+      </dsp:txXfrm>
+    </dsp:sp>
+    <dsp:sp modelId="{2863FDF1-7190-474F-9E5C-9C0A1C2DD8A2}">
+      <dsp:nvSpPr>
+        <dsp:cNvPr id="0" name=""/>
+        <dsp:cNvSpPr/>
+      </dsp:nvSpPr>
+      <dsp:spPr>
+        <a:xfrm>
+          <a:off x="3404518" y="296753"/>
+          <a:ext cx="2832077" cy="1632145"/>
+        </a:xfrm>
+        <a:prstGeom prst="roundRect">
+          <a:avLst>
+            <a:gd name="adj" fmla="val 10000"/>
+          </a:avLst>
+        </a:prstGeom>
+        <a:blipFill>
+          <a:blip xmlns:r="http://schemas.openxmlformats.org/officeDocument/2006/relationships" r:embed="rId3">
+            <a:extLst>
+              <a:ext uri="{28A0092B-C50C-407E-A947-70E740481C1C}">
+                <a14:useLocalDpi xmlns:a14="http://schemas.microsoft.com/office/drawing/2010/main" val="0"/>
+              </a:ext>
+              <a:ext uri="{837473B0-CC2E-450A-ABE3-18F120FF3D39}">
+                <a1611:picAttrSrcUrl xmlns:a1611="http://schemas.microsoft.com/office/drawing/2016/11/main" r:id="rId4"/>
+              </a:ext>
+            </a:extLst>
+          </a:blip>
+          <a:srcRect/>
+          <a:stretch>
+            <a:fillRect t="-17000" b="-17000"/>
+          </a:stretch>
+        </a:blipFill>
+        <a:ln w="12700" cap="flat" cmpd="sng" algn="ctr">
+          <a:solidFill>
+            <a:schemeClr val="lt1">
+              <a:hueOff val="0"/>
+              <a:satOff val="0"/>
+              <a:lumOff val="0"/>
+              <a:alphaOff val="0"/>
+            </a:schemeClr>
+          </a:solidFill>
+          <a:prstDash val="solid"/>
+          <a:miter lim="800000"/>
+        </a:ln>
+        <a:effectLst/>
+      </dsp:spPr>
+      <dsp:style>
+        <a:lnRef idx="2">
+          <a:scrgbClr r="0" g="0" b="0"/>
+        </a:lnRef>
+        <a:fillRef idx="1">
+          <a:scrgbClr r="0" g="0" b="0"/>
+        </a:fillRef>
+        <a:effectRef idx="0">
+          <a:scrgbClr r="0" g="0" b="0"/>
+        </a:effectRef>
+        <a:fontRef idx="minor"/>
+      </dsp:style>
+    </dsp:sp>
+    <dsp:sp modelId="{30126E2B-F798-8B44-B05B-5DD32AE46787}">
+      <dsp:nvSpPr>
+        <dsp:cNvPr id="0" name=""/>
+        <dsp:cNvSpPr/>
+      </dsp:nvSpPr>
+      <dsp:spPr>
+        <a:xfrm rot="10800000">
+          <a:off x="3404518" y="2225652"/>
+          <a:ext cx="2832077" cy="2720241"/>
+        </a:xfrm>
+        <a:prstGeom prst="round2SameRect">
+          <a:avLst>
+            <a:gd name="adj1" fmla="val 10500"/>
+            <a:gd name="adj2" fmla="val 0"/>
+          </a:avLst>
+        </a:prstGeom>
+        <a:solidFill>
+          <a:schemeClr val="accent1">
+            <a:hueOff val="0"/>
+            <a:satOff val="0"/>
+            <a:lumOff val="0"/>
+            <a:alphaOff val="0"/>
+          </a:schemeClr>
+        </a:solidFill>
+        <a:ln w="12700" cap="flat" cmpd="sng" algn="ctr">
+          <a:solidFill>
+            <a:schemeClr val="lt1">
+              <a:hueOff val="0"/>
+              <a:satOff val="0"/>
+              <a:lumOff val="0"/>
+              <a:alphaOff val="0"/>
+            </a:schemeClr>
+          </a:solidFill>
+          <a:prstDash val="solid"/>
+          <a:miter lim="800000"/>
+        </a:ln>
+        <a:effectLst/>
+      </dsp:spPr>
+      <dsp:style>
+        <a:lnRef idx="2">
+          <a:scrgbClr r="0" g="0" b="0"/>
+        </a:lnRef>
+        <a:fillRef idx="1">
+          <a:scrgbClr r="0" g="0" b="0"/>
+        </a:fillRef>
+        <a:effectRef idx="0">
+          <a:scrgbClr r="0" g="0" b="0"/>
+        </a:effectRef>
+        <a:fontRef idx="minor">
+          <a:schemeClr val="lt1"/>
+        </a:fontRef>
+      </dsp:style>
+      <dsp:txBody>
+        <a:bodyPr spcFirstLastPara="0" vert="horz" wrap="square" lIns="263144" tIns="263144" rIns="263144" bIns="263144" numCol="1" spcCol="1270" anchor="t" anchorCtr="0">
+          <a:noAutofit/>
+        </a:bodyPr>
+        <a:lstStyle/>
+        <a:p>
+          <a:pPr marL="0" lvl="0" indent="0" algn="ctr" defTabSz="1644650">
+            <a:lnSpc>
+              <a:spcPct val="90000"/>
+            </a:lnSpc>
+            <a:spcBef>
+              <a:spcPct val="0"/>
+            </a:spcBef>
+            <a:spcAft>
+              <a:spcPct val="35000"/>
+            </a:spcAft>
+            <a:buNone/>
+          </a:pPr>
+          <a:r>
+            <a:rPr lang="en-US" sz="3700" kern="1200" dirty="0"/>
+            <a:t>List of files inside folder</a:t>
+          </a:r>
+        </a:p>
+      </dsp:txBody>
+      <dsp:txXfrm rot="10800000">
+        <a:off x="3488175" y="2225652"/>
+        <a:ext cx="2664763" cy="2636584"/>
+      </dsp:txXfrm>
+    </dsp:sp>
+    <dsp:sp modelId="{12BC753D-AEC3-5541-B3C8-571B2EB82624}">
+      <dsp:nvSpPr>
+        <dsp:cNvPr id="0" name=""/>
+        <dsp:cNvSpPr/>
+      </dsp:nvSpPr>
+      <dsp:spPr>
+        <a:xfrm>
+          <a:off x="6519804" y="296753"/>
+          <a:ext cx="2832077" cy="1632145"/>
+        </a:xfrm>
+        <a:prstGeom prst="roundRect">
+          <a:avLst>
+            <a:gd name="adj" fmla="val 10000"/>
+          </a:avLst>
+        </a:prstGeom>
+        <a:blipFill>
+          <a:blip xmlns:r="http://schemas.openxmlformats.org/officeDocument/2006/relationships" r:embed="rId5">
+            <a:extLst>
+              <a:ext uri="{837473B0-CC2E-450A-ABE3-18F120FF3D39}">
+                <a1611:picAttrSrcUrl xmlns:a1611="http://schemas.microsoft.com/office/drawing/2016/11/main" r:id="rId6"/>
+              </a:ext>
+            </a:extLst>
+          </a:blip>
+          <a:srcRect/>
+          <a:stretch>
+            <a:fillRect l="-6000" r="-6000"/>
+          </a:stretch>
+        </a:blipFill>
+        <a:ln w="12700" cap="flat" cmpd="sng" algn="ctr">
+          <a:solidFill>
+            <a:schemeClr val="lt1">
+              <a:hueOff val="0"/>
+              <a:satOff val="0"/>
+              <a:lumOff val="0"/>
+              <a:alphaOff val="0"/>
+            </a:schemeClr>
+          </a:solidFill>
+          <a:prstDash val="solid"/>
+          <a:miter lim="800000"/>
+        </a:ln>
+        <a:effectLst/>
+      </dsp:spPr>
+      <dsp:style>
+        <a:lnRef idx="2">
+          <a:scrgbClr r="0" g="0" b="0"/>
+        </a:lnRef>
+        <a:fillRef idx="1">
+          <a:scrgbClr r="0" g="0" b="0"/>
+        </a:fillRef>
+        <a:effectRef idx="0">
+          <a:scrgbClr r="0" g="0" b="0"/>
+        </a:effectRef>
+        <a:fontRef idx="minor"/>
+      </dsp:style>
+    </dsp:sp>
+    <dsp:sp modelId="{15A861CF-A07F-354B-9542-78DD075EF7F0}">
+      <dsp:nvSpPr>
+        <dsp:cNvPr id="0" name=""/>
+        <dsp:cNvSpPr/>
+      </dsp:nvSpPr>
+      <dsp:spPr>
+        <a:xfrm rot="10800000">
+          <a:off x="6519804" y="2225652"/>
+          <a:ext cx="2832077" cy="2720241"/>
+        </a:xfrm>
+        <a:prstGeom prst="round2SameRect">
+          <a:avLst>
+            <a:gd name="adj1" fmla="val 10500"/>
+            <a:gd name="adj2" fmla="val 0"/>
+          </a:avLst>
+        </a:prstGeom>
+        <a:solidFill>
+          <a:schemeClr val="accent1">
+            <a:hueOff val="0"/>
+            <a:satOff val="0"/>
+            <a:lumOff val="0"/>
+            <a:alphaOff val="0"/>
+          </a:schemeClr>
+        </a:solidFill>
+        <a:ln w="12700" cap="flat" cmpd="sng" algn="ctr">
+          <a:solidFill>
+            <a:schemeClr val="lt1">
+              <a:hueOff val="0"/>
+              <a:satOff val="0"/>
+              <a:lumOff val="0"/>
+              <a:alphaOff val="0"/>
+            </a:schemeClr>
+          </a:solidFill>
+          <a:prstDash val="solid"/>
+          <a:miter lim="800000"/>
+        </a:ln>
+        <a:effectLst/>
+      </dsp:spPr>
+      <dsp:style>
+        <a:lnRef idx="2">
+          <a:scrgbClr r="0" g="0" b="0"/>
+        </a:lnRef>
+        <a:fillRef idx="1">
+          <a:scrgbClr r="0" g="0" b="0"/>
+        </a:fillRef>
+        <a:effectRef idx="0">
+          <a:scrgbClr r="0" g="0" b="0"/>
+        </a:effectRef>
+        <a:fontRef idx="minor">
+          <a:schemeClr val="lt1"/>
+        </a:fontRef>
+      </dsp:style>
+      <dsp:txBody>
+        <a:bodyPr spcFirstLastPara="0" vert="horz" wrap="square" lIns="263144" tIns="263144" rIns="263144" bIns="263144" numCol="1" spcCol="1270" anchor="t" anchorCtr="0">
+          <a:noAutofit/>
+        </a:bodyPr>
+        <a:lstStyle/>
+        <a:p>
+          <a:pPr marL="0" lvl="0" indent="0" algn="ctr" defTabSz="1644650">
+            <a:lnSpc>
+              <a:spcPct val="90000"/>
+            </a:lnSpc>
+            <a:spcBef>
+              <a:spcPct val="0"/>
+            </a:spcBef>
+            <a:spcAft>
+              <a:spcPct val="35000"/>
+            </a:spcAft>
+            <a:buNone/>
+          </a:pPr>
+          <a:r>
+            <a:rPr lang="en-US" sz="3700" kern="1200" dirty="0"/>
+            <a:t>Output folder to save to</a:t>
+          </a:r>
+        </a:p>
+      </dsp:txBody>
+      <dsp:txXfrm rot="10800000">
+        <a:off x="6603461" y="2225652"/>
+        <a:ext cx="2664763" cy="2636584"/>
       </dsp:txXfrm>
     </dsp:sp>
   </dsp:spTree>
@@ -3152,7 +5814,2410 @@
 </dgm:layoutDef>
 </file>
 
+<file path=ppt/diagrams/layout2.xml><?xml version="1.0" encoding="utf-8"?>
+<dgm:layoutDef xmlns:dgm="http://schemas.openxmlformats.org/drawingml/2006/diagram" xmlns:a="http://schemas.openxmlformats.org/drawingml/2006/main" uniqueId="urn:microsoft.com/office/officeart/2005/8/layout/process1">
+  <dgm:title val=""/>
+  <dgm:desc val=""/>
+  <dgm:catLst>
+    <dgm:cat type="process" pri="1000"/>
+    <dgm:cat type="convert" pri="15000"/>
+  </dgm:catLst>
+  <dgm:sampData useDef="1">
+    <dgm:dataModel>
+      <dgm:ptLst/>
+      <dgm:bg/>
+      <dgm:whole/>
+    </dgm:dataModel>
+  </dgm:sampData>
+  <dgm:styleData>
+    <dgm:dataModel>
+      <dgm:ptLst>
+        <dgm:pt modelId="0" type="doc"/>
+        <dgm:pt modelId="1"/>
+        <dgm:pt modelId="2"/>
+      </dgm:ptLst>
+      <dgm:cxnLst>
+        <dgm:cxn modelId="3" srcId="0" destId="1" srcOrd="0" destOrd="0"/>
+        <dgm:cxn modelId="4" srcId="0" destId="2" srcOrd="1" destOrd="0"/>
+      </dgm:cxnLst>
+      <dgm:bg/>
+      <dgm:whole/>
+    </dgm:dataModel>
+  </dgm:styleData>
+  <dgm:clrData>
+    <dgm:dataModel>
+      <dgm:ptLst>
+        <dgm:pt modelId="0" type="doc"/>
+        <dgm:pt modelId="1"/>
+        <dgm:pt modelId="2"/>
+        <dgm:pt modelId="3"/>
+        <dgm:pt modelId="4"/>
+      </dgm:ptLst>
+      <dgm:cxnLst>
+        <dgm:cxn modelId="5" srcId="0" destId="1" srcOrd="0" destOrd="0"/>
+        <dgm:cxn modelId="6" srcId="0" destId="2" srcOrd="1" destOrd="0"/>
+        <dgm:cxn modelId="7" srcId="0" destId="3" srcOrd="2" destOrd="0"/>
+        <dgm:cxn modelId="8" srcId="0" destId="4" srcOrd="3" destOrd="0"/>
+      </dgm:cxnLst>
+      <dgm:bg/>
+      <dgm:whole/>
+    </dgm:dataModel>
+  </dgm:clrData>
+  <dgm:layoutNode name="Name0">
+    <dgm:varLst>
+      <dgm:dir/>
+      <dgm:resizeHandles val="exact"/>
+    </dgm:varLst>
+    <dgm:choose name="Name1">
+      <dgm:if name="Name2" func="var" arg="dir" op="equ" val="norm">
+        <dgm:alg type="lin"/>
+      </dgm:if>
+      <dgm:else name="Name3">
+        <dgm:alg type="lin">
+          <dgm:param type="linDir" val="fromR"/>
+        </dgm:alg>
+      </dgm:else>
+    </dgm:choose>
+    <dgm:shape xmlns:r="http://schemas.openxmlformats.org/officeDocument/2006/relationships" r:blip="">
+      <dgm:adjLst/>
+    </dgm:shape>
+    <dgm:presOf/>
+    <dgm:constrLst>
+      <dgm:constr type="w" for="ch" ptType="node" refType="w"/>
+      <dgm:constr type="h" for="ch" ptType="node" op="equ"/>
+      <dgm:constr type="primFontSz" for="ch" ptType="node" op="equ" val="65"/>
+      <dgm:constr type="w" for="ch" ptType="sibTrans" refType="w" refFor="ch" refPtType="node" op="equ" fact="0.4"/>
+      <dgm:constr type="h" for="ch" ptType="sibTrans" op="equ"/>
+      <dgm:constr type="primFontSz" for="des" forName="connectorText" op="equ" val="55"/>
+      <dgm:constr type="primFontSz" for="des" forName="connectorText" refType="primFontSz" refFor="ch" refPtType="node" op="lte" fact="0.8"/>
+    </dgm:constrLst>
+    <dgm:ruleLst/>
+    <dgm:forEach name="nodesForEach" axis="ch" ptType="node">
+      <dgm:layoutNode name="node">
+        <dgm:varLst>
+          <dgm:bulletEnabled val="1"/>
+        </dgm:varLst>
+        <dgm:alg type="tx"/>
+        <dgm:shape xmlns:r="http://schemas.openxmlformats.org/officeDocument/2006/relationships" type="roundRect" r:blip="">
+          <dgm:adjLst>
+            <dgm:adj idx="1" val="0.1"/>
+          </dgm:adjLst>
+        </dgm:shape>
+        <dgm:presOf axis="desOrSelf" ptType="node"/>
+        <dgm:constrLst>
+          <dgm:constr type="h" refType="w" fact="0.6"/>
+          <dgm:constr type="tMarg" refType="primFontSz" fact="0.3"/>
+          <dgm:constr type="bMarg" refType="primFontSz" fact="0.3"/>
+          <dgm:constr type="lMarg" refType="primFontSz" fact="0.3"/>
+          <dgm:constr type="rMarg" refType="primFontSz" fact="0.3"/>
+        </dgm:constrLst>
+        <dgm:ruleLst>
+          <dgm:rule type="primFontSz" val="18" fact="NaN" max="NaN"/>
+          <dgm:rule type="h" val="NaN" fact="1.5" max="NaN"/>
+          <dgm:rule type="primFontSz" val="5" fact="NaN" max="NaN"/>
+          <dgm:rule type="h" val="INF" fact="NaN" max="NaN"/>
+        </dgm:ruleLst>
+      </dgm:layoutNode>
+      <dgm:forEach name="sibTransForEach" axis="followSib" ptType="sibTrans" cnt="1">
+        <dgm:layoutNode name="sibTrans">
+          <dgm:alg type="conn">
+            <dgm:param type="begPts" val="auto"/>
+            <dgm:param type="endPts" val="auto"/>
+          </dgm:alg>
+          <dgm:shape xmlns:r="http://schemas.openxmlformats.org/officeDocument/2006/relationships" type="conn" r:blip="">
+            <dgm:adjLst/>
+          </dgm:shape>
+          <dgm:presOf axis="self"/>
+          <dgm:constrLst>
+            <dgm:constr type="h" refType="w" fact="0.62"/>
+            <dgm:constr type="connDist"/>
+            <dgm:constr type="begPad" refType="connDist" fact="0.25"/>
+            <dgm:constr type="endPad" refType="connDist" fact="0.22"/>
+          </dgm:constrLst>
+          <dgm:ruleLst/>
+          <dgm:layoutNode name="connectorText">
+            <dgm:alg type="tx">
+              <dgm:param type="autoTxRot" val="grav"/>
+            </dgm:alg>
+            <dgm:shape xmlns:r="http://schemas.openxmlformats.org/officeDocument/2006/relationships" type="conn" r:blip="" hideGeom="1">
+              <dgm:adjLst/>
+            </dgm:shape>
+            <dgm:presOf axis="self"/>
+            <dgm:constrLst>
+              <dgm:constr type="lMarg"/>
+              <dgm:constr type="rMarg"/>
+              <dgm:constr type="tMarg"/>
+              <dgm:constr type="bMarg"/>
+            </dgm:constrLst>
+            <dgm:ruleLst>
+              <dgm:rule type="primFontSz" val="5" fact="NaN" max="NaN"/>
+            </dgm:ruleLst>
+          </dgm:layoutNode>
+        </dgm:layoutNode>
+      </dgm:forEach>
+    </dgm:forEach>
+  </dgm:layoutNode>
+</dgm:layoutDef>
+</file>
+
+<file path=ppt/diagrams/layout3.xml><?xml version="1.0" encoding="utf-8"?>
+<dgm:layoutDef xmlns:dgm="http://schemas.openxmlformats.org/drawingml/2006/diagram" xmlns:a="http://schemas.openxmlformats.org/drawingml/2006/main" uniqueId="urn:microsoft.com/office/officeart/2005/8/layout/pList2">
+  <dgm:title val=""/>
+  <dgm:desc val=""/>
+  <dgm:catLst>
+    <dgm:cat type="list" pri="11000"/>
+    <dgm:cat type="picture" pri="24000"/>
+    <dgm:cat type="pictureconvert" pri="24000"/>
+  </dgm:catLst>
+  <dgm:sampData useDef="1">
+    <dgm:dataModel>
+      <dgm:ptLst/>
+      <dgm:bg/>
+      <dgm:whole/>
+    </dgm:dataModel>
+  </dgm:sampData>
+  <dgm:styleData>
+    <dgm:dataModel>
+      <dgm:ptLst>
+        <dgm:pt modelId="0" type="doc"/>
+        <dgm:pt modelId="1"/>
+        <dgm:pt modelId="2"/>
+      </dgm:ptLst>
+      <dgm:cxnLst>
+        <dgm:cxn modelId="3" srcId="0" destId="1" srcOrd="0" destOrd="0"/>
+        <dgm:cxn modelId="4" srcId="0" destId="2" srcOrd="1" destOrd="0"/>
+      </dgm:cxnLst>
+      <dgm:bg/>
+      <dgm:whole/>
+    </dgm:dataModel>
+  </dgm:styleData>
+  <dgm:clrData>
+    <dgm:dataModel>
+      <dgm:ptLst>
+        <dgm:pt modelId="0" type="doc"/>
+        <dgm:pt modelId="1"/>
+        <dgm:pt modelId="2"/>
+        <dgm:pt modelId="3"/>
+        <dgm:pt modelId="4"/>
+      </dgm:ptLst>
+      <dgm:cxnLst>
+        <dgm:cxn modelId="5" srcId="0" destId="1" srcOrd="0" destOrd="0"/>
+        <dgm:cxn modelId="6" srcId="0" destId="2" srcOrd="1" destOrd="0"/>
+        <dgm:cxn modelId="7" srcId="0" destId="3" srcOrd="2" destOrd="0"/>
+        <dgm:cxn modelId="8" srcId="0" destId="4" srcOrd="3" destOrd="0"/>
+      </dgm:cxnLst>
+      <dgm:bg/>
+      <dgm:whole/>
+    </dgm:dataModel>
+  </dgm:clrData>
+  <dgm:layoutNode name="Name0">
+    <dgm:varLst>
+      <dgm:dir/>
+      <dgm:resizeHandles val="exact"/>
+    </dgm:varLst>
+    <dgm:alg type="composite"/>
+    <dgm:shape xmlns:r="http://schemas.openxmlformats.org/officeDocument/2006/relationships" r:blip="">
+      <dgm:adjLst/>
+    </dgm:shape>
+    <dgm:presOf/>
+    <dgm:constrLst>
+      <dgm:constr type="w" for="ch" forName="bkgdShp" refType="w"/>
+      <dgm:constr type="h" for="ch" forName="bkgdShp" refType="h" fact="0.45"/>
+      <dgm:constr type="t" for="ch" forName="bkgdShp"/>
+      <dgm:constr type="w" for="ch" forName="linComp" refType="w" fact="0.94"/>
+      <dgm:constr type="h" for="ch" forName="linComp" refType="h"/>
+      <dgm:constr type="ctrX" for="ch" forName="linComp" refType="w" fact="0.5"/>
+    </dgm:constrLst>
+    <dgm:ruleLst/>
+    <dgm:choose name="Name1">
+      <dgm:if name="Name2" axis="ch" ptType="node" func="cnt" op="gte" val="1">
+        <dgm:layoutNode name="bkgdShp" styleLbl="alignAccFollowNode1">
+          <dgm:alg type="sp"/>
+          <dgm:shape xmlns:r="http://schemas.openxmlformats.org/officeDocument/2006/relationships" type="roundRect" r:blip="">
+            <dgm:adjLst>
+              <dgm:adj idx="1" val="0.1"/>
+            </dgm:adjLst>
+          </dgm:shape>
+          <dgm:presOf/>
+          <dgm:constrLst/>
+          <dgm:ruleLst/>
+        </dgm:layoutNode>
+        <dgm:layoutNode name="linComp">
+          <dgm:choose name="Name3">
+            <dgm:if name="Name4" func="var" arg="dir" op="equ" val="norm">
+              <dgm:alg type="lin"/>
+            </dgm:if>
+            <dgm:else name="Name5">
+              <dgm:alg type="lin">
+                <dgm:param type="linDir" val="fromR"/>
+              </dgm:alg>
+            </dgm:else>
+          </dgm:choose>
+          <dgm:shape xmlns:r="http://schemas.openxmlformats.org/officeDocument/2006/relationships" r:blip="">
+            <dgm:adjLst/>
+          </dgm:shape>
+          <dgm:presOf/>
+          <dgm:constrLst>
+            <dgm:constr type="w" for="ch" forName="compNode" refType="w"/>
+            <dgm:constr type="h" for="ch" forName="compNode" refType="h"/>
+            <dgm:constr type="w" for="ch" ptType="sibTrans" refType="w" refFor="ch" refForName="compNode" fact="0.1"/>
+            <dgm:constr type="h" for="ch" ptType="sibTrans" op="equ"/>
+            <dgm:constr type="h" for="ch" forName="compNode" op="equ"/>
+            <dgm:constr type="primFontSz" for="des" forName="node" op="equ"/>
+          </dgm:constrLst>
+          <dgm:ruleLst/>
+          <dgm:forEach name="nodesForEach" axis="ch" ptType="node">
+            <dgm:layoutNode name="compNode">
+              <dgm:alg type="composite"/>
+              <dgm:shape xmlns:r="http://schemas.openxmlformats.org/officeDocument/2006/relationships" r:blip="">
+                <dgm:adjLst/>
+              </dgm:shape>
+              <dgm:presOf/>
+              <dgm:constrLst>
+                <dgm:constr type="w" for="ch" forName="node" refType="w"/>
+                <dgm:constr type="h" for="ch" forName="node" refType="h" fact="0.55"/>
+                <dgm:constr type="b" for="ch" forName="node" refType="h"/>
+                <dgm:constr type="w" for="ch" forName="invisiNode" refType="w" fact="0.75"/>
+                <dgm:constr type="h" for="ch" forName="invisiNode" refType="h" fact="0.06"/>
+                <dgm:constr type="t" for="ch" forName="invisiNode"/>
+                <dgm:constr type="w" for="ch" forName="imagNode" refType="w"/>
+                <dgm:constr type="h" for="ch" forName="imagNode" refType="h" fact="0.33"/>
+                <dgm:constr type="ctrX" for="ch" forName="imagNode" refType="w" fact="0.5"/>
+                <dgm:constr type="t" for="ch" forName="imagNode" refType="h" fact="0.06"/>
+              </dgm:constrLst>
+              <dgm:ruleLst/>
+              <dgm:layoutNode name="node" styleLbl="node1">
+                <dgm:varLst>
+                  <dgm:bulletEnabled val="1"/>
+                </dgm:varLst>
+                <dgm:alg type="tx">
+                  <dgm:param type="txAnchorVert" val="t"/>
+                </dgm:alg>
+                <dgm:shape xmlns:r="http://schemas.openxmlformats.org/officeDocument/2006/relationships" rot="180" type="round2SameRect" r:blip="">
+                  <dgm:adjLst>
+                    <dgm:adj idx="1" val="0.105"/>
+                  </dgm:adjLst>
+                </dgm:shape>
+                <dgm:presOf axis="desOrSelf" ptType="node"/>
+                <dgm:constrLst>
+                  <dgm:constr type="primFontSz" val="65"/>
+                </dgm:constrLst>
+                <dgm:ruleLst>
+                  <dgm:rule type="primFontSz" val="5" fact="NaN" max="NaN"/>
+                </dgm:ruleLst>
+              </dgm:layoutNode>
+              <dgm:layoutNode name="invisiNode">
+                <dgm:alg type="sp"/>
+                <dgm:shape xmlns:r="http://schemas.openxmlformats.org/officeDocument/2006/relationships" type="roundRect" r:blip="" hideGeom="1">
+                  <dgm:adjLst>
+                    <dgm:adj idx="1" val="0.1"/>
+                  </dgm:adjLst>
+                </dgm:shape>
+                <dgm:presOf/>
+                <dgm:constrLst/>
+                <dgm:ruleLst/>
+              </dgm:layoutNode>
+              <dgm:layoutNode name="imagNode" styleLbl="fgImgPlace1">
+                <dgm:alg type="sp"/>
+                <dgm:shape xmlns:r="http://schemas.openxmlformats.org/officeDocument/2006/relationships" type="roundRect" r:blip="" zOrderOff="-2" blipPhldr="1">
+                  <dgm:adjLst>
+                    <dgm:adj idx="1" val="0.1"/>
+                  </dgm:adjLst>
+                </dgm:shape>
+                <dgm:presOf/>
+                <dgm:constrLst/>
+                <dgm:ruleLst/>
+              </dgm:layoutNode>
+            </dgm:layoutNode>
+            <dgm:forEach name="sibTransForEach" axis="followSib" ptType="sibTrans" cnt="1">
+              <dgm:layoutNode name="sibTrans">
+                <dgm:alg type="sp"/>
+                <dgm:shape xmlns:r="http://schemas.openxmlformats.org/officeDocument/2006/relationships" type="rect" r:blip="" hideGeom="1">
+                  <dgm:adjLst/>
+                </dgm:shape>
+                <dgm:presOf axis="self"/>
+                <dgm:constrLst/>
+                <dgm:ruleLst/>
+              </dgm:layoutNode>
+            </dgm:forEach>
+          </dgm:forEach>
+        </dgm:layoutNode>
+      </dgm:if>
+      <dgm:else name="Name6"/>
+    </dgm:choose>
+  </dgm:layoutNode>
+</dgm:layoutDef>
+</file>
+
 <file path=ppt/diagrams/quickStyle1.xml><?xml version="1.0" encoding="utf-8"?>
+<dgm:styleDef xmlns:dgm="http://schemas.openxmlformats.org/drawingml/2006/diagram" xmlns:a="http://schemas.openxmlformats.org/drawingml/2006/main" uniqueId="urn:microsoft.com/office/officeart/2005/8/quickstyle/simple1">
+  <dgm:title val=""/>
+  <dgm:desc val=""/>
+  <dgm:catLst>
+    <dgm:cat type="simple" pri="10100"/>
+  </dgm:catLst>
+  <dgm:scene3d>
+    <a:camera prst="orthographicFront"/>
+    <a:lightRig rig="threePt" dir="t"/>
+  </dgm:scene3d>
+  <dgm:styleLbl name="node0">
+    <dgm:scene3d>
+      <a:camera prst="orthographicFront"/>
+      <a:lightRig rig="threePt" dir="t"/>
+    </dgm:scene3d>
+    <dgm:sp3d/>
+    <dgm:txPr/>
+    <dgm:style>
+      <a:lnRef idx="2">
+        <a:scrgbClr r="0" g="0" b="0"/>
+      </a:lnRef>
+      <a:fillRef idx="1">
+        <a:scrgbClr r="0" g="0" b="0"/>
+      </a:fillRef>
+      <a:effectRef idx="0">
+        <a:scrgbClr r="0" g="0" b="0"/>
+      </a:effectRef>
+      <a:fontRef idx="minor">
+        <a:schemeClr val="lt1"/>
+      </a:fontRef>
+    </dgm:style>
+  </dgm:styleLbl>
+  <dgm:styleLbl name="lnNode1">
+    <dgm:scene3d>
+      <a:camera prst="orthographicFront"/>
+      <a:lightRig rig="threePt" dir="t"/>
+    </dgm:scene3d>
+    <dgm:sp3d/>
+    <dgm:txPr/>
+    <dgm:style>
+      <a:lnRef idx="2">
+        <a:scrgbClr r="0" g="0" b="0"/>
+      </a:lnRef>
+      <a:fillRef idx="1">
+        <a:scrgbClr r="0" g="0" b="0"/>
+      </a:fillRef>
+      <a:effectRef idx="0">
+        <a:scrgbClr r="0" g="0" b="0"/>
+      </a:effectRef>
+      <a:fontRef idx="minor">
+        <a:schemeClr val="lt1"/>
+      </a:fontRef>
+    </dgm:style>
+  </dgm:styleLbl>
+  <dgm:styleLbl name="vennNode1">
+    <dgm:scene3d>
+      <a:camera prst="orthographicFront"/>
+      <a:lightRig rig="threePt" dir="t"/>
+    </dgm:scene3d>
+    <dgm:sp3d/>
+    <dgm:txPr/>
+    <dgm:style>
+      <a:lnRef idx="2">
+        <a:scrgbClr r="0" g="0" b="0"/>
+      </a:lnRef>
+      <a:fillRef idx="1">
+        <a:scrgbClr r="0" g="0" b="0"/>
+      </a:fillRef>
+      <a:effectRef idx="0">
+        <a:scrgbClr r="0" g="0" b="0"/>
+      </a:effectRef>
+      <a:fontRef idx="minor">
+        <a:schemeClr val="tx1"/>
+      </a:fontRef>
+    </dgm:style>
+  </dgm:styleLbl>
+  <dgm:styleLbl name="alignNode1">
+    <dgm:scene3d>
+      <a:camera prst="orthographicFront"/>
+      <a:lightRig rig="threePt" dir="t"/>
+    </dgm:scene3d>
+    <dgm:sp3d/>
+    <dgm:txPr/>
+    <dgm:style>
+      <a:lnRef idx="2">
+        <a:scrgbClr r="0" g="0" b="0"/>
+      </a:lnRef>
+      <a:fillRef idx="1">
+        <a:scrgbClr r="0" g="0" b="0"/>
+      </a:fillRef>
+      <a:effectRef idx="0">
+        <a:scrgbClr r="0" g="0" b="0"/>
+      </a:effectRef>
+      <a:fontRef idx="minor">
+        <a:schemeClr val="lt1"/>
+      </a:fontRef>
+    </dgm:style>
+  </dgm:styleLbl>
+  <dgm:styleLbl name="node1">
+    <dgm:scene3d>
+      <a:camera prst="orthographicFront"/>
+      <a:lightRig rig="threePt" dir="t"/>
+    </dgm:scene3d>
+    <dgm:sp3d/>
+    <dgm:txPr/>
+    <dgm:style>
+      <a:lnRef idx="2">
+        <a:scrgbClr r="0" g="0" b="0"/>
+      </a:lnRef>
+      <a:fillRef idx="1">
+        <a:scrgbClr r="0" g="0" b="0"/>
+      </a:fillRef>
+      <a:effectRef idx="0">
+        <a:scrgbClr r="0" g="0" b="0"/>
+      </a:effectRef>
+      <a:fontRef idx="minor">
+        <a:schemeClr val="lt1"/>
+      </a:fontRef>
+    </dgm:style>
+  </dgm:styleLbl>
+  <dgm:styleLbl name="node2">
+    <dgm:scene3d>
+      <a:camera prst="orthographicFront"/>
+      <a:lightRig rig="threePt" dir="t"/>
+    </dgm:scene3d>
+    <dgm:sp3d/>
+    <dgm:txPr/>
+    <dgm:style>
+      <a:lnRef idx="2">
+        <a:scrgbClr r="0" g="0" b="0"/>
+      </a:lnRef>
+      <a:fillRef idx="1">
+        <a:scrgbClr r="0" g="0" b="0"/>
+      </a:fillRef>
+      <a:effectRef idx="0">
+        <a:scrgbClr r="0" g="0" b="0"/>
+      </a:effectRef>
+      <a:fontRef idx="minor">
+        <a:schemeClr val="lt1"/>
+      </a:fontRef>
+    </dgm:style>
+  </dgm:styleLbl>
+  <dgm:styleLbl name="node3">
+    <dgm:scene3d>
+      <a:camera prst="orthographicFront"/>
+      <a:lightRig rig="threePt" dir="t"/>
+    </dgm:scene3d>
+    <dgm:sp3d/>
+    <dgm:txPr/>
+    <dgm:style>
+      <a:lnRef idx="2">
+        <a:scrgbClr r="0" g="0" b="0"/>
+      </a:lnRef>
+      <a:fillRef idx="1">
+        <a:scrgbClr r="0" g="0" b="0"/>
+      </a:fillRef>
+      <a:effectRef idx="0">
+        <a:scrgbClr r="0" g="0" b="0"/>
+      </a:effectRef>
+      <a:fontRef idx="minor">
+        <a:schemeClr val="lt1"/>
+      </a:fontRef>
+    </dgm:style>
+  </dgm:styleLbl>
+  <dgm:styleLbl name="node4">
+    <dgm:scene3d>
+      <a:camera prst="orthographicFront"/>
+      <a:lightRig rig="threePt" dir="t"/>
+    </dgm:scene3d>
+    <dgm:sp3d/>
+    <dgm:txPr/>
+    <dgm:style>
+      <a:lnRef idx="2">
+        <a:scrgbClr r="0" g="0" b="0"/>
+      </a:lnRef>
+      <a:fillRef idx="1">
+        <a:scrgbClr r="0" g="0" b="0"/>
+      </a:fillRef>
+      <a:effectRef idx="0">
+        <a:scrgbClr r="0" g="0" b="0"/>
+      </a:effectRef>
+      <a:fontRef idx="minor">
+        <a:schemeClr val="lt1"/>
+      </a:fontRef>
+    </dgm:style>
+  </dgm:styleLbl>
+  <dgm:styleLbl name="fgImgPlace1">
+    <dgm:scene3d>
+      <a:camera prst="orthographicFront"/>
+      <a:lightRig rig="threePt" dir="t"/>
+    </dgm:scene3d>
+    <dgm:sp3d/>
+    <dgm:txPr/>
+    <dgm:style>
+      <a:lnRef idx="2">
+        <a:scrgbClr r="0" g="0" b="0"/>
+      </a:lnRef>
+      <a:fillRef idx="1">
+        <a:scrgbClr r="0" g="0" b="0"/>
+      </a:fillRef>
+      <a:effectRef idx="0">
+        <a:scrgbClr r="0" g="0" b="0"/>
+      </a:effectRef>
+      <a:fontRef idx="minor"/>
+    </dgm:style>
+  </dgm:styleLbl>
+  <dgm:styleLbl name="alignImgPlace1">
+    <dgm:scene3d>
+      <a:camera prst="orthographicFront"/>
+      <a:lightRig rig="threePt" dir="t"/>
+    </dgm:scene3d>
+    <dgm:sp3d/>
+    <dgm:txPr/>
+    <dgm:style>
+      <a:lnRef idx="2">
+        <a:scrgbClr r="0" g="0" b="0"/>
+      </a:lnRef>
+      <a:fillRef idx="1">
+        <a:scrgbClr r="0" g="0" b="0"/>
+      </a:fillRef>
+      <a:effectRef idx="0">
+        <a:scrgbClr r="0" g="0" b="0"/>
+      </a:effectRef>
+      <a:fontRef idx="minor"/>
+    </dgm:style>
+  </dgm:styleLbl>
+  <dgm:styleLbl name="bgImgPlace1">
+    <dgm:scene3d>
+      <a:camera prst="orthographicFront"/>
+      <a:lightRig rig="threePt" dir="t"/>
+    </dgm:scene3d>
+    <dgm:sp3d/>
+    <dgm:txPr/>
+    <dgm:style>
+      <a:lnRef idx="2">
+        <a:scrgbClr r="0" g="0" b="0"/>
+      </a:lnRef>
+      <a:fillRef idx="1">
+        <a:scrgbClr r="0" g="0" b="0"/>
+      </a:fillRef>
+      <a:effectRef idx="0">
+        <a:scrgbClr r="0" g="0" b="0"/>
+      </a:effectRef>
+      <a:fontRef idx="minor"/>
+    </dgm:style>
+  </dgm:styleLbl>
+  <dgm:styleLbl name="sibTrans2D1">
+    <dgm:scene3d>
+      <a:camera prst="orthographicFront"/>
+      <a:lightRig rig="threePt" dir="t"/>
+    </dgm:scene3d>
+    <dgm:sp3d/>
+    <dgm:txPr/>
+    <dgm:style>
+      <a:lnRef idx="0">
+        <a:scrgbClr r="0" g="0" b="0"/>
+      </a:lnRef>
+      <a:fillRef idx="1">
+        <a:scrgbClr r="0" g="0" b="0"/>
+      </a:fillRef>
+      <a:effectRef idx="0">
+        <a:scrgbClr r="0" g="0" b="0"/>
+      </a:effectRef>
+      <a:fontRef idx="minor">
+        <a:schemeClr val="lt1"/>
+      </a:fontRef>
+    </dgm:style>
+  </dgm:styleLbl>
+  <dgm:styleLbl name="fgSibTrans2D1">
+    <dgm:scene3d>
+      <a:camera prst="orthographicFront"/>
+      <a:lightRig rig="threePt" dir="t"/>
+    </dgm:scene3d>
+    <dgm:sp3d/>
+    <dgm:txPr/>
+    <dgm:style>
+      <a:lnRef idx="0">
+        <a:scrgbClr r="0" g="0" b="0"/>
+      </a:lnRef>
+      <a:fillRef idx="1">
+        <a:scrgbClr r="0" g="0" b="0"/>
+      </a:fillRef>
+      <a:effectRef idx="0">
+        <a:scrgbClr r="0" g="0" b="0"/>
+      </a:effectRef>
+      <a:fontRef idx="minor">
+        <a:schemeClr val="lt1"/>
+      </a:fontRef>
+    </dgm:style>
+  </dgm:styleLbl>
+  <dgm:styleLbl name="bgSibTrans2D1">
+    <dgm:scene3d>
+      <a:camera prst="orthographicFront"/>
+      <a:lightRig rig="threePt" dir="t"/>
+    </dgm:scene3d>
+    <dgm:sp3d/>
+    <dgm:txPr/>
+    <dgm:style>
+      <a:lnRef idx="0">
+        <a:scrgbClr r="0" g="0" b="0"/>
+      </a:lnRef>
+      <a:fillRef idx="1">
+        <a:scrgbClr r="0" g="0" b="0"/>
+      </a:fillRef>
+      <a:effectRef idx="0">
+        <a:scrgbClr r="0" g="0" b="0"/>
+      </a:effectRef>
+      <a:fontRef idx="minor">
+        <a:schemeClr val="lt1"/>
+      </a:fontRef>
+    </dgm:style>
+  </dgm:styleLbl>
+  <dgm:styleLbl name="sibTrans1D1">
+    <dgm:scene3d>
+      <a:camera prst="orthographicFront"/>
+      <a:lightRig rig="threePt" dir="t"/>
+    </dgm:scene3d>
+    <dgm:sp3d/>
+    <dgm:txPr/>
+    <dgm:style>
+      <a:lnRef idx="1">
+        <a:scrgbClr r="0" g="0" b="0"/>
+      </a:lnRef>
+      <a:fillRef idx="0">
+        <a:scrgbClr r="0" g="0" b="0"/>
+      </a:fillRef>
+      <a:effectRef idx="0">
+        <a:scrgbClr r="0" g="0" b="0"/>
+      </a:effectRef>
+      <a:fontRef idx="minor"/>
+    </dgm:style>
+  </dgm:styleLbl>
+  <dgm:styleLbl name="callout">
+    <dgm:scene3d>
+      <a:camera prst="orthographicFront"/>
+      <a:lightRig rig="threePt" dir="t"/>
+    </dgm:scene3d>
+    <dgm:sp3d/>
+    <dgm:txPr/>
+    <dgm:style>
+      <a:lnRef idx="2">
+        <a:scrgbClr r="0" g="0" b="0"/>
+      </a:lnRef>
+      <a:fillRef idx="1">
+        <a:scrgbClr r="0" g="0" b="0"/>
+      </a:fillRef>
+      <a:effectRef idx="0">
+        <a:scrgbClr r="0" g="0" b="0"/>
+      </a:effectRef>
+      <a:fontRef idx="minor"/>
+    </dgm:style>
+  </dgm:styleLbl>
+  <dgm:styleLbl name="asst0">
+    <dgm:scene3d>
+      <a:camera prst="orthographicFront"/>
+      <a:lightRig rig="threePt" dir="t"/>
+    </dgm:scene3d>
+    <dgm:sp3d/>
+    <dgm:txPr/>
+    <dgm:style>
+      <a:lnRef idx="2">
+        <a:scrgbClr r="0" g="0" b="0"/>
+      </a:lnRef>
+      <a:fillRef idx="1">
+        <a:scrgbClr r="0" g="0" b="0"/>
+      </a:fillRef>
+      <a:effectRef idx="0">
+        <a:scrgbClr r="0" g="0" b="0"/>
+      </a:effectRef>
+      <a:fontRef idx="minor">
+        <a:schemeClr val="lt1"/>
+      </a:fontRef>
+    </dgm:style>
+  </dgm:styleLbl>
+  <dgm:styleLbl name="asst1">
+    <dgm:scene3d>
+      <a:camera prst="orthographicFront"/>
+      <a:lightRig rig="threePt" dir="t"/>
+    </dgm:scene3d>
+    <dgm:sp3d/>
+    <dgm:txPr/>
+    <dgm:style>
+      <a:lnRef idx="2">
+        <a:scrgbClr r="0" g="0" b="0"/>
+      </a:lnRef>
+      <a:fillRef idx="1">
+        <a:scrgbClr r="0" g="0" b="0"/>
+      </a:fillRef>
+      <a:effectRef idx="0">
+        <a:scrgbClr r="0" g="0" b="0"/>
+      </a:effectRef>
+      <a:fontRef idx="minor">
+        <a:schemeClr val="lt1"/>
+      </a:fontRef>
+    </dgm:style>
+  </dgm:styleLbl>
+  <dgm:styleLbl name="asst2">
+    <dgm:scene3d>
+      <a:camera prst="orthographicFront"/>
+      <a:lightRig rig="threePt" dir="t"/>
+    </dgm:scene3d>
+    <dgm:sp3d/>
+    <dgm:txPr/>
+    <dgm:style>
+      <a:lnRef idx="2">
+        <a:scrgbClr r="0" g="0" b="0"/>
+      </a:lnRef>
+      <a:fillRef idx="1">
+        <a:scrgbClr r="0" g="0" b="0"/>
+      </a:fillRef>
+      <a:effectRef idx="0">
+        <a:scrgbClr r="0" g="0" b="0"/>
+      </a:effectRef>
+      <a:fontRef idx="minor">
+        <a:schemeClr val="lt1"/>
+      </a:fontRef>
+    </dgm:style>
+  </dgm:styleLbl>
+  <dgm:styleLbl name="asst3">
+    <dgm:scene3d>
+      <a:camera prst="orthographicFront"/>
+      <a:lightRig rig="threePt" dir="t"/>
+    </dgm:scene3d>
+    <dgm:sp3d/>
+    <dgm:txPr/>
+    <dgm:style>
+      <a:lnRef idx="2">
+        <a:scrgbClr r="0" g="0" b="0"/>
+      </a:lnRef>
+      <a:fillRef idx="1">
+        <a:scrgbClr r="0" g="0" b="0"/>
+      </a:fillRef>
+      <a:effectRef idx="0">
+        <a:scrgbClr r="0" g="0" b="0"/>
+      </a:effectRef>
+      <a:fontRef idx="minor">
+        <a:schemeClr val="lt1"/>
+      </a:fontRef>
+    </dgm:style>
+  </dgm:styleLbl>
+  <dgm:styleLbl name="asst4">
+    <dgm:scene3d>
+      <a:camera prst="orthographicFront"/>
+      <a:lightRig rig="threePt" dir="t"/>
+    </dgm:scene3d>
+    <dgm:sp3d/>
+    <dgm:txPr/>
+    <dgm:style>
+      <a:lnRef idx="2">
+        <a:scrgbClr r="0" g="0" b="0"/>
+      </a:lnRef>
+      <a:fillRef idx="1">
+        <a:scrgbClr r="0" g="0" b="0"/>
+      </a:fillRef>
+      <a:effectRef idx="0">
+        <a:scrgbClr r="0" g="0" b="0"/>
+      </a:effectRef>
+      <a:fontRef idx="minor">
+        <a:schemeClr val="lt1"/>
+      </a:fontRef>
+    </dgm:style>
+  </dgm:styleLbl>
+  <dgm:styleLbl name="parChTrans2D1">
+    <dgm:scene3d>
+      <a:camera prst="orthographicFront"/>
+      <a:lightRig rig="threePt" dir="t"/>
+    </dgm:scene3d>
+    <dgm:sp3d/>
+    <dgm:txPr/>
+    <dgm:style>
+      <a:lnRef idx="2">
+        <a:scrgbClr r="0" g="0" b="0"/>
+      </a:lnRef>
+      <a:fillRef idx="1">
+        <a:scrgbClr r="0" g="0" b="0"/>
+      </a:fillRef>
+      <a:effectRef idx="0">
+        <a:scrgbClr r="0" g="0" b="0"/>
+      </a:effectRef>
+      <a:fontRef idx="minor">
+        <a:schemeClr val="lt1"/>
+      </a:fontRef>
+    </dgm:style>
+  </dgm:styleLbl>
+  <dgm:styleLbl name="parChTrans2D2">
+    <dgm:scene3d>
+      <a:camera prst="orthographicFront"/>
+      <a:lightRig rig="threePt" dir="t"/>
+    </dgm:scene3d>
+    <dgm:sp3d/>
+    <dgm:txPr/>
+    <dgm:style>
+      <a:lnRef idx="2">
+        <a:scrgbClr r="0" g="0" b="0"/>
+      </a:lnRef>
+      <a:fillRef idx="1">
+        <a:scrgbClr r="0" g="0" b="0"/>
+      </a:fillRef>
+      <a:effectRef idx="0">
+        <a:scrgbClr r="0" g="0" b="0"/>
+      </a:effectRef>
+      <a:fontRef idx="minor">
+        <a:schemeClr val="lt1"/>
+      </a:fontRef>
+    </dgm:style>
+  </dgm:styleLbl>
+  <dgm:styleLbl name="parChTrans2D3">
+    <dgm:scene3d>
+      <a:camera prst="orthographicFront"/>
+      <a:lightRig rig="threePt" dir="t"/>
+    </dgm:scene3d>
+    <dgm:sp3d/>
+    <dgm:txPr/>
+    <dgm:style>
+      <a:lnRef idx="2">
+        <a:scrgbClr r="0" g="0" b="0"/>
+      </a:lnRef>
+      <a:fillRef idx="1">
+        <a:scrgbClr r="0" g="0" b="0"/>
+      </a:fillRef>
+      <a:effectRef idx="0">
+        <a:scrgbClr r="0" g="0" b="0"/>
+      </a:effectRef>
+      <a:fontRef idx="minor">
+        <a:schemeClr val="lt1"/>
+      </a:fontRef>
+    </dgm:style>
+  </dgm:styleLbl>
+  <dgm:styleLbl name="parChTrans2D4">
+    <dgm:scene3d>
+      <a:camera prst="orthographicFront"/>
+      <a:lightRig rig="threePt" dir="t"/>
+    </dgm:scene3d>
+    <dgm:sp3d/>
+    <dgm:txPr/>
+    <dgm:style>
+      <a:lnRef idx="2">
+        <a:scrgbClr r="0" g="0" b="0"/>
+      </a:lnRef>
+      <a:fillRef idx="1">
+        <a:scrgbClr r="0" g="0" b="0"/>
+      </a:fillRef>
+      <a:effectRef idx="0">
+        <a:scrgbClr r="0" g="0" b="0"/>
+      </a:effectRef>
+      <a:fontRef idx="minor">
+        <a:schemeClr val="lt1"/>
+      </a:fontRef>
+    </dgm:style>
+  </dgm:styleLbl>
+  <dgm:styleLbl name="parChTrans1D1">
+    <dgm:scene3d>
+      <a:camera prst="orthographicFront"/>
+      <a:lightRig rig="threePt" dir="t"/>
+    </dgm:scene3d>
+    <dgm:sp3d/>
+    <dgm:txPr/>
+    <dgm:style>
+      <a:lnRef idx="2">
+        <a:scrgbClr r="0" g="0" b="0"/>
+      </a:lnRef>
+      <a:fillRef idx="0">
+        <a:scrgbClr r="0" g="0" b="0"/>
+      </a:fillRef>
+      <a:effectRef idx="0">
+        <a:scrgbClr r="0" g="0" b="0"/>
+      </a:effectRef>
+      <a:fontRef idx="minor"/>
+    </dgm:style>
+  </dgm:styleLbl>
+  <dgm:styleLbl name="parChTrans1D2">
+    <dgm:scene3d>
+      <a:camera prst="orthographicFront"/>
+      <a:lightRig rig="threePt" dir="t"/>
+    </dgm:scene3d>
+    <dgm:sp3d/>
+    <dgm:txPr/>
+    <dgm:style>
+      <a:lnRef idx="2">
+        <a:scrgbClr r="0" g="0" b="0"/>
+      </a:lnRef>
+      <a:fillRef idx="0">
+        <a:scrgbClr r="0" g="0" b="0"/>
+      </a:fillRef>
+      <a:effectRef idx="0">
+        <a:scrgbClr r="0" g="0" b="0"/>
+      </a:effectRef>
+      <a:fontRef idx="minor"/>
+    </dgm:style>
+  </dgm:styleLbl>
+  <dgm:styleLbl name="parChTrans1D3">
+    <dgm:scene3d>
+      <a:camera prst="orthographicFront"/>
+      <a:lightRig rig="threePt" dir="t"/>
+    </dgm:scene3d>
+    <dgm:sp3d/>
+    <dgm:txPr/>
+    <dgm:style>
+      <a:lnRef idx="2">
+        <a:scrgbClr r="0" g="0" b="0"/>
+      </a:lnRef>
+      <a:fillRef idx="0">
+        <a:scrgbClr r="0" g="0" b="0"/>
+      </a:fillRef>
+      <a:effectRef idx="0">
+        <a:scrgbClr r="0" g="0" b="0"/>
+      </a:effectRef>
+      <a:fontRef idx="minor"/>
+    </dgm:style>
+  </dgm:styleLbl>
+  <dgm:styleLbl name="parChTrans1D4">
+    <dgm:scene3d>
+      <a:camera prst="orthographicFront"/>
+      <a:lightRig rig="threePt" dir="t"/>
+    </dgm:scene3d>
+    <dgm:sp3d/>
+    <dgm:txPr/>
+    <dgm:style>
+      <a:lnRef idx="2">
+        <a:scrgbClr r="0" g="0" b="0"/>
+      </a:lnRef>
+      <a:fillRef idx="0">
+        <a:scrgbClr r="0" g="0" b="0"/>
+      </a:fillRef>
+      <a:effectRef idx="0">
+        <a:scrgbClr r="0" g="0" b="0"/>
+      </a:effectRef>
+      <a:fontRef idx="minor"/>
+    </dgm:style>
+  </dgm:styleLbl>
+  <dgm:styleLbl name="fgAcc1">
+    <dgm:scene3d>
+      <a:camera prst="orthographicFront"/>
+      <a:lightRig rig="threePt" dir="t"/>
+    </dgm:scene3d>
+    <dgm:sp3d/>
+    <dgm:txPr/>
+    <dgm:style>
+      <a:lnRef idx="2">
+        <a:scrgbClr r="0" g="0" b="0"/>
+      </a:lnRef>
+      <a:fillRef idx="1">
+        <a:scrgbClr r="0" g="0" b="0"/>
+      </a:fillRef>
+      <a:effectRef idx="0">
+        <a:scrgbClr r="0" g="0" b="0"/>
+      </a:effectRef>
+      <a:fontRef idx="minor"/>
+    </dgm:style>
+  </dgm:styleLbl>
+  <dgm:styleLbl name="conFgAcc1">
+    <dgm:scene3d>
+      <a:camera prst="orthographicFront"/>
+      <a:lightRig rig="threePt" dir="t"/>
+    </dgm:scene3d>
+    <dgm:sp3d/>
+    <dgm:txPr/>
+    <dgm:style>
+      <a:lnRef idx="2">
+        <a:scrgbClr r="0" g="0" b="0"/>
+      </a:lnRef>
+      <a:fillRef idx="1">
+        <a:scrgbClr r="0" g="0" b="0"/>
+      </a:fillRef>
+      <a:effectRef idx="0">
+        <a:scrgbClr r="0" g="0" b="0"/>
+      </a:effectRef>
+      <a:fontRef idx="minor"/>
+    </dgm:style>
+  </dgm:styleLbl>
+  <dgm:styleLbl name="alignAcc1">
+    <dgm:scene3d>
+      <a:camera prst="orthographicFront"/>
+      <a:lightRig rig="threePt" dir="t"/>
+    </dgm:scene3d>
+    <dgm:sp3d/>
+    <dgm:txPr/>
+    <dgm:style>
+      <a:lnRef idx="2">
+        <a:scrgbClr r="0" g="0" b="0"/>
+      </a:lnRef>
+      <a:fillRef idx="1">
+        <a:scrgbClr r="0" g="0" b="0"/>
+      </a:fillRef>
+      <a:effectRef idx="0">
+        <a:scrgbClr r="0" g="0" b="0"/>
+      </a:effectRef>
+      <a:fontRef idx="minor"/>
+    </dgm:style>
+  </dgm:styleLbl>
+  <dgm:styleLbl name="trAlignAcc1">
+    <dgm:scene3d>
+      <a:camera prst="orthographicFront"/>
+      <a:lightRig rig="threePt" dir="t"/>
+    </dgm:scene3d>
+    <dgm:sp3d/>
+    <dgm:txPr/>
+    <dgm:style>
+      <a:lnRef idx="1">
+        <a:scrgbClr r="0" g="0" b="0"/>
+      </a:lnRef>
+      <a:fillRef idx="1">
+        <a:scrgbClr r="0" g="0" b="0"/>
+      </a:fillRef>
+      <a:effectRef idx="0">
+        <a:scrgbClr r="0" g="0" b="0"/>
+      </a:effectRef>
+      <a:fontRef idx="minor"/>
+    </dgm:style>
+  </dgm:styleLbl>
+  <dgm:styleLbl name="bgAcc1">
+    <dgm:scene3d>
+      <a:camera prst="orthographicFront"/>
+      <a:lightRig rig="threePt" dir="t"/>
+    </dgm:scene3d>
+    <dgm:sp3d/>
+    <dgm:txPr/>
+    <dgm:style>
+      <a:lnRef idx="2">
+        <a:scrgbClr r="0" g="0" b="0"/>
+      </a:lnRef>
+      <a:fillRef idx="1">
+        <a:scrgbClr r="0" g="0" b="0"/>
+      </a:fillRef>
+      <a:effectRef idx="0">
+        <a:scrgbClr r="0" g="0" b="0"/>
+      </a:effectRef>
+      <a:fontRef idx="minor"/>
+    </dgm:style>
+  </dgm:styleLbl>
+  <dgm:styleLbl name="solidFgAcc1">
+    <dgm:scene3d>
+      <a:camera prst="orthographicFront"/>
+      <a:lightRig rig="threePt" dir="t"/>
+    </dgm:scene3d>
+    <dgm:sp3d/>
+    <dgm:txPr/>
+    <dgm:style>
+      <a:lnRef idx="2">
+        <a:scrgbClr r="0" g="0" b="0"/>
+      </a:lnRef>
+      <a:fillRef idx="1">
+        <a:scrgbClr r="0" g="0" b="0"/>
+      </a:fillRef>
+      <a:effectRef idx="0">
+        <a:scrgbClr r="0" g="0" b="0"/>
+      </a:effectRef>
+      <a:fontRef idx="minor"/>
+    </dgm:style>
+  </dgm:styleLbl>
+  <dgm:styleLbl name="solidAlignAcc1">
+    <dgm:scene3d>
+      <a:camera prst="orthographicFront"/>
+      <a:lightRig rig="threePt" dir="t"/>
+    </dgm:scene3d>
+    <dgm:sp3d/>
+    <dgm:txPr/>
+    <dgm:style>
+      <a:lnRef idx="2">
+        <a:scrgbClr r="0" g="0" b="0"/>
+      </a:lnRef>
+      <a:fillRef idx="1">
+        <a:scrgbClr r="0" g="0" b="0"/>
+      </a:fillRef>
+      <a:effectRef idx="0">
+        <a:scrgbClr r="0" g="0" b="0"/>
+      </a:effectRef>
+      <a:fontRef idx="minor"/>
+    </dgm:style>
+  </dgm:styleLbl>
+  <dgm:styleLbl name="solidBgAcc1">
+    <dgm:scene3d>
+      <a:camera prst="orthographicFront"/>
+      <a:lightRig rig="threePt" dir="t"/>
+    </dgm:scene3d>
+    <dgm:sp3d/>
+    <dgm:txPr/>
+    <dgm:style>
+      <a:lnRef idx="2">
+        <a:scrgbClr r="0" g="0" b="0"/>
+      </a:lnRef>
+      <a:fillRef idx="1">
+        <a:scrgbClr r="0" g="0" b="0"/>
+      </a:fillRef>
+      <a:effectRef idx="0">
+        <a:scrgbClr r="0" g="0" b="0"/>
+      </a:effectRef>
+      <a:fontRef idx="minor"/>
+    </dgm:style>
+  </dgm:styleLbl>
+  <dgm:styleLbl name="fgAccFollowNode1">
+    <dgm:scene3d>
+      <a:camera prst="orthographicFront"/>
+      <a:lightRig rig="threePt" dir="t"/>
+    </dgm:scene3d>
+    <dgm:sp3d/>
+    <dgm:txPr/>
+    <dgm:style>
+      <a:lnRef idx="2">
+        <a:scrgbClr r="0" g="0" b="0"/>
+      </a:lnRef>
+      <a:fillRef idx="1">
+        <a:scrgbClr r="0" g="0" b="0"/>
+      </a:fillRef>
+      <a:effectRef idx="0">
+        <a:scrgbClr r="0" g="0" b="0"/>
+      </a:effectRef>
+      <a:fontRef idx="minor"/>
+    </dgm:style>
+  </dgm:styleLbl>
+  <dgm:styleLbl name="alignAccFollowNode1">
+    <dgm:scene3d>
+      <a:camera prst="orthographicFront"/>
+      <a:lightRig rig="threePt" dir="t"/>
+    </dgm:scene3d>
+    <dgm:sp3d/>
+    <dgm:txPr/>
+    <dgm:style>
+      <a:lnRef idx="2">
+        <a:scrgbClr r="0" g="0" b="0"/>
+      </a:lnRef>
+      <a:fillRef idx="1">
+        <a:scrgbClr r="0" g="0" b="0"/>
+      </a:fillRef>
+      <a:effectRef idx="0">
+        <a:scrgbClr r="0" g="0" b="0"/>
+      </a:effectRef>
+      <a:fontRef idx="minor"/>
+    </dgm:style>
+  </dgm:styleLbl>
+  <dgm:styleLbl name="bgAccFollowNode1">
+    <dgm:scene3d>
+      <a:camera prst="orthographicFront"/>
+      <a:lightRig rig="threePt" dir="t"/>
+    </dgm:scene3d>
+    <dgm:sp3d/>
+    <dgm:txPr/>
+    <dgm:style>
+      <a:lnRef idx="2">
+        <a:scrgbClr r="0" g="0" b="0"/>
+      </a:lnRef>
+      <a:fillRef idx="1">
+        <a:scrgbClr r="0" g="0" b="0"/>
+      </a:fillRef>
+      <a:effectRef idx="0">
+        <a:scrgbClr r="0" g="0" b="0"/>
+      </a:effectRef>
+      <a:fontRef idx="minor"/>
+    </dgm:style>
+  </dgm:styleLbl>
+  <dgm:styleLbl name="fgAcc0">
+    <dgm:scene3d>
+      <a:camera prst="orthographicFront"/>
+      <a:lightRig rig="threePt" dir="t"/>
+    </dgm:scene3d>
+    <dgm:sp3d/>
+    <dgm:txPr/>
+    <dgm:style>
+      <a:lnRef idx="2">
+        <a:scrgbClr r="0" g="0" b="0"/>
+      </a:lnRef>
+      <a:fillRef idx="1">
+        <a:scrgbClr r="0" g="0" b="0"/>
+      </a:fillRef>
+      <a:effectRef idx="0">
+        <a:scrgbClr r="0" g="0" b="0"/>
+      </a:effectRef>
+      <a:fontRef idx="minor"/>
+    </dgm:style>
+  </dgm:styleLbl>
+  <dgm:styleLbl name="fgAcc2">
+    <dgm:scene3d>
+      <a:camera prst="orthographicFront"/>
+      <a:lightRig rig="threePt" dir="t"/>
+    </dgm:scene3d>
+    <dgm:sp3d/>
+    <dgm:txPr/>
+    <dgm:style>
+      <a:lnRef idx="2">
+        <a:scrgbClr r="0" g="0" b="0"/>
+      </a:lnRef>
+      <a:fillRef idx="1">
+        <a:scrgbClr r="0" g="0" b="0"/>
+      </a:fillRef>
+      <a:effectRef idx="0">
+        <a:scrgbClr r="0" g="0" b="0"/>
+      </a:effectRef>
+      <a:fontRef idx="minor"/>
+    </dgm:style>
+  </dgm:styleLbl>
+  <dgm:styleLbl name="fgAcc3">
+    <dgm:scene3d>
+      <a:camera prst="orthographicFront"/>
+      <a:lightRig rig="threePt" dir="t"/>
+    </dgm:scene3d>
+    <dgm:sp3d/>
+    <dgm:txPr/>
+    <dgm:style>
+      <a:lnRef idx="2">
+        <a:scrgbClr r="0" g="0" b="0"/>
+      </a:lnRef>
+      <a:fillRef idx="1">
+        <a:scrgbClr r="0" g="0" b="0"/>
+      </a:fillRef>
+      <a:effectRef idx="0">
+        <a:scrgbClr r="0" g="0" b="0"/>
+      </a:effectRef>
+      <a:fontRef idx="minor"/>
+    </dgm:style>
+  </dgm:styleLbl>
+  <dgm:styleLbl name="fgAcc4">
+    <dgm:scene3d>
+      <a:camera prst="orthographicFront"/>
+      <a:lightRig rig="threePt" dir="t"/>
+    </dgm:scene3d>
+    <dgm:sp3d/>
+    <dgm:txPr/>
+    <dgm:style>
+      <a:lnRef idx="2">
+        <a:scrgbClr r="0" g="0" b="0"/>
+      </a:lnRef>
+      <a:fillRef idx="1">
+        <a:scrgbClr r="0" g="0" b="0"/>
+      </a:fillRef>
+      <a:effectRef idx="0">
+        <a:scrgbClr r="0" g="0" b="0"/>
+      </a:effectRef>
+      <a:fontRef idx="minor"/>
+    </dgm:style>
+  </dgm:styleLbl>
+  <dgm:styleLbl name="bgShp">
+    <dgm:scene3d>
+      <a:camera prst="orthographicFront"/>
+      <a:lightRig rig="threePt" dir="t"/>
+    </dgm:scene3d>
+    <dgm:sp3d/>
+    <dgm:txPr/>
+    <dgm:style>
+      <a:lnRef idx="0">
+        <a:scrgbClr r="0" g="0" b="0"/>
+      </a:lnRef>
+      <a:fillRef idx="1">
+        <a:scrgbClr r="0" g="0" b="0"/>
+      </a:fillRef>
+      <a:effectRef idx="0">
+        <a:scrgbClr r="0" g="0" b="0"/>
+      </a:effectRef>
+      <a:fontRef idx="minor"/>
+    </dgm:style>
+  </dgm:styleLbl>
+  <dgm:styleLbl name="dkBgShp">
+    <dgm:scene3d>
+      <a:camera prst="orthographicFront"/>
+      <a:lightRig rig="threePt" dir="t"/>
+    </dgm:scene3d>
+    <dgm:sp3d/>
+    <dgm:txPr/>
+    <dgm:style>
+      <a:lnRef idx="0">
+        <a:scrgbClr r="0" g="0" b="0"/>
+      </a:lnRef>
+      <a:fillRef idx="1">
+        <a:scrgbClr r="0" g="0" b="0"/>
+      </a:fillRef>
+      <a:effectRef idx="0">
+        <a:scrgbClr r="0" g="0" b="0"/>
+      </a:effectRef>
+      <a:fontRef idx="minor"/>
+    </dgm:style>
+  </dgm:styleLbl>
+  <dgm:styleLbl name="trBgShp">
+    <dgm:scene3d>
+      <a:camera prst="orthographicFront"/>
+      <a:lightRig rig="threePt" dir="t"/>
+    </dgm:scene3d>
+    <dgm:sp3d/>
+    <dgm:txPr/>
+    <dgm:style>
+      <a:lnRef idx="0">
+        <a:scrgbClr r="0" g="0" b="0"/>
+      </a:lnRef>
+      <a:fillRef idx="1">
+        <a:scrgbClr r="0" g="0" b="0"/>
+      </a:fillRef>
+      <a:effectRef idx="0">
+        <a:scrgbClr r="0" g="0" b="0"/>
+      </a:effectRef>
+      <a:fontRef idx="minor"/>
+    </dgm:style>
+  </dgm:styleLbl>
+  <dgm:styleLbl name="fgShp">
+    <dgm:scene3d>
+      <a:camera prst="orthographicFront"/>
+      <a:lightRig rig="threePt" dir="t"/>
+    </dgm:scene3d>
+    <dgm:sp3d/>
+    <dgm:txPr/>
+    <dgm:style>
+      <a:lnRef idx="2">
+        <a:scrgbClr r="0" g="0" b="0"/>
+      </a:lnRef>
+      <a:fillRef idx="1">
+        <a:scrgbClr r="0" g="0" b="0"/>
+      </a:fillRef>
+      <a:effectRef idx="0">
+        <a:scrgbClr r="0" g="0" b="0"/>
+      </a:effectRef>
+      <a:fontRef idx="minor"/>
+    </dgm:style>
+  </dgm:styleLbl>
+  <dgm:styleLbl name="revTx">
+    <dgm:scene3d>
+      <a:camera prst="orthographicFront"/>
+      <a:lightRig rig="threePt" dir="t"/>
+    </dgm:scene3d>
+    <dgm:sp3d/>
+    <dgm:txPr/>
+    <dgm:style>
+      <a:lnRef idx="0">
+        <a:scrgbClr r="0" g="0" b="0"/>
+      </a:lnRef>
+      <a:fillRef idx="0">
+        <a:scrgbClr r="0" g="0" b="0"/>
+      </a:fillRef>
+      <a:effectRef idx="0">
+        <a:scrgbClr r="0" g="0" b="0"/>
+      </a:effectRef>
+      <a:fontRef idx="minor"/>
+    </dgm:style>
+  </dgm:styleLbl>
+</dgm:styleDef>
+</file>
+
+<file path=ppt/diagrams/quickStyle2.xml><?xml version="1.0" encoding="utf-8"?>
+<dgm:styleDef xmlns:dgm="http://schemas.openxmlformats.org/drawingml/2006/diagram" xmlns:a="http://schemas.openxmlformats.org/drawingml/2006/main" uniqueId="urn:microsoft.com/office/officeart/2005/8/quickstyle/simple1">
+  <dgm:title val=""/>
+  <dgm:desc val=""/>
+  <dgm:catLst>
+    <dgm:cat type="simple" pri="10100"/>
+  </dgm:catLst>
+  <dgm:scene3d>
+    <a:camera prst="orthographicFront"/>
+    <a:lightRig rig="threePt" dir="t"/>
+  </dgm:scene3d>
+  <dgm:styleLbl name="node0">
+    <dgm:scene3d>
+      <a:camera prst="orthographicFront"/>
+      <a:lightRig rig="threePt" dir="t"/>
+    </dgm:scene3d>
+    <dgm:sp3d/>
+    <dgm:txPr/>
+    <dgm:style>
+      <a:lnRef idx="2">
+        <a:scrgbClr r="0" g="0" b="0"/>
+      </a:lnRef>
+      <a:fillRef idx="1">
+        <a:scrgbClr r="0" g="0" b="0"/>
+      </a:fillRef>
+      <a:effectRef idx="0">
+        <a:scrgbClr r="0" g="0" b="0"/>
+      </a:effectRef>
+      <a:fontRef idx="minor">
+        <a:schemeClr val="lt1"/>
+      </a:fontRef>
+    </dgm:style>
+  </dgm:styleLbl>
+  <dgm:styleLbl name="lnNode1">
+    <dgm:scene3d>
+      <a:camera prst="orthographicFront"/>
+      <a:lightRig rig="threePt" dir="t"/>
+    </dgm:scene3d>
+    <dgm:sp3d/>
+    <dgm:txPr/>
+    <dgm:style>
+      <a:lnRef idx="2">
+        <a:scrgbClr r="0" g="0" b="0"/>
+      </a:lnRef>
+      <a:fillRef idx="1">
+        <a:scrgbClr r="0" g="0" b="0"/>
+      </a:fillRef>
+      <a:effectRef idx="0">
+        <a:scrgbClr r="0" g="0" b="0"/>
+      </a:effectRef>
+      <a:fontRef idx="minor">
+        <a:schemeClr val="lt1"/>
+      </a:fontRef>
+    </dgm:style>
+  </dgm:styleLbl>
+  <dgm:styleLbl name="vennNode1">
+    <dgm:scene3d>
+      <a:camera prst="orthographicFront"/>
+      <a:lightRig rig="threePt" dir="t"/>
+    </dgm:scene3d>
+    <dgm:sp3d/>
+    <dgm:txPr/>
+    <dgm:style>
+      <a:lnRef idx="2">
+        <a:scrgbClr r="0" g="0" b="0"/>
+      </a:lnRef>
+      <a:fillRef idx="1">
+        <a:scrgbClr r="0" g="0" b="0"/>
+      </a:fillRef>
+      <a:effectRef idx="0">
+        <a:scrgbClr r="0" g="0" b="0"/>
+      </a:effectRef>
+      <a:fontRef idx="minor">
+        <a:schemeClr val="tx1"/>
+      </a:fontRef>
+    </dgm:style>
+  </dgm:styleLbl>
+  <dgm:styleLbl name="alignNode1">
+    <dgm:scene3d>
+      <a:camera prst="orthographicFront"/>
+      <a:lightRig rig="threePt" dir="t"/>
+    </dgm:scene3d>
+    <dgm:sp3d/>
+    <dgm:txPr/>
+    <dgm:style>
+      <a:lnRef idx="2">
+        <a:scrgbClr r="0" g="0" b="0"/>
+      </a:lnRef>
+      <a:fillRef idx="1">
+        <a:scrgbClr r="0" g="0" b="0"/>
+      </a:fillRef>
+      <a:effectRef idx="0">
+        <a:scrgbClr r="0" g="0" b="0"/>
+      </a:effectRef>
+      <a:fontRef idx="minor">
+        <a:schemeClr val="lt1"/>
+      </a:fontRef>
+    </dgm:style>
+  </dgm:styleLbl>
+  <dgm:styleLbl name="node1">
+    <dgm:scene3d>
+      <a:camera prst="orthographicFront"/>
+      <a:lightRig rig="threePt" dir="t"/>
+    </dgm:scene3d>
+    <dgm:sp3d/>
+    <dgm:txPr/>
+    <dgm:style>
+      <a:lnRef idx="2">
+        <a:scrgbClr r="0" g="0" b="0"/>
+      </a:lnRef>
+      <a:fillRef idx="1">
+        <a:scrgbClr r="0" g="0" b="0"/>
+      </a:fillRef>
+      <a:effectRef idx="0">
+        <a:scrgbClr r="0" g="0" b="0"/>
+      </a:effectRef>
+      <a:fontRef idx="minor">
+        <a:schemeClr val="lt1"/>
+      </a:fontRef>
+    </dgm:style>
+  </dgm:styleLbl>
+  <dgm:styleLbl name="node2">
+    <dgm:scene3d>
+      <a:camera prst="orthographicFront"/>
+      <a:lightRig rig="threePt" dir="t"/>
+    </dgm:scene3d>
+    <dgm:sp3d/>
+    <dgm:txPr/>
+    <dgm:style>
+      <a:lnRef idx="2">
+        <a:scrgbClr r="0" g="0" b="0"/>
+      </a:lnRef>
+      <a:fillRef idx="1">
+        <a:scrgbClr r="0" g="0" b="0"/>
+      </a:fillRef>
+      <a:effectRef idx="0">
+        <a:scrgbClr r="0" g="0" b="0"/>
+      </a:effectRef>
+      <a:fontRef idx="minor">
+        <a:schemeClr val="lt1"/>
+      </a:fontRef>
+    </dgm:style>
+  </dgm:styleLbl>
+  <dgm:styleLbl name="node3">
+    <dgm:scene3d>
+      <a:camera prst="orthographicFront"/>
+      <a:lightRig rig="threePt" dir="t"/>
+    </dgm:scene3d>
+    <dgm:sp3d/>
+    <dgm:txPr/>
+    <dgm:style>
+      <a:lnRef idx="2">
+        <a:scrgbClr r="0" g="0" b="0"/>
+      </a:lnRef>
+      <a:fillRef idx="1">
+        <a:scrgbClr r="0" g="0" b="0"/>
+      </a:fillRef>
+      <a:effectRef idx="0">
+        <a:scrgbClr r="0" g="0" b="0"/>
+      </a:effectRef>
+      <a:fontRef idx="minor">
+        <a:schemeClr val="lt1"/>
+      </a:fontRef>
+    </dgm:style>
+  </dgm:styleLbl>
+  <dgm:styleLbl name="node4">
+    <dgm:scene3d>
+      <a:camera prst="orthographicFront"/>
+      <a:lightRig rig="threePt" dir="t"/>
+    </dgm:scene3d>
+    <dgm:sp3d/>
+    <dgm:txPr/>
+    <dgm:style>
+      <a:lnRef idx="2">
+        <a:scrgbClr r="0" g="0" b="0"/>
+      </a:lnRef>
+      <a:fillRef idx="1">
+        <a:scrgbClr r="0" g="0" b="0"/>
+      </a:fillRef>
+      <a:effectRef idx="0">
+        <a:scrgbClr r="0" g="0" b="0"/>
+      </a:effectRef>
+      <a:fontRef idx="minor">
+        <a:schemeClr val="lt1"/>
+      </a:fontRef>
+    </dgm:style>
+  </dgm:styleLbl>
+  <dgm:styleLbl name="fgImgPlace1">
+    <dgm:scene3d>
+      <a:camera prst="orthographicFront"/>
+      <a:lightRig rig="threePt" dir="t"/>
+    </dgm:scene3d>
+    <dgm:sp3d/>
+    <dgm:txPr/>
+    <dgm:style>
+      <a:lnRef idx="2">
+        <a:scrgbClr r="0" g="0" b="0"/>
+      </a:lnRef>
+      <a:fillRef idx="1">
+        <a:scrgbClr r="0" g="0" b="0"/>
+      </a:fillRef>
+      <a:effectRef idx="0">
+        <a:scrgbClr r="0" g="0" b="0"/>
+      </a:effectRef>
+      <a:fontRef idx="minor"/>
+    </dgm:style>
+  </dgm:styleLbl>
+  <dgm:styleLbl name="alignImgPlace1">
+    <dgm:scene3d>
+      <a:camera prst="orthographicFront"/>
+      <a:lightRig rig="threePt" dir="t"/>
+    </dgm:scene3d>
+    <dgm:sp3d/>
+    <dgm:txPr/>
+    <dgm:style>
+      <a:lnRef idx="2">
+        <a:scrgbClr r="0" g="0" b="0"/>
+      </a:lnRef>
+      <a:fillRef idx="1">
+        <a:scrgbClr r="0" g="0" b="0"/>
+      </a:fillRef>
+      <a:effectRef idx="0">
+        <a:scrgbClr r="0" g="0" b="0"/>
+      </a:effectRef>
+      <a:fontRef idx="minor"/>
+    </dgm:style>
+  </dgm:styleLbl>
+  <dgm:styleLbl name="bgImgPlace1">
+    <dgm:scene3d>
+      <a:camera prst="orthographicFront"/>
+      <a:lightRig rig="threePt" dir="t"/>
+    </dgm:scene3d>
+    <dgm:sp3d/>
+    <dgm:txPr/>
+    <dgm:style>
+      <a:lnRef idx="2">
+        <a:scrgbClr r="0" g="0" b="0"/>
+      </a:lnRef>
+      <a:fillRef idx="1">
+        <a:scrgbClr r="0" g="0" b="0"/>
+      </a:fillRef>
+      <a:effectRef idx="0">
+        <a:scrgbClr r="0" g="0" b="0"/>
+      </a:effectRef>
+      <a:fontRef idx="minor"/>
+    </dgm:style>
+  </dgm:styleLbl>
+  <dgm:styleLbl name="sibTrans2D1">
+    <dgm:scene3d>
+      <a:camera prst="orthographicFront"/>
+      <a:lightRig rig="threePt" dir="t"/>
+    </dgm:scene3d>
+    <dgm:sp3d/>
+    <dgm:txPr/>
+    <dgm:style>
+      <a:lnRef idx="0">
+        <a:scrgbClr r="0" g="0" b="0"/>
+      </a:lnRef>
+      <a:fillRef idx="1">
+        <a:scrgbClr r="0" g="0" b="0"/>
+      </a:fillRef>
+      <a:effectRef idx="0">
+        <a:scrgbClr r="0" g="0" b="0"/>
+      </a:effectRef>
+      <a:fontRef idx="minor">
+        <a:schemeClr val="lt1"/>
+      </a:fontRef>
+    </dgm:style>
+  </dgm:styleLbl>
+  <dgm:styleLbl name="fgSibTrans2D1">
+    <dgm:scene3d>
+      <a:camera prst="orthographicFront"/>
+      <a:lightRig rig="threePt" dir="t"/>
+    </dgm:scene3d>
+    <dgm:sp3d/>
+    <dgm:txPr/>
+    <dgm:style>
+      <a:lnRef idx="0">
+        <a:scrgbClr r="0" g="0" b="0"/>
+      </a:lnRef>
+      <a:fillRef idx="1">
+        <a:scrgbClr r="0" g="0" b="0"/>
+      </a:fillRef>
+      <a:effectRef idx="0">
+        <a:scrgbClr r="0" g="0" b="0"/>
+      </a:effectRef>
+      <a:fontRef idx="minor">
+        <a:schemeClr val="lt1"/>
+      </a:fontRef>
+    </dgm:style>
+  </dgm:styleLbl>
+  <dgm:styleLbl name="bgSibTrans2D1">
+    <dgm:scene3d>
+      <a:camera prst="orthographicFront"/>
+      <a:lightRig rig="threePt" dir="t"/>
+    </dgm:scene3d>
+    <dgm:sp3d/>
+    <dgm:txPr/>
+    <dgm:style>
+      <a:lnRef idx="0">
+        <a:scrgbClr r="0" g="0" b="0"/>
+      </a:lnRef>
+      <a:fillRef idx="1">
+        <a:scrgbClr r="0" g="0" b="0"/>
+      </a:fillRef>
+      <a:effectRef idx="0">
+        <a:scrgbClr r="0" g="0" b="0"/>
+      </a:effectRef>
+      <a:fontRef idx="minor">
+        <a:schemeClr val="lt1"/>
+      </a:fontRef>
+    </dgm:style>
+  </dgm:styleLbl>
+  <dgm:styleLbl name="sibTrans1D1">
+    <dgm:scene3d>
+      <a:camera prst="orthographicFront"/>
+      <a:lightRig rig="threePt" dir="t"/>
+    </dgm:scene3d>
+    <dgm:sp3d/>
+    <dgm:txPr/>
+    <dgm:style>
+      <a:lnRef idx="1">
+        <a:scrgbClr r="0" g="0" b="0"/>
+      </a:lnRef>
+      <a:fillRef idx="0">
+        <a:scrgbClr r="0" g="0" b="0"/>
+      </a:fillRef>
+      <a:effectRef idx="0">
+        <a:scrgbClr r="0" g="0" b="0"/>
+      </a:effectRef>
+      <a:fontRef idx="minor"/>
+    </dgm:style>
+  </dgm:styleLbl>
+  <dgm:styleLbl name="callout">
+    <dgm:scene3d>
+      <a:camera prst="orthographicFront"/>
+      <a:lightRig rig="threePt" dir="t"/>
+    </dgm:scene3d>
+    <dgm:sp3d/>
+    <dgm:txPr/>
+    <dgm:style>
+      <a:lnRef idx="2">
+        <a:scrgbClr r="0" g="0" b="0"/>
+      </a:lnRef>
+      <a:fillRef idx="1">
+        <a:scrgbClr r="0" g="0" b="0"/>
+      </a:fillRef>
+      <a:effectRef idx="0">
+        <a:scrgbClr r="0" g="0" b="0"/>
+      </a:effectRef>
+      <a:fontRef idx="minor"/>
+    </dgm:style>
+  </dgm:styleLbl>
+  <dgm:styleLbl name="asst0">
+    <dgm:scene3d>
+      <a:camera prst="orthographicFront"/>
+      <a:lightRig rig="threePt" dir="t"/>
+    </dgm:scene3d>
+    <dgm:sp3d/>
+    <dgm:txPr/>
+    <dgm:style>
+      <a:lnRef idx="2">
+        <a:scrgbClr r="0" g="0" b="0"/>
+      </a:lnRef>
+      <a:fillRef idx="1">
+        <a:scrgbClr r="0" g="0" b="0"/>
+      </a:fillRef>
+      <a:effectRef idx="0">
+        <a:scrgbClr r="0" g="0" b="0"/>
+      </a:effectRef>
+      <a:fontRef idx="minor">
+        <a:schemeClr val="lt1"/>
+      </a:fontRef>
+    </dgm:style>
+  </dgm:styleLbl>
+  <dgm:styleLbl name="asst1">
+    <dgm:scene3d>
+      <a:camera prst="orthographicFront"/>
+      <a:lightRig rig="threePt" dir="t"/>
+    </dgm:scene3d>
+    <dgm:sp3d/>
+    <dgm:txPr/>
+    <dgm:style>
+      <a:lnRef idx="2">
+        <a:scrgbClr r="0" g="0" b="0"/>
+      </a:lnRef>
+      <a:fillRef idx="1">
+        <a:scrgbClr r="0" g="0" b="0"/>
+      </a:fillRef>
+      <a:effectRef idx="0">
+        <a:scrgbClr r="0" g="0" b="0"/>
+      </a:effectRef>
+      <a:fontRef idx="minor">
+        <a:schemeClr val="lt1"/>
+      </a:fontRef>
+    </dgm:style>
+  </dgm:styleLbl>
+  <dgm:styleLbl name="asst2">
+    <dgm:scene3d>
+      <a:camera prst="orthographicFront"/>
+      <a:lightRig rig="threePt" dir="t"/>
+    </dgm:scene3d>
+    <dgm:sp3d/>
+    <dgm:txPr/>
+    <dgm:style>
+      <a:lnRef idx="2">
+        <a:scrgbClr r="0" g="0" b="0"/>
+      </a:lnRef>
+      <a:fillRef idx="1">
+        <a:scrgbClr r="0" g="0" b="0"/>
+      </a:fillRef>
+      <a:effectRef idx="0">
+        <a:scrgbClr r="0" g="0" b="0"/>
+      </a:effectRef>
+      <a:fontRef idx="minor">
+        <a:schemeClr val="lt1"/>
+      </a:fontRef>
+    </dgm:style>
+  </dgm:styleLbl>
+  <dgm:styleLbl name="asst3">
+    <dgm:scene3d>
+      <a:camera prst="orthographicFront"/>
+      <a:lightRig rig="threePt" dir="t"/>
+    </dgm:scene3d>
+    <dgm:sp3d/>
+    <dgm:txPr/>
+    <dgm:style>
+      <a:lnRef idx="2">
+        <a:scrgbClr r="0" g="0" b="0"/>
+      </a:lnRef>
+      <a:fillRef idx="1">
+        <a:scrgbClr r="0" g="0" b="0"/>
+      </a:fillRef>
+      <a:effectRef idx="0">
+        <a:scrgbClr r="0" g="0" b="0"/>
+      </a:effectRef>
+      <a:fontRef idx="minor">
+        <a:schemeClr val="lt1"/>
+      </a:fontRef>
+    </dgm:style>
+  </dgm:styleLbl>
+  <dgm:styleLbl name="asst4">
+    <dgm:scene3d>
+      <a:camera prst="orthographicFront"/>
+      <a:lightRig rig="threePt" dir="t"/>
+    </dgm:scene3d>
+    <dgm:sp3d/>
+    <dgm:txPr/>
+    <dgm:style>
+      <a:lnRef idx="2">
+        <a:scrgbClr r="0" g="0" b="0"/>
+      </a:lnRef>
+      <a:fillRef idx="1">
+        <a:scrgbClr r="0" g="0" b="0"/>
+      </a:fillRef>
+      <a:effectRef idx="0">
+        <a:scrgbClr r="0" g="0" b="0"/>
+      </a:effectRef>
+      <a:fontRef idx="minor">
+        <a:schemeClr val="lt1"/>
+      </a:fontRef>
+    </dgm:style>
+  </dgm:styleLbl>
+  <dgm:styleLbl name="parChTrans2D1">
+    <dgm:scene3d>
+      <a:camera prst="orthographicFront"/>
+      <a:lightRig rig="threePt" dir="t"/>
+    </dgm:scene3d>
+    <dgm:sp3d/>
+    <dgm:txPr/>
+    <dgm:style>
+      <a:lnRef idx="2">
+        <a:scrgbClr r="0" g="0" b="0"/>
+      </a:lnRef>
+      <a:fillRef idx="1">
+        <a:scrgbClr r="0" g="0" b="0"/>
+      </a:fillRef>
+      <a:effectRef idx="0">
+        <a:scrgbClr r="0" g="0" b="0"/>
+      </a:effectRef>
+      <a:fontRef idx="minor">
+        <a:schemeClr val="lt1"/>
+      </a:fontRef>
+    </dgm:style>
+  </dgm:styleLbl>
+  <dgm:styleLbl name="parChTrans2D2">
+    <dgm:scene3d>
+      <a:camera prst="orthographicFront"/>
+      <a:lightRig rig="threePt" dir="t"/>
+    </dgm:scene3d>
+    <dgm:sp3d/>
+    <dgm:txPr/>
+    <dgm:style>
+      <a:lnRef idx="2">
+        <a:scrgbClr r="0" g="0" b="0"/>
+      </a:lnRef>
+      <a:fillRef idx="1">
+        <a:scrgbClr r="0" g="0" b="0"/>
+      </a:fillRef>
+      <a:effectRef idx="0">
+        <a:scrgbClr r="0" g="0" b="0"/>
+      </a:effectRef>
+      <a:fontRef idx="minor">
+        <a:schemeClr val="lt1"/>
+      </a:fontRef>
+    </dgm:style>
+  </dgm:styleLbl>
+  <dgm:styleLbl name="parChTrans2D3">
+    <dgm:scene3d>
+      <a:camera prst="orthographicFront"/>
+      <a:lightRig rig="threePt" dir="t"/>
+    </dgm:scene3d>
+    <dgm:sp3d/>
+    <dgm:txPr/>
+    <dgm:style>
+      <a:lnRef idx="2">
+        <a:scrgbClr r="0" g="0" b="0"/>
+      </a:lnRef>
+      <a:fillRef idx="1">
+        <a:scrgbClr r="0" g="0" b="0"/>
+      </a:fillRef>
+      <a:effectRef idx="0">
+        <a:scrgbClr r="0" g="0" b="0"/>
+      </a:effectRef>
+      <a:fontRef idx="minor">
+        <a:schemeClr val="lt1"/>
+      </a:fontRef>
+    </dgm:style>
+  </dgm:styleLbl>
+  <dgm:styleLbl name="parChTrans2D4">
+    <dgm:scene3d>
+      <a:camera prst="orthographicFront"/>
+      <a:lightRig rig="threePt" dir="t"/>
+    </dgm:scene3d>
+    <dgm:sp3d/>
+    <dgm:txPr/>
+    <dgm:style>
+      <a:lnRef idx="2">
+        <a:scrgbClr r="0" g="0" b="0"/>
+      </a:lnRef>
+      <a:fillRef idx="1">
+        <a:scrgbClr r="0" g="0" b="0"/>
+      </a:fillRef>
+      <a:effectRef idx="0">
+        <a:scrgbClr r="0" g="0" b="0"/>
+      </a:effectRef>
+      <a:fontRef idx="minor">
+        <a:schemeClr val="lt1"/>
+      </a:fontRef>
+    </dgm:style>
+  </dgm:styleLbl>
+  <dgm:styleLbl name="parChTrans1D1">
+    <dgm:scene3d>
+      <a:camera prst="orthographicFront"/>
+      <a:lightRig rig="threePt" dir="t"/>
+    </dgm:scene3d>
+    <dgm:sp3d/>
+    <dgm:txPr/>
+    <dgm:style>
+      <a:lnRef idx="2">
+        <a:scrgbClr r="0" g="0" b="0"/>
+      </a:lnRef>
+      <a:fillRef idx="0">
+        <a:scrgbClr r="0" g="0" b="0"/>
+      </a:fillRef>
+      <a:effectRef idx="0">
+        <a:scrgbClr r="0" g="0" b="0"/>
+      </a:effectRef>
+      <a:fontRef idx="minor"/>
+    </dgm:style>
+  </dgm:styleLbl>
+  <dgm:styleLbl name="parChTrans1D2">
+    <dgm:scene3d>
+      <a:camera prst="orthographicFront"/>
+      <a:lightRig rig="threePt" dir="t"/>
+    </dgm:scene3d>
+    <dgm:sp3d/>
+    <dgm:txPr/>
+    <dgm:style>
+      <a:lnRef idx="2">
+        <a:scrgbClr r="0" g="0" b="0"/>
+      </a:lnRef>
+      <a:fillRef idx="0">
+        <a:scrgbClr r="0" g="0" b="0"/>
+      </a:fillRef>
+      <a:effectRef idx="0">
+        <a:scrgbClr r="0" g="0" b="0"/>
+      </a:effectRef>
+      <a:fontRef idx="minor"/>
+    </dgm:style>
+  </dgm:styleLbl>
+  <dgm:styleLbl name="parChTrans1D3">
+    <dgm:scene3d>
+      <a:camera prst="orthographicFront"/>
+      <a:lightRig rig="threePt" dir="t"/>
+    </dgm:scene3d>
+    <dgm:sp3d/>
+    <dgm:txPr/>
+    <dgm:style>
+      <a:lnRef idx="2">
+        <a:scrgbClr r="0" g="0" b="0"/>
+      </a:lnRef>
+      <a:fillRef idx="0">
+        <a:scrgbClr r="0" g="0" b="0"/>
+      </a:fillRef>
+      <a:effectRef idx="0">
+        <a:scrgbClr r="0" g="0" b="0"/>
+      </a:effectRef>
+      <a:fontRef idx="minor"/>
+    </dgm:style>
+  </dgm:styleLbl>
+  <dgm:styleLbl name="parChTrans1D4">
+    <dgm:scene3d>
+      <a:camera prst="orthographicFront"/>
+      <a:lightRig rig="threePt" dir="t"/>
+    </dgm:scene3d>
+    <dgm:sp3d/>
+    <dgm:txPr/>
+    <dgm:style>
+      <a:lnRef idx="2">
+        <a:scrgbClr r="0" g="0" b="0"/>
+      </a:lnRef>
+      <a:fillRef idx="0">
+        <a:scrgbClr r="0" g="0" b="0"/>
+      </a:fillRef>
+      <a:effectRef idx="0">
+        <a:scrgbClr r="0" g="0" b="0"/>
+      </a:effectRef>
+      <a:fontRef idx="minor"/>
+    </dgm:style>
+  </dgm:styleLbl>
+  <dgm:styleLbl name="fgAcc1">
+    <dgm:scene3d>
+      <a:camera prst="orthographicFront"/>
+      <a:lightRig rig="threePt" dir="t"/>
+    </dgm:scene3d>
+    <dgm:sp3d/>
+    <dgm:txPr/>
+    <dgm:style>
+      <a:lnRef idx="2">
+        <a:scrgbClr r="0" g="0" b="0"/>
+      </a:lnRef>
+      <a:fillRef idx="1">
+        <a:scrgbClr r="0" g="0" b="0"/>
+      </a:fillRef>
+      <a:effectRef idx="0">
+        <a:scrgbClr r="0" g="0" b="0"/>
+      </a:effectRef>
+      <a:fontRef idx="minor"/>
+    </dgm:style>
+  </dgm:styleLbl>
+  <dgm:styleLbl name="conFgAcc1">
+    <dgm:scene3d>
+      <a:camera prst="orthographicFront"/>
+      <a:lightRig rig="threePt" dir="t"/>
+    </dgm:scene3d>
+    <dgm:sp3d/>
+    <dgm:txPr/>
+    <dgm:style>
+      <a:lnRef idx="2">
+        <a:scrgbClr r="0" g="0" b="0"/>
+      </a:lnRef>
+      <a:fillRef idx="1">
+        <a:scrgbClr r="0" g="0" b="0"/>
+      </a:fillRef>
+      <a:effectRef idx="0">
+        <a:scrgbClr r="0" g="0" b="0"/>
+      </a:effectRef>
+      <a:fontRef idx="minor"/>
+    </dgm:style>
+  </dgm:styleLbl>
+  <dgm:styleLbl name="alignAcc1">
+    <dgm:scene3d>
+      <a:camera prst="orthographicFront"/>
+      <a:lightRig rig="threePt" dir="t"/>
+    </dgm:scene3d>
+    <dgm:sp3d/>
+    <dgm:txPr/>
+    <dgm:style>
+      <a:lnRef idx="2">
+        <a:scrgbClr r="0" g="0" b="0"/>
+      </a:lnRef>
+      <a:fillRef idx="1">
+        <a:scrgbClr r="0" g="0" b="0"/>
+      </a:fillRef>
+      <a:effectRef idx="0">
+        <a:scrgbClr r="0" g="0" b="0"/>
+      </a:effectRef>
+      <a:fontRef idx="minor"/>
+    </dgm:style>
+  </dgm:styleLbl>
+  <dgm:styleLbl name="trAlignAcc1">
+    <dgm:scene3d>
+      <a:camera prst="orthographicFront"/>
+      <a:lightRig rig="threePt" dir="t"/>
+    </dgm:scene3d>
+    <dgm:sp3d/>
+    <dgm:txPr/>
+    <dgm:style>
+      <a:lnRef idx="1">
+        <a:scrgbClr r="0" g="0" b="0"/>
+      </a:lnRef>
+      <a:fillRef idx="1">
+        <a:scrgbClr r="0" g="0" b="0"/>
+      </a:fillRef>
+      <a:effectRef idx="0">
+        <a:scrgbClr r="0" g="0" b="0"/>
+      </a:effectRef>
+      <a:fontRef idx="minor"/>
+    </dgm:style>
+  </dgm:styleLbl>
+  <dgm:styleLbl name="bgAcc1">
+    <dgm:scene3d>
+      <a:camera prst="orthographicFront"/>
+      <a:lightRig rig="threePt" dir="t"/>
+    </dgm:scene3d>
+    <dgm:sp3d/>
+    <dgm:txPr/>
+    <dgm:style>
+      <a:lnRef idx="2">
+        <a:scrgbClr r="0" g="0" b="0"/>
+      </a:lnRef>
+      <a:fillRef idx="1">
+        <a:scrgbClr r="0" g="0" b="0"/>
+      </a:fillRef>
+      <a:effectRef idx="0">
+        <a:scrgbClr r="0" g="0" b="0"/>
+      </a:effectRef>
+      <a:fontRef idx="minor"/>
+    </dgm:style>
+  </dgm:styleLbl>
+  <dgm:styleLbl name="solidFgAcc1">
+    <dgm:scene3d>
+      <a:camera prst="orthographicFront"/>
+      <a:lightRig rig="threePt" dir="t"/>
+    </dgm:scene3d>
+    <dgm:sp3d/>
+    <dgm:txPr/>
+    <dgm:style>
+      <a:lnRef idx="2">
+        <a:scrgbClr r="0" g="0" b="0"/>
+      </a:lnRef>
+      <a:fillRef idx="1">
+        <a:scrgbClr r="0" g="0" b="0"/>
+      </a:fillRef>
+      <a:effectRef idx="0">
+        <a:scrgbClr r="0" g="0" b="0"/>
+      </a:effectRef>
+      <a:fontRef idx="minor"/>
+    </dgm:style>
+  </dgm:styleLbl>
+  <dgm:styleLbl name="solidAlignAcc1">
+    <dgm:scene3d>
+      <a:camera prst="orthographicFront"/>
+      <a:lightRig rig="threePt" dir="t"/>
+    </dgm:scene3d>
+    <dgm:sp3d/>
+    <dgm:txPr/>
+    <dgm:style>
+      <a:lnRef idx="2">
+        <a:scrgbClr r="0" g="0" b="0"/>
+      </a:lnRef>
+      <a:fillRef idx="1">
+        <a:scrgbClr r="0" g="0" b="0"/>
+      </a:fillRef>
+      <a:effectRef idx="0">
+        <a:scrgbClr r="0" g="0" b="0"/>
+      </a:effectRef>
+      <a:fontRef idx="minor"/>
+    </dgm:style>
+  </dgm:styleLbl>
+  <dgm:styleLbl name="solidBgAcc1">
+    <dgm:scene3d>
+      <a:camera prst="orthographicFront"/>
+      <a:lightRig rig="threePt" dir="t"/>
+    </dgm:scene3d>
+    <dgm:sp3d/>
+    <dgm:txPr/>
+    <dgm:style>
+      <a:lnRef idx="2">
+        <a:scrgbClr r="0" g="0" b="0"/>
+      </a:lnRef>
+      <a:fillRef idx="1">
+        <a:scrgbClr r="0" g="0" b="0"/>
+      </a:fillRef>
+      <a:effectRef idx="0">
+        <a:scrgbClr r="0" g="0" b="0"/>
+      </a:effectRef>
+      <a:fontRef idx="minor"/>
+    </dgm:style>
+  </dgm:styleLbl>
+  <dgm:styleLbl name="fgAccFollowNode1">
+    <dgm:scene3d>
+      <a:camera prst="orthographicFront"/>
+      <a:lightRig rig="threePt" dir="t"/>
+    </dgm:scene3d>
+    <dgm:sp3d/>
+    <dgm:txPr/>
+    <dgm:style>
+      <a:lnRef idx="2">
+        <a:scrgbClr r="0" g="0" b="0"/>
+      </a:lnRef>
+      <a:fillRef idx="1">
+        <a:scrgbClr r="0" g="0" b="0"/>
+      </a:fillRef>
+      <a:effectRef idx="0">
+        <a:scrgbClr r="0" g="0" b="0"/>
+      </a:effectRef>
+      <a:fontRef idx="minor"/>
+    </dgm:style>
+  </dgm:styleLbl>
+  <dgm:styleLbl name="alignAccFollowNode1">
+    <dgm:scene3d>
+      <a:camera prst="orthographicFront"/>
+      <a:lightRig rig="threePt" dir="t"/>
+    </dgm:scene3d>
+    <dgm:sp3d/>
+    <dgm:txPr/>
+    <dgm:style>
+      <a:lnRef idx="2">
+        <a:scrgbClr r="0" g="0" b="0"/>
+      </a:lnRef>
+      <a:fillRef idx="1">
+        <a:scrgbClr r="0" g="0" b="0"/>
+      </a:fillRef>
+      <a:effectRef idx="0">
+        <a:scrgbClr r="0" g="0" b="0"/>
+      </a:effectRef>
+      <a:fontRef idx="minor"/>
+    </dgm:style>
+  </dgm:styleLbl>
+  <dgm:styleLbl name="bgAccFollowNode1">
+    <dgm:scene3d>
+      <a:camera prst="orthographicFront"/>
+      <a:lightRig rig="threePt" dir="t"/>
+    </dgm:scene3d>
+    <dgm:sp3d/>
+    <dgm:txPr/>
+    <dgm:style>
+      <a:lnRef idx="2">
+        <a:scrgbClr r="0" g="0" b="0"/>
+      </a:lnRef>
+      <a:fillRef idx="1">
+        <a:scrgbClr r="0" g="0" b="0"/>
+      </a:fillRef>
+      <a:effectRef idx="0">
+        <a:scrgbClr r="0" g="0" b="0"/>
+      </a:effectRef>
+      <a:fontRef idx="minor"/>
+    </dgm:style>
+  </dgm:styleLbl>
+  <dgm:styleLbl name="fgAcc0">
+    <dgm:scene3d>
+      <a:camera prst="orthographicFront"/>
+      <a:lightRig rig="threePt" dir="t"/>
+    </dgm:scene3d>
+    <dgm:sp3d/>
+    <dgm:txPr/>
+    <dgm:style>
+      <a:lnRef idx="2">
+        <a:scrgbClr r="0" g="0" b="0"/>
+      </a:lnRef>
+      <a:fillRef idx="1">
+        <a:scrgbClr r="0" g="0" b="0"/>
+      </a:fillRef>
+      <a:effectRef idx="0">
+        <a:scrgbClr r="0" g="0" b="0"/>
+      </a:effectRef>
+      <a:fontRef idx="minor"/>
+    </dgm:style>
+  </dgm:styleLbl>
+  <dgm:styleLbl name="fgAcc2">
+    <dgm:scene3d>
+      <a:camera prst="orthographicFront"/>
+      <a:lightRig rig="threePt" dir="t"/>
+    </dgm:scene3d>
+    <dgm:sp3d/>
+    <dgm:txPr/>
+    <dgm:style>
+      <a:lnRef idx="2">
+        <a:scrgbClr r="0" g="0" b="0"/>
+      </a:lnRef>
+      <a:fillRef idx="1">
+        <a:scrgbClr r="0" g="0" b="0"/>
+      </a:fillRef>
+      <a:effectRef idx="0">
+        <a:scrgbClr r="0" g="0" b="0"/>
+      </a:effectRef>
+      <a:fontRef idx="minor"/>
+    </dgm:style>
+  </dgm:styleLbl>
+  <dgm:styleLbl name="fgAcc3">
+    <dgm:scene3d>
+      <a:camera prst="orthographicFront"/>
+      <a:lightRig rig="threePt" dir="t"/>
+    </dgm:scene3d>
+    <dgm:sp3d/>
+    <dgm:txPr/>
+    <dgm:style>
+      <a:lnRef idx="2">
+        <a:scrgbClr r="0" g="0" b="0"/>
+      </a:lnRef>
+      <a:fillRef idx="1">
+        <a:scrgbClr r="0" g="0" b="0"/>
+      </a:fillRef>
+      <a:effectRef idx="0">
+        <a:scrgbClr r="0" g="0" b="0"/>
+      </a:effectRef>
+      <a:fontRef idx="minor"/>
+    </dgm:style>
+  </dgm:styleLbl>
+  <dgm:styleLbl name="fgAcc4">
+    <dgm:scene3d>
+      <a:camera prst="orthographicFront"/>
+      <a:lightRig rig="threePt" dir="t"/>
+    </dgm:scene3d>
+    <dgm:sp3d/>
+    <dgm:txPr/>
+    <dgm:style>
+      <a:lnRef idx="2">
+        <a:scrgbClr r="0" g="0" b="0"/>
+      </a:lnRef>
+      <a:fillRef idx="1">
+        <a:scrgbClr r="0" g="0" b="0"/>
+      </a:fillRef>
+      <a:effectRef idx="0">
+        <a:scrgbClr r="0" g="0" b="0"/>
+      </a:effectRef>
+      <a:fontRef idx="minor"/>
+    </dgm:style>
+  </dgm:styleLbl>
+  <dgm:styleLbl name="bgShp">
+    <dgm:scene3d>
+      <a:camera prst="orthographicFront"/>
+      <a:lightRig rig="threePt" dir="t"/>
+    </dgm:scene3d>
+    <dgm:sp3d/>
+    <dgm:txPr/>
+    <dgm:style>
+      <a:lnRef idx="0">
+        <a:scrgbClr r="0" g="0" b="0"/>
+      </a:lnRef>
+      <a:fillRef idx="1">
+        <a:scrgbClr r="0" g="0" b="0"/>
+      </a:fillRef>
+      <a:effectRef idx="0">
+        <a:scrgbClr r="0" g="0" b="0"/>
+      </a:effectRef>
+      <a:fontRef idx="minor"/>
+    </dgm:style>
+  </dgm:styleLbl>
+  <dgm:styleLbl name="dkBgShp">
+    <dgm:scene3d>
+      <a:camera prst="orthographicFront"/>
+      <a:lightRig rig="threePt" dir="t"/>
+    </dgm:scene3d>
+    <dgm:sp3d/>
+    <dgm:txPr/>
+    <dgm:style>
+      <a:lnRef idx="0">
+        <a:scrgbClr r="0" g="0" b="0"/>
+      </a:lnRef>
+      <a:fillRef idx="1">
+        <a:scrgbClr r="0" g="0" b="0"/>
+      </a:fillRef>
+      <a:effectRef idx="0">
+        <a:scrgbClr r="0" g="0" b="0"/>
+      </a:effectRef>
+      <a:fontRef idx="minor"/>
+    </dgm:style>
+  </dgm:styleLbl>
+  <dgm:styleLbl name="trBgShp">
+    <dgm:scene3d>
+      <a:camera prst="orthographicFront"/>
+      <a:lightRig rig="threePt" dir="t"/>
+    </dgm:scene3d>
+    <dgm:sp3d/>
+    <dgm:txPr/>
+    <dgm:style>
+      <a:lnRef idx="0">
+        <a:scrgbClr r="0" g="0" b="0"/>
+      </a:lnRef>
+      <a:fillRef idx="1">
+        <a:scrgbClr r="0" g="0" b="0"/>
+      </a:fillRef>
+      <a:effectRef idx="0">
+        <a:scrgbClr r="0" g="0" b="0"/>
+      </a:effectRef>
+      <a:fontRef idx="minor"/>
+    </dgm:style>
+  </dgm:styleLbl>
+  <dgm:styleLbl name="fgShp">
+    <dgm:scene3d>
+      <a:camera prst="orthographicFront"/>
+      <a:lightRig rig="threePt" dir="t"/>
+    </dgm:scene3d>
+    <dgm:sp3d/>
+    <dgm:txPr/>
+    <dgm:style>
+      <a:lnRef idx="2">
+        <a:scrgbClr r="0" g="0" b="0"/>
+      </a:lnRef>
+      <a:fillRef idx="1">
+        <a:scrgbClr r="0" g="0" b="0"/>
+      </a:fillRef>
+      <a:effectRef idx="0">
+        <a:scrgbClr r="0" g="0" b="0"/>
+      </a:effectRef>
+      <a:fontRef idx="minor"/>
+    </dgm:style>
+  </dgm:styleLbl>
+  <dgm:styleLbl name="revTx">
+    <dgm:scene3d>
+      <a:camera prst="orthographicFront"/>
+      <a:lightRig rig="threePt" dir="t"/>
+    </dgm:scene3d>
+    <dgm:sp3d/>
+    <dgm:txPr/>
+    <dgm:style>
+      <a:lnRef idx="0">
+        <a:scrgbClr r="0" g="0" b="0"/>
+      </a:lnRef>
+      <a:fillRef idx="0">
+        <a:scrgbClr r="0" g="0" b="0"/>
+      </a:fillRef>
+      <a:effectRef idx="0">
+        <a:scrgbClr r="0" g="0" b="0"/>
+      </a:effectRef>
+      <a:fontRef idx="minor"/>
+    </dgm:style>
+  </dgm:styleLbl>
+</dgm:styleDef>
+</file>
+
+<file path=ppt/diagrams/quickStyle3.xml><?xml version="1.0" encoding="utf-8"?>
 <dgm:styleDef xmlns:dgm="http://schemas.openxmlformats.org/drawingml/2006/diagram" xmlns:a="http://schemas.openxmlformats.org/drawingml/2006/main" uniqueId="urn:microsoft.com/office/officeart/2005/8/quickstyle/simple1">
   <dgm:title val=""/>
   <dgm:desc val=""/>
@@ -19254,7 +24319,7 @@
           <p:nvPr>
             <p:extLst>
               <p:ext uri="{D42A27DB-BD31-4B8C-83A1-F6EECF244321}">
-                <p14:modId xmlns:p14="http://schemas.microsoft.com/office/powerpoint/2010/main" val="42002940"/>
+                <p14:modId xmlns:p14="http://schemas.microsoft.com/office/powerpoint/2010/main" val="402126526"/>
               </p:ext>
             </p:extLst>
           </p:nvPr>
@@ -19386,10 +24451,16 @@
             </a:pPr>
             <a:r>
               <a:rPr lang="en-US" dirty="0"/>
-              <a:t>Convert the format to FASTQ (</a:t>
+              <a:t>Convert the format to FASTA (</a:t>
             </a:r>
             <a:r>
-              <a:rPr lang="en-US" dirty="0" err="1"/>
+              <a:rPr lang="en-US" b="1" dirty="0" err="1">
+                <a:solidFill>
+                  <a:schemeClr val="accent1"/>
+                </a:solidFill>
+                <a:latin typeface="Courier New" panose="02070309020205020404" pitchFamily="49" charset="0"/>
+                <a:cs typeface="Courier New" panose="02070309020205020404" pitchFamily="49" charset="0"/>
+              </a:rPr>
               <a:t>seqtk</a:t>
             </a:r>
             <a:r>
@@ -19403,6 +24474,642 @@
     <p:extLst>
       <p:ext uri="{BB962C8B-B14F-4D97-AF65-F5344CB8AC3E}">
         <p14:creationId xmlns:p14="http://schemas.microsoft.com/office/powerpoint/2010/main" val="4053990719"/>
+      </p:ext>
+    </p:extLst>
+  </p:cSld>
+  <p:clrMapOvr>
+    <a:masterClrMapping/>
+  </p:clrMapOvr>
+</p:sld>
+</file>
+
+<file path=ppt/slides/slide16.xml><?xml version="1.0" encoding="utf-8"?>
+<p:sld xmlns:a="http://schemas.openxmlformats.org/drawingml/2006/main" xmlns:r="http://schemas.openxmlformats.org/officeDocument/2006/relationships" xmlns:p="http://schemas.openxmlformats.org/presentationml/2006/main">
+  <p:cSld>
+    <p:spTree>
+      <p:nvGrpSpPr>
+        <p:cNvPr id="1" name=""/>
+        <p:cNvGrpSpPr/>
+        <p:nvPr/>
+      </p:nvGrpSpPr>
+      <p:grpSpPr>
+        <a:xfrm>
+          <a:off x="0" y="0"/>
+          <a:ext cx="0" cy="0"/>
+          <a:chOff x="0" y="0"/>
+          <a:chExt cx="0" cy="0"/>
+        </a:xfrm>
+      </p:grpSpPr>
+      <p:sp>
+        <p:nvSpPr>
+          <p:cNvPr id="2" name="Title 1">
+            <a:extLst>
+              <a:ext uri="{FF2B5EF4-FFF2-40B4-BE49-F238E27FC236}">
+                <a16:creationId xmlns:a16="http://schemas.microsoft.com/office/drawing/2014/main" id="{C888B45D-E4E9-364A-8B50-0DF59795FAD2}"/>
+              </a:ext>
+            </a:extLst>
+          </p:cNvPr>
+          <p:cNvSpPr>
+            <a:spLocks noGrp="1"/>
+          </p:cNvSpPr>
+          <p:nvPr>
+            <p:ph type="title"/>
+          </p:nvPr>
+        </p:nvSpPr>
+        <p:spPr/>
+        <p:txBody>
+          <a:bodyPr>
+            <a:normAutofit fontScale="90000"/>
+          </a:bodyPr>
+          <a:lstStyle/>
+          <a:p>
+            <a:r>
+              <a:rPr lang="en-US" dirty="0"/>
+              <a:t>What tools can we use to accomplish our goals?</a:t>
+            </a:r>
+          </a:p>
+        </p:txBody>
+      </p:sp>
+      <p:sp>
+        <p:nvSpPr>
+          <p:cNvPr id="3" name="Content Placeholder 2">
+            <a:extLst>
+              <a:ext uri="{FF2B5EF4-FFF2-40B4-BE49-F238E27FC236}">
+                <a16:creationId xmlns:a16="http://schemas.microsoft.com/office/drawing/2014/main" id="{E4410EE8-5A85-054D-B596-CAA34DA61BAF}"/>
+              </a:ext>
+            </a:extLst>
+          </p:cNvPr>
+          <p:cNvSpPr>
+            <a:spLocks noGrp="1"/>
+          </p:cNvSpPr>
+          <p:nvPr>
+            <p:ph idx="1"/>
+          </p:nvPr>
+        </p:nvSpPr>
+        <p:spPr/>
+        <p:txBody>
+          <a:bodyPr/>
+          <a:lstStyle/>
+          <a:p>
+            <a:r>
+              <a:rPr lang="en-US" dirty="0"/>
+              <a:t> </a:t>
+            </a:r>
+            <a:r>
+              <a:rPr lang="en-US" b="1" dirty="0">
+                <a:solidFill>
+                  <a:schemeClr val="accent1"/>
+                </a:solidFill>
+                <a:latin typeface="Courier New" panose="02070309020205020404" pitchFamily="49" charset="0"/>
+                <a:cs typeface="Courier New" panose="02070309020205020404" pitchFamily="49" charset="0"/>
+              </a:rPr>
+              <a:t>mv</a:t>
+            </a:r>
+            <a:r>
+              <a:rPr lang="en-US" dirty="0"/>
+              <a:t> for renaming</a:t>
+            </a:r>
+          </a:p>
+          <a:p>
+            <a:r>
+              <a:rPr lang="en-US" dirty="0"/>
+              <a:t> </a:t>
+            </a:r>
+            <a:r>
+              <a:rPr lang="en-US" b="1" dirty="0" err="1">
+                <a:solidFill>
+                  <a:schemeClr val="accent1"/>
+                </a:solidFill>
+                <a:latin typeface="Courier New" panose="02070309020205020404" pitchFamily="49" charset="0"/>
+                <a:cs typeface="Courier New" panose="02070309020205020404" pitchFamily="49" charset="0"/>
+              </a:rPr>
+              <a:t>seqtk</a:t>
+            </a:r>
+            <a:r>
+              <a:rPr lang="en-US" dirty="0"/>
+              <a:t> for converting between FASTQ and FASTA</a:t>
+            </a:r>
+          </a:p>
+        </p:txBody>
+      </p:sp>
+    </p:spTree>
+    <p:extLst>
+      <p:ext uri="{BB962C8B-B14F-4D97-AF65-F5344CB8AC3E}">
+        <p14:creationId xmlns:p14="http://schemas.microsoft.com/office/powerpoint/2010/main" val="2693994583"/>
+      </p:ext>
+    </p:extLst>
+  </p:cSld>
+  <p:clrMapOvr>
+    <a:masterClrMapping/>
+  </p:clrMapOvr>
+</p:sld>
+</file>
+
+<file path=ppt/slides/slide17.xml><?xml version="1.0" encoding="utf-8"?>
+<p:sld xmlns:a="http://schemas.openxmlformats.org/drawingml/2006/main" xmlns:r="http://schemas.openxmlformats.org/officeDocument/2006/relationships" xmlns:p="http://schemas.openxmlformats.org/presentationml/2006/main">
+  <p:cSld>
+    <p:spTree>
+      <p:nvGrpSpPr>
+        <p:cNvPr id="1" name=""/>
+        <p:cNvGrpSpPr/>
+        <p:nvPr/>
+      </p:nvGrpSpPr>
+      <p:grpSpPr>
+        <a:xfrm>
+          <a:off x="0" y="0"/>
+          <a:ext cx="0" cy="0"/>
+          <a:chOff x="0" y="0"/>
+          <a:chExt cx="0" cy="0"/>
+        </a:xfrm>
+      </p:grpSpPr>
+      <p:sp>
+        <p:nvSpPr>
+          <p:cNvPr id="2" name="Title 1">
+            <a:extLst>
+              <a:ext uri="{FF2B5EF4-FFF2-40B4-BE49-F238E27FC236}">
+                <a16:creationId xmlns:a16="http://schemas.microsoft.com/office/drawing/2014/main" id="{5DBA14A4-F7A0-EE4E-9289-12D9AA9BCD8B}"/>
+              </a:ext>
+            </a:extLst>
+          </p:cNvPr>
+          <p:cNvSpPr>
+            <a:spLocks noGrp="1"/>
+          </p:cNvSpPr>
+          <p:nvPr>
+            <p:ph type="title"/>
+          </p:nvPr>
+        </p:nvSpPr>
+        <p:spPr/>
+        <p:txBody>
+          <a:bodyPr/>
+          <a:lstStyle/>
+          <a:p>
+            <a:r>
+              <a:rPr lang="en-US" dirty="0"/>
+              <a:t>How would we process a single file?</a:t>
+            </a:r>
+          </a:p>
+        </p:txBody>
+      </p:sp>
+      <p:graphicFrame>
+        <p:nvGraphicFramePr>
+          <p:cNvPr id="4" name="Content Placeholder 3">
+            <a:extLst>
+              <a:ext uri="{FF2B5EF4-FFF2-40B4-BE49-F238E27FC236}">
+                <a16:creationId xmlns:a16="http://schemas.microsoft.com/office/drawing/2014/main" id="{77EF5B6E-FD44-614A-AC75-982E7FE381CE}"/>
+              </a:ext>
+            </a:extLst>
+          </p:cNvPr>
+          <p:cNvGraphicFramePr>
+            <a:graphicFrameLocks noGrp="1"/>
+          </p:cNvGraphicFramePr>
+          <p:nvPr>
+            <p:ph idx="1"/>
+            <p:extLst>
+              <p:ext uri="{D42A27DB-BD31-4B8C-83A1-F6EECF244321}">
+                <p14:modId xmlns:p14="http://schemas.microsoft.com/office/powerpoint/2010/main" val="3453563671"/>
+              </p:ext>
+            </p:extLst>
+          </p:nvPr>
+        </p:nvGraphicFramePr>
+        <p:xfrm>
+          <a:off x="838200" y="1825625"/>
+          <a:ext cx="10515600" cy="1036320"/>
+        </p:xfrm>
+        <a:graphic>
+          <a:graphicData uri="http://schemas.openxmlformats.org/drawingml/2006/table">
+            <a:tbl>
+              <a:tblPr firstRow="1" bandRow="1">
+                <a:tableStyleId>{5C22544A-7EE6-4342-B048-85BDC9FD1C3A}</a:tableStyleId>
+              </a:tblPr>
+              <a:tblGrid>
+                <a:gridCol w="5257800">
+                  <a:extLst>
+                    <a:ext uri="{9D8B030D-6E8A-4147-A177-3AD203B41FA5}">
+                      <a16:colId xmlns:a16="http://schemas.microsoft.com/office/drawing/2014/main" val="1575298764"/>
+                    </a:ext>
+                  </a:extLst>
+                </a:gridCol>
+                <a:gridCol w="5257800">
+                  <a:extLst>
+                    <a:ext uri="{9D8B030D-6E8A-4147-A177-3AD203B41FA5}">
+                      <a16:colId xmlns:a16="http://schemas.microsoft.com/office/drawing/2014/main" val="791937120"/>
+                    </a:ext>
+                  </a:extLst>
+                </a:gridCol>
+              </a:tblGrid>
+              <a:tr h="370840">
+                <a:tc>
+                  <a:txBody>
+                    <a:bodyPr/>
+                    <a:lstStyle/>
+                    <a:p>
+                      <a:pPr algn="ctr"/>
+                      <a:r>
+                        <a:rPr lang="en-US" sz="2800" dirty="0"/>
+                        <a:t>Original File Name</a:t>
+                      </a:r>
+                    </a:p>
+                  </a:txBody>
+                  <a:tcPr/>
+                </a:tc>
+                <a:tc>
+                  <a:txBody>
+                    <a:bodyPr/>
+                    <a:lstStyle/>
+                    <a:p>
+                      <a:pPr algn="ctr"/>
+                      <a:r>
+                        <a:rPr lang="en-US" sz="2800" dirty="0"/>
+                        <a:t>Desired File Name</a:t>
+                      </a:r>
+                    </a:p>
+                  </a:txBody>
+                  <a:tcPr/>
+                </a:tc>
+                <a:extLst>
+                  <a:ext uri="{0D108BD9-81ED-4DB2-BD59-A6C34878D82A}">
+                    <a16:rowId xmlns:a16="http://schemas.microsoft.com/office/drawing/2014/main" val="1609545053"/>
+                  </a:ext>
+                </a:extLst>
+              </a:tr>
+              <a:tr h="370840">
+                <a:tc>
+                  <a:txBody>
+                    <a:bodyPr/>
+                    <a:lstStyle/>
+                    <a:p>
+                      <a:pPr algn="ctr"/>
+                      <a:r>
+                        <a:rPr lang="en-US" sz="2800" dirty="0"/>
+                        <a:t>sample1_messy_name.fastq</a:t>
+                      </a:r>
+                    </a:p>
+                  </a:txBody>
+                  <a:tcPr/>
+                </a:tc>
+                <a:tc>
+                  <a:txBody>
+                    <a:bodyPr/>
+                    <a:lstStyle/>
+                    <a:p>
+                      <a:pPr algn="ctr"/>
+                      <a:r>
+                        <a:rPr lang="en-US" sz="2800" dirty="0"/>
+                        <a:t>sample1_processed.fasta</a:t>
+                      </a:r>
+                    </a:p>
+                  </a:txBody>
+                  <a:tcPr/>
+                </a:tc>
+                <a:extLst>
+                  <a:ext uri="{0D108BD9-81ED-4DB2-BD59-A6C34878D82A}">
+                    <a16:rowId xmlns:a16="http://schemas.microsoft.com/office/drawing/2014/main" val="4193530231"/>
+                  </a:ext>
+                </a:extLst>
+              </a:tr>
+            </a:tbl>
+          </a:graphicData>
+        </a:graphic>
+      </p:graphicFrame>
+      <p:graphicFrame>
+        <p:nvGraphicFramePr>
+          <p:cNvPr id="5" name="Diagram 4">
+            <a:extLst>
+              <a:ext uri="{FF2B5EF4-FFF2-40B4-BE49-F238E27FC236}">
+                <a16:creationId xmlns:a16="http://schemas.microsoft.com/office/drawing/2014/main" id="{7C32551C-F077-8648-8B99-85D8657F0532}"/>
+              </a:ext>
+            </a:extLst>
+          </p:cNvPr>
+          <p:cNvGraphicFramePr/>
+          <p:nvPr>
+            <p:extLst>
+              <p:ext uri="{D42A27DB-BD31-4B8C-83A1-F6EECF244321}">
+                <p14:modId xmlns:p14="http://schemas.microsoft.com/office/powerpoint/2010/main" val="635951175"/>
+              </p:ext>
+            </p:extLst>
+          </p:nvPr>
+        </p:nvGraphicFramePr>
+        <p:xfrm>
+          <a:off x="228600" y="3429000"/>
+          <a:ext cx="11734800" cy="2736261"/>
+        </p:xfrm>
+        <a:graphic>
+          <a:graphicData uri="http://schemas.openxmlformats.org/drawingml/2006/diagram">
+            <dgm:relIds xmlns:dgm="http://schemas.openxmlformats.org/drawingml/2006/diagram" xmlns:r="http://schemas.openxmlformats.org/officeDocument/2006/relationships" r:dm="rId2" r:lo="rId3" r:qs="rId4" r:cs="rId5"/>
+          </a:graphicData>
+        </a:graphic>
+      </p:graphicFrame>
+    </p:spTree>
+    <p:extLst>
+      <p:ext uri="{BB962C8B-B14F-4D97-AF65-F5344CB8AC3E}">
+        <p14:creationId xmlns:p14="http://schemas.microsoft.com/office/powerpoint/2010/main" val="4066494237"/>
+      </p:ext>
+    </p:extLst>
+  </p:cSld>
+  <p:clrMapOvr>
+    <a:masterClrMapping/>
+  </p:clrMapOvr>
+  <p:timing>
+    <p:tnLst>
+      <p:par>
+        <p:cTn id="1" dur="indefinite" restart="never" nodeType="tmRoot">
+          <p:childTnLst>
+            <p:seq concurrent="1" nextAc="seek">
+              <p:cTn id="2" dur="indefinite" nodeType="mainSeq">
+                <p:childTnLst>
+                  <p:par>
+                    <p:cTn id="3" fill="hold">
+                      <p:stCondLst>
+                        <p:cond delay="indefinite"/>
+                      </p:stCondLst>
+                      <p:childTnLst>
+                        <p:par>
+                          <p:cTn id="4" fill="hold">
+                            <p:stCondLst>
+                              <p:cond delay="0"/>
+                            </p:stCondLst>
+                            <p:childTnLst>
+                              <p:par>
+                                <p:cTn id="5" presetID="1" presetClass="entr" presetSubtype="0" fill="hold" grpId="0" nodeType="clickEffect">
+                                  <p:stCondLst>
+                                    <p:cond delay="0"/>
+                                  </p:stCondLst>
+                                  <p:childTnLst>
+                                    <p:set>
+                                      <p:cBhvr>
+                                        <p:cTn id="6" dur="1" fill="hold">
+                                          <p:stCondLst>
+                                            <p:cond delay="0"/>
+                                          </p:stCondLst>
+                                        </p:cTn>
+                                        <p:tgtEl>
+                                          <p:spTgt spid="5"/>
+                                        </p:tgtEl>
+                                        <p:attrNameLst>
+                                          <p:attrName>style.visibility</p:attrName>
+                                        </p:attrNameLst>
+                                      </p:cBhvr>
+                                      <p:to>
+                                        <p:strVal val="visible"/>
+                                      </p:to>
+                                    </p:set>
+                                  </p:childTnLst>
+                                </p:cTn>
+                              </p:par>
+                            </p:childTnLst>
+                          </p:cTn>
+                        </p:par>
+                      </p:childTnLst>
+                    </p:cTn>
+                  </p:par>
+                </p:childTnLst>
+              </p:cTn>
+              <p:prevCondLst>
+                <p:cond evt="onPrev" delay="0">
+                  <p:tgtEl>
+                    <p:sldTgt/>
+                  </p:tgtEl>
+                </p:cond>
+              </p:prevCondLst>
+              <p:nextCondLst>
+                <p:cond evt="onNext" delay="0">
+                  <p:tgtEl>
+                    <p:sldTgt/>
+                  </p:tgtEl>
+                </p:cond>
+              </p:nextCondLst>
+            </p:seq>
+          </p:childTnLst>
+        </p:cTn>
+      </p:par>
+    </p:tnLst>
+    <p:bldLst>
+      <p:bldGraphic spid="5" grpId="0">
+        <p:bldAsOne/>
+      </p:bldGraphic>
+    </p:bldLst>
+  </p:timing>
+</p:sld>
+</file>
+
+<file path=ppt/slides/slide18.xml><?xml version="1.0" encoding="utf-8"?>
+<p:sld xmlns:a="http://schemas.openxmlformats.org/drawingml/2006/main" xmlns:r="http://schemas.openxmlformats.org/officeDocument/2006/relationships" xmlns:p="http://schemas.openxmlformats.org/presentationml/2006/main">
+  <p:cSld>
+    <p:spTree>
+      <p:nvGrpSpPr>
+        <p:cNvPr id="1" name=""/>
+        <p:cNvGrpSpPr/>
+        <p:nvPr/>
+      </p:nvGrpSpPr>
+      <p:grpSpPr>
+        <a:xfrm>
+          <a:off x="0" y="0"/>
+          <a:ext cx="0" cy="0"/>
+          <a:chOff x="0" y="0"/>
+          <a:chExt cx="0" cy="0"/>
+        </a:xfrm>
+      </p:grpSpPr>
+      <p:sp>
+        <p:nvSpPr>
+          <p:cNvPr id="2" name="Title 1">
+            <a:extLst>
+              <a:ext uri="{FF2B5EF4-FFF2-40B4-BE49-F238E27FC236}">
+                <a16:creationId xmlns:a16="http://schemas.microsoft.com/office/drawing/2014/main" id="{E4B30FD1-7CFF-1344-A8BC-2C77BADF7525}"/>
+              </a:ext>
+            </a:extLst>
+          </p:cNvPr>
+          <p:cNvSpPr>
+            <a:spLocks noGrp="1"/>
+          </p:cNvSpPr>
+          <p:nvPr>
+            <p:ph type="title"/>
+          </p:nvPr>
+        </p:nvSpPr>
+        <p:spPr/>
+        <p:txBody>
+          <a:bodyPr>
+            <a:normAutofit fontScale="90000"/>
+          </a:bodyPr>
+          <a:lstStyle/>
+          <a:p>
+            <a:r>
+              <a:rPr lang="en-US" dirty="0"/>
+              <a:t>Every discrete operation that </a:t>
+            </a:r>
+            <a:r>
+              <a:rPr lang="en-US" dirty="0" err="1"/>
+              <a:t>Snakemake</a:t>
+            </a:r>
+            <a:r>
+              <a:rPr lang="en-US" dirty="0"/>
+              <a:t> performs is a </a:t>
+            </a:r>
+            <a:r>
+              <a:rPr lang="en-US" b="1" dirty="0"/>
+              <a:t>rule</a:t>
+            </a:r>
+            <a:r>
+              <a:rPr lang="en-US" dirty="0"/>
+              <a:t>.</a:t>
+            </a:r>
+          </a:p>
+        </p:txBody>
+      </p:sp>
+      <p:sp>
+        <p:nvSpPr>
+          <p:cNvPr id="3" name="Content Placeholder 2">
+            <a:extLst>
+              <a:ext uri="{FF2B5EF4-FFF2-40B4-BE49-F238E27FC236}">
+                <a16:creationId xmlns:a16="http://schemas.microsoft.com/office/drawing/2014/main" id="{A8074D90-D6CD-724E-9712-C2D9A9779FA1}"/>
+              </a:ext>
+            </a:extLst>
+          </p:cNvPr>
+          <p:cNvSpPr>
+            <a:spLocks noGrp="1"/>
+          </p:cNvSpPr>
+          <p:nvPr>
+            <p:ph idx="1"/>
+          </p:nvPr>
+        </p:nvSpPr>
+        <p:spPr/>
+        <p:txBody>
+          <a:bodyPr/>
+          <a:lstStyle/>
+          <a:p>
+            <a:endParaRPr lang="en-US"/>
+          </a:p>
+        </p:txBody>
+      </p:sp>
+    </p:spTree>
+    <p:extLst>
+      <p:ext uri="{BB962C8B-B14F-4D97-AF65-F5344CB8AC3E}">
+        <p14:creationId xmlns:p14="http://schemas.microsoft.com/office/powerpoint/2010/main" val="4184611982"/>
+      </p:ext>
+    </p:extLst>
+  </p:cSld>
+  <p:clrMapOvr>
+    <a:masterClrMapping/>
+  </p:clrMapOvr>
+</p:sld>
+</file>
+
+<file path=ppt/slides/slide19.xml><?xml version="1.0" encoding="utf-8"?>
+<p:sld xmlns:a="http://schemas.openxmlformats.org/drawingml/2006/main" xmlns:r="http://schemas.openxmlformats.org/officeDocument/2006/relationships" xmlns:p="http://schemas.openxmlformats.org/presentationml/2006/main">
+  <p:cSld>
+    <p:spTree>
+      <p:nvGrpSpPr>
+        <p:cNvPr id="1" name=""/>
+        <p:cNvGrpSpPr/>
+        <p:nvPr/>
+      </p:nvGrpSpPr>
+      <p:grpSpPr>
+        <a:xfrm>
+          <a:off x="0" y="0"/>
+          <a:ext cx="0" cy="0"/>
+          <a:chOff x="0" y="0"/>
+          <a:chExt cx="0" cy="0"/>
+        </a:xfrm>
+      </p:grpSpPr>
+      <p:sp>
+        <p:nvSpPr>
+          <p:cNvPr id="2" name="Title 1">
+            <a:extLst>
+              <a:ext uri="{FF2B5EF4-FFF2-40B4-BE49-F238E27FC236}">
+                <a16:creationId xmlns:a16="http://schemas.microsoft.com/office/drawing/2014/main" id="{C2ED8E5A-ABC0-2645-A1E3-6228435F9B32}"/>
+              </a:ext>
+            </a:extLst>
+          </p:cNvPr>
+          <p:cNvSpPr>
+            <a:spLocks noGrp="1"/>
+          </p:cNvSpPr>
+          <p:nvPr>
+            <p:ph type="title"/>
+          </p:nvPr>
+        </p:nvSpPr>
+        <p:spPr/>
+        <p:txBody>
+          <a:bodyPr>
+            <a:normAutofit fontScale="90000"/>
+          </a:bodyPr>
+          <a:lstStyle/>
+          <a:p>
+            <a:r>
+              <a:rPr lang="en-US" dirty="0"/>
+              <a:t>What if we only wanted to select a few files to process from our folder?</a:t>
+            </a:r>
+          </a:p>
+        </p:txBody>
+      </p:sp>
+      <p:sp>
+        <p:nvSpPr>
+          <p:cNvPr id="3" name="Content Placeholder 2">
+            <a:extLst>
+              <a:ext uri="{FF2B5EF4-FFF2-40B4-BE49-F238E27FC236}">
+                <a16:creationId xmlns:a16="http://schemas.microsoft.com/office/drawing/2014/main" id="{D91490DE-997A-7947-B9C4-02DA39AE6B0A}"/>
+              </a:ext>
+            </a:extLst>
+          </p:cNvPr>
+          <p:cNvSpPr>
+            <a:spLocks noGrp="1"/>
+          </p:cNvSpPr>
+          <p:nvPr>
+            <p:ph idx="1"/>
+          </p:nvPr>
+        </p:nvSpPr>
+        <p:spPr/>
+        <p:txBody>
+          <a:bodyPr/>
+          <a:lstStyle/>
+          <a:p>
+            <a:r>
+              <a:rPr lang="en-US" dirty="0"/>
+              <a:t> Enter: the </a:t>
+            </a:r>
+            <a:r>
+              <a:rPr lang="en-US" b="1" dirty="0"/>
+              <a:t>config file</a:t>
+            </a:r>
+            <a:r>
+              <a:rPr lang="en-US" dirty="0"/>
+              <a:t>.</a:t>
+            </a:r>
+          </a:p>
+        </p:txBody>
+      </p:sp>
+      <p:pic>
+        <p:nvPicPr>
+          <p:cNvPr id="4" name="Picture 3">
+            <a:extLst>
+              <a:ext uri="{FF2B5EF4-FFF2-40B4-BE49-F238E27FC236}">
+                <a16:creationId xmlns:a16="http://schemas.microsoft.com/office/drawing/2014/main" id="{DDB34208-0613-634A-AB1B-7FA4F7034B32}"/>
+              </a:ext>
+            </a:extLst>
+          </p:cNvPr>
+          <p:cNvPicPr>
+            <a:picLocks noChangeAspect="1"/>
+          </p:cNvPicPr>
+          <p:nvPr/>
+        </p:nvPicPr>
+        <p:blipFill>
+          <a:blip r:embed="rId2"/>
+          <a:stretch>
+            <a:fillRect/>
+          </a:stretch>
+        </p:blipFill>
+        <p:spPr>
+          <a:xfrm>
+            <a:off x="5822329" y="1946728"/>
+            <a:ext cx="5820229" cy="4365172"/>
+          </a:xfrm>
+          <a:prstGeom prst="rect">
+            <a:avLst/>
+          </a:prstGeom>
+        </p:spPr>
+      </p:pic>
+    </p:spTree>
+    <p:extLst>
+      <p:ext uri="{BB962C8B-B14F-4D97-AF65-F5344CB8AC3E}">
+        <p14:creationId xmlns:p14="http://schemas.microsoft.com/office/powerpoint/2010/main" val="3480188735"/>
       </p:ext>
     </p:extLst>
   </p:cSld>
@@ -19486,6 +25193,145 @@
     <p:extLst>
       <p:ext uri="{BB962C8B-B14F-4D97-AF65-F5344CB8AC3E}">
         <p14:creationId xmlns:p14="http://schemas.microsoft.com/office/powerpoint/2010/main" val="3164816570"/>
+      </p:ext>
+    </p:extLst>
+  </p:cSld>
+  <p:clrMapOvr>
+    <a:masterClrMapping/>
+  </p:clrMapOvr>
+</p:sld>
+</file>
+
+<file path=ppt/slides/slide20.xml><?xml version="1.0" encoding="utf-8"?>
+<p:sld xmlns:a="http://schemas.openxmlformats.org/drawingml/2006/main" xmlns:r="http://schemas.openxmlformats.org/officeDocument/2006/relationships" xmlns:p="http://schemas.openxmlformats.org/presentationml/2006/main">
+  <p:cSld>
+    <p:spTree>
+      <p:nvGrpSpPr>
+        <p:cNvPr id="1" name=""/>
+        <p:cNvGrpSpPr/>
+        <p:nvPr/>
+      </p:nvGrpSpPr>
+      <p:grpSpPr>
+        <a:xfrm>
+          <a:off x="0" y="0"/>
+          <a:ext cx="0" cy="0"/>
+          <a:chOff x="0" y="0"/>
+          <a:chExt cx="0" cy="0"/>
+        </a:xfrm>
+      </p:grpSpPr>
+      <p:sp>
+        <p:nvSpPr>
+          <p:cNvPr id="2" name="Title 1">
+            <a:extLst>
+              <a:ext uri="{FF2B5EF4-FFF2-40B4-BE49-F238E27FC236}">
+                <a16:creationId xmlns:a16="http://schemas.microsoft.com/office/drawing/2014/main" id="{5915D9D5-72DA-5548-BCFE-64CE2244C3BA}"/>
+              </a:ext>
+            </a:extLst>
+          </p:cNvPr>
+          <p:cNvSpPr>
+            <a:spLocks noGrp="1"/>
+          </p:cNvSpPr>
+          <p:nvPr>
+            <p:ph type="title"/>
+          </p:nvPr>
+        </p:nvSpPr>
+        <p:spPr/>
+        <p:txBody>
+          <a:bodyPr>
+            <a:normAutofit fontScale="90000"/>
+          </a:bodyPr>
+          <a:lstStyle/>
+          <a:p>
+            <a:r>
+              <a:rPr lang="en-US" dirty="0"/>
+              <a:t>Configuration files provide a </a:t>
+            </a:r>
+            <a:r>
+              <a:rPr lang="en-US" b="1" dirty="0"/>
+              <a:t>lookup table </a:t>
+            </a:r>
+            <a:r>
+              <a:rPr lang="en-US" dirty="0"/>
+              <a:t>that </a:t>
+            </a:r>
+            <a:r>
+              <a:rPr lang="en-US" dirty="0" err="1"/>
+              <a:t>Snakemake</a:t>
+            </a:r>
+            <a:r>
+              <a:rPr lang="en-US" dirty="0"/>
+              <a:t> will use for processing.</a:t>
+            </a:r>
+          </a:p>
+        </p:txBody>
+      </p:sp>
+      <p:graphicFrame>
+        <p:nvGraphicFramePr>
+          <p:cNvPr id="5" name="Diagram 4">
+            <a:extLst>
+              <a:ext uri="{FF2B5EF4-FFF2-40B4-BE49-F238E27FC236}">
+                <a16:creationId xmlns:a16="http://schemas.microsoft.com/office/drawing/2014/main" id="{F5FE3DE5-986C-C149-84FE-0EE7A3E96482}"/>
+              </a:ext>
+            </a:extLst>
+          </p:cNvPr>
+          <p:cNvGraphicFramePr/>
+          <p:nvPr>
+            <p:extLst>
+              <p:ext uri="{D42A27DB-BD31-4B8C-83A1-F6EECF244321}">
+                <p14:modId xmlns:p14="http://schemas.microsoft.com/office/powerpoint/2010/main" val="4074663249"/>
+              </p:ext>
+            </p:extLst>
+          </p:nvPr>
+        </p:nvGraphicFramePr>
+        <p:xfrm>
+          <a:off x="1275442" y="1690688"/>
+          <a:ext cx="9641115" cy="4945894"/>
+        </p:xfrm>
+        <a:graphic>
+          <a:graphicData uri="http://schemas.openxmlformats.org/drawingml/2006/diagram">
+            <dgm:relIds xmlns:dgm="http://schemas.openxmlformats.org/drawingml/2006/diagram" xmlns:r="http://schemas.openxmlformats.org/officeDocument/2006/relationships" r:dm="rId2" r:lo="rId3" r:qs="rId4" r:cs="rId5"/>
+          </a:graphicData>
+        </a:graphic>
+      </p:graphicFrame>
+      <p:sp>
+        <p:nvSpPr>
+          <p:cNvPr id="8" name="TextBox 7">
+            <a:extLst>
+              <a:ext uri="{FF2B5EF4-FFF2-40B4-BE49-F238E27FC236}">
+                <a16:creationId xmlns:a16="http://schemas.microsoft.com/office/drawing/2014/main" id="{CEE84B0B-B034-5543-84FF-1EB5419EACA2}"/>
+              </a:ext>
+            </a:extLst>
+          </p:cNvPr>
+          <p:cNvSpPr txBox="1"/>
+          <p:nvPr/>
+        </p:nvSpPr>
+        <p:spPr>
+          <a:xfrm rot="16200000">
+            <a:off x="-1200488" y="3589959"/>
+            <a:ext cx="4383316" cy="584775"/>
+          </a:xfrm>
+          <a:prstGeom prst="rect">
+            <a:avLst/>
+          </a:prstGeom>
+          <a:noFill/>
+        </p:spPr>
+        <p:txBody>
+          <a:bodyPr wrap="none" rtlCol="0">
+            <a:spAutoFit/>
+          </a:bodyPr>
+          <a:lstStyle/>
+          <a:p>
+            <a:r>
+              <a:rPr lang="en-US" sz="3200" dirty="0"/>
+              <a:t>Configuration file slots</a:t>
+            </a:r>
+          </a:p>
+        </p:txBody>
+      </p:sp>
+    </p:spTree>
+    <p:extLst>
+      <p:ext uri="{BB962C8B-B14F-4D97-AF65-F5344CB8AC3E}">
+        <p14:creationId xmlns:p14="http://schemas.microsoft.com/office/powerpoint/2010/main" val="2456659052"/>
       </p:ext>
     </p:extLst>
   </p:cSld>
